--- a/reference_material/slides/008_recursion.pptx
+++ b/reference_material/slides/008_recursion.pptx
@@ -11,12 +11,16 @@
     <p:sldId id="257" r:id="rId5"/>
     <p:sldId id="262" r:id="rId6"/>
     <p:sldId id="265" r:id="rId7"/>
-    <p:sldId id="258" r:id="rId8"/>
-    <p:sldId id="259" r:id="rId9"/>
-    <p:sldId id="260" r:id="rId10"/>
-    <p:sldId id="261" r:id="rId11"/>
-    <p:sldId id="266" r:id="rId12"/>
-    <p:sldId id="263" r:id="rId13"/>
+    <p:sldId id="269" r:id="rId8"/>
+    <p:sldId id="268" r:id="rId9"/>
+    <p:sldId id="270" r:id="rId10"/>
+    <p:sldId id="258" r:id="rId11"/>
+    <p:sldId id="259" r:id="rId12"/>
+    <p:sldId id="260" r:id="rId13"/>
+    <p:sldId id="261" r:id="rId14"/>
+    <p:sldId id="271" r:id="rId15"/>
+    <p:sldId id="266" r:id="rId16"/>
+    <p:sldId id="263" r:id="rId17"/>
   </p:sldIdLst>
   <p:sldSz cx="12192000" cy="6858000"/>
   <p:notesSz cx="6858000" cy="9144000"/>
@@ -166,14 +170,14 @@
           <inkml:channelProperty channel="F" name="resolution" value="0" units="1/dev"/>
         </inkml:channelProperties>
       </inkml:inkSource>
-      <inkml:timestamp xml:id="ts0" timeString="2023-09-15T14:52:30.518"/>
+      <inkml:timestamp xml:id="ts0" timeString="2023-09-15T14:52:50.025"/>
     </inkml:context>
     <inkml:brush xml:id="br0">
       <inkml:brushProperty name="width" value="0.025" units="cm"/>
       <inkml:brushProperty name="height" value="0.025" units="cm"/>
     </inkml:brush>
   </inkml:definitions>
-  <inkml:trace contextRef="#ctx0" brushRef="#br0">595 0 24575,'-11'0'0,"-1"0"0,1 0 0,0 0 0,-5 0 0,-7 5 0,5-4 0,-33 9 0,32-8 0,-47 8 0,48-4 0,-38 5 0,40-5 0,-15-1 0,20-5 0,0 5 0,4 2 0,-18 14 0,15-13 0,-41 32 0,34-33 0,-39 42 0,40-37 0,-11 19 0,22-20 0,5 5 0,0-3 0,16 13 0,-8-17-6784,34 30 6784,-31-27-1784,55 39 1784,-56-35-656,65 30 656,-61-36 0,43 30 0,-42-30 0,31 41 0,-34-34-1616,18 20 1616,-29-26 4183,9 0-4183,-9 0 2070,9 0-2070,-3 1 0,-1-1 0,4 5 0,-4-8 926,1 7-926,3 16 0,-4-14 2820,10 34-2820,-8-36 841,7 16-841,-14-18 0,9 18 0,-8-16 0,3 26 0,-5-26 0,0 31 0,0-30 0,-10 25 0,2-32 0,-13 21 0,9-21 0,-15 17 0,14-19 0,-8 8 0,9-13 0,1 8 0,0-9 0,-15 14 0,11-13 0,-21 8 0,22-10 0,-17 5 0,17-4 0,-7 4 0,10-5 0,-1 0 0,1 0 0,0 0 0,0 5 0,-5-3 0,3 3 0,-13-5 0,12 0 0,-12 0 0,14 0 0,-10 0 0,10 0 0,1 0 0,6 0 0</inkml:trace>
+  <inkml:trace contextRef="#ctx0" brushRef="#br0">1 430 24575,'11'-5'0,"0"4"0,1-4 0,-1 5 0,-5-5 0,4 4 0,-3-4 0,-1 0 0,4 4 0,11-15 0,-5 14 0,25-13 0,-26 14 0,32-15 0,-36 9 0,49-25 0,-46 22-750,28-15 750,-31 19-6535,0 0 6535,-4-4 0,3 8 0,-4-8 0,5 4 0,1 0 0,-6-4 0,24-22 0,-18 20 0,39-49 0,-39 49 0,33-40 0,-35 42 501,21-15-501,-23 18 0,2 1 0,-10 1 0</inkml:trace>
 </inkml:ink>
 </file>
 
@@ -193,230 +197,14 @@
           <inkml:channelProperty channel="F" name="resolution" value="0" units="1/dev"/>
         </inkml:channelProperties>
       </inkml:inkSource>
-      <inkml:timestamp xml:id="ts0" timeString="2023-09-15T14:52:31.702"/>
+      <inkml:timestamp xml:id="ts0" timeString="2023-09-15T14:52:50.888"/>
     </inkml:context>
     <inkml:brush xml:id="br0">
       <inkml:brushProperty name="width" value="0.025" units="cm"/>
       <inkml:brushProperty name="height" value="0.025" units="cm"/>
     </inkml:brush>
   </inkml:definitions>
-  <inkml:trace contextRef="#ctx0" brushRef="#br0">270 235 24575,'-5'-6'0,"3"6"0,-8 6 0,4 5 0,0 1 0,-24 29 0,19-23-3362,-15 23 3362,16-34 0,8 3 0,-13 6 0,13-2 0,-18 12 0,18-14 0,-13-1 0,-7 29 0,7-26 0,-16 57 0,24-52 0,-13 52 0,17-53 0,-7 49 0,10-50 0,0 34 0,5-36 0,12 26 0,-3-26 0,27 26 0,-24-26-5671,34 26 5671,-40-26 1052,40 26-1052,-45-26 0,34 21 0,-31-27 0,18 11 0,-15-19 0,4 4 0,-4-15 0,-1 8 0,-5-13 6191,4 8-6191,12-24 0,-7 15 0,37-46 0,-35 43 834,15-22-834,-22 29 0,-4 6 0,0-4 0,4 4 0,-3-6 0,-1 1 0,4 5 0,-9-4 0,9-2 0,-8 0 0,8-5 0,-4-24 0,0 22 0,-1-73 0,-5 68-2914,-4-32 0,-2 0 2914,4 32-1400,-10-34 1,-1-1 1399,4 34-1004,-6-29 0,-1 1 1004,7 32-2945,-26-61 2945,25 68 2734,-31-46-2734,26 54 2229,-16-29-2229,19 32 2464,-9-12-2464,8 14 6623,-8-9-6623,8 8 486,-3-3-486,5 5 0,0 0 0,0 0 0,-16 5 0,12-3 0,-36 27 0,34-22 0,-24 38 0,28-40 0,-3 24 0,10-21 0,1 8 0,5-5 0,5 1 0,1-1 0,1 0 0,3 0 0,-9-5 0,4-1 0</inkml:trace>
-</inkml:ink>
-</file>
-
-<file path=ppt/ink/ink12.xml><?xml version="1.0" encoding="utf-8"?>
-<inkml:ink xmlns:inkml="http://www.w3.org/2003/InkML">
-  <inkml:definitions>
-    <inkml:context xml:id="ctx0">
-      <inkml:inkSource xml:id="inkSrc0">
-        <inkml:traceFormat>
-          <inkml:channel name="X" type="integer" min="-2.14748E9" max="2.14748E9" units="cm"/>
-          <inkml:channel name="Y" type="integer" min="-2.14748E9" max="2.14748E9" units="cm"/>
-          <inkml:channel name="F" type="integer" max="32767" units="dev"/>
-        </inkml:traceFormat>
-        <inkml:channelProperties>
-          <inkml:channelProperty channel="X" name="resolution" value="1000" units="1/cm"/>
-          <inkml:channelProperty channel="Y" name="resolution" value="1000" units="1/cm"/>
-          <inkml:channelProperty channel="F" name="resolution" value="0" units="1/dev"/>
-        </inkml:channelProperties>
-      </inkml:inkSource>
-      <inkml:timestamp xml:id="ts0" timeString="2023-09-15T14:52:32.368"/>
-    </inkml:context>
-    <inkml:brush xml:id="br0">
-      <inkml:brushProperty name="width" value="0.025" units="cm"/>
-      <inkml:brushProperty name="height" value="0.025" units="cm"/>
-    </inkml:brush>
-  </inkml:definitions>
-  <inkml:trace contextRef="#ctx0" brushRef="#br0">1 0 24575,'6'5'0,"4"-4"0,-4 9 0,0-3 0,5-1 0,0 19 0,1-15-6784,25 71 6784,-26-56-2269,14 33 1,1 0 2268,-15-35-1517,9 31 0,1-2 1517,-7-34-738,18 71 738,-23-74 2668,16 46-2668,-18-51 0,5 15 3990,-7-19-3990,0 6 5967,-4-1-5967,9-5 2468,-9 4-2468,9-9 0,-8 4 0,3-5 0</inkml:trace>
-</inkml:ink>
-</file>
-
-<file path=ppt/ink/ink13.xml><?xml version="1.0" encoding="utf-8"?>
-<inkml:ink xmlns:inkml="http://www.w3.org/2003/InkML">
-  <inkml:definitions>
-    <inkml:context xml:id="ctx0">
-      <inkml:inkSource xml:id="inkSrc0">
-        <inkml:traceFormat>
-          <inkml:channel name="X" type="integer" min="-2.14748E9" max="2.14748E9" units="cm"/>
-          <inkml:channel name="Y" type="integer" min="-2.14748E9" max="2.14748E9" units="cm"/>
-          <inkml:channel name="F" type="integer" max="32767" units="dev"/>
-        </inkml:traceFormat>
-        <inkml:channelProperties>
-          <inkml:channelProperty channel="X" name="resolution" value="1000" units="1/cm"/>
-          <inkml:channelProperty channel="Y" name="resolution" value="1000" units="1/cm"/>
-          <inkml:channelProperty channel="F" name="resolution" value="0" units="1/dev"/>
-        </inkml:channelProperties>
-      </inkml:inkSource>
-      <inkml:timestamp xml:id="ts0" timeString="2023-09-15T14:52:33.030"/>
-    </inkml:context>
-    <inkml:brush xml:id="br0">
-      <inkml:brushProperty name="width" value="0.025" units="cm"/>
-      <inkml:brushProperty name="height" value="0.025" units="cm"/>
-    </inkml:brush>
-  </inkml:definitions>
-  <inkml:trace contextRef="#ctx0" brushRef="#br0">0 0 24575,'7'5'0,"-2"1"0,0 1 0,-4 3 0,9 6 0,-4-2 0,6 27 0,-6-25-8503,9 50 8503,-12-46-1409,6 34 0,2 3 1409,-4-30-1517,2 46 0,-1 0 1517,-2-44-782,-2 39 0,-3 0 782,-1-44 0,-2 35 0,-1-2 0,2-33 560,-2 29 1,1 0-561,2-31 0,0 59 0,0-63 0,0 18 2814,0-25-2814,0 0 2912,0 6-2912,0 5 0,0-3 0,0 2 5651,0 10-5651,5-20 3421,-4 29-3421,4-31 0,-5 7 0,0-11 0</inkml:trace>
-</inkml:ink>
-</file>
-
-<file path=ppt/ink/ink14.xml><?xml version="1.0" encoding="utf-8"?>
-<inkml:ink xmlns:inkml="http://www.w3.org/2003/InkML">
-  <inkml:definitions>
-    <inkml:context xml:id="ctx0">
-      <inkml:inkSource xml:id="inkSrc0">
-        <inkml:traceFormat>
-          <inkml:channel name="X" type="integer" min="-2.14748E9" max="2.14748E9" units="cm"/>
-          <inkml:channel name="Y" type="integer" min="-2.14748E9" max="2.14748E9" units="cm"/>
-          <inkml:channel name="F" type="integer" max="32767" units="dev"/>
-        </inkml:traceFormat>
-        <inkml:channelProperties>
-          <inkml:channelProperty channel="X" name="resolution" value="1000" units="1/cm"/>
-          <inkml:channelProperty channel="Y" name="resolution" value="1000" units="1/cm"/>
-          <inkml:channelProperty channel="F" name="resolution" value="0" units="1/dev"/>
-        </inkml:channelProperties>
-      </inkml:inkSource>
-      <inkml:timestamp xml:id="ts0" timeString="2023-09-15T14:52:34.012"/>
-    </inkml:context>
-    <inkml:brush xml:id="br0">
-      <inkml:brushProperty name="width" value="0.025" units="cm"/>
-      <inkml:brushProperty name="height" value="0.025" units="cm"/>
-    </inkml:brush>
-  </inkml:definitions>
-  <inkml:trace contextRef="#ctx0" brushRef="#br0">1 125 24575,'0'-11'0,"5"4"0,-4-3 0,9 9 0,-9-9 0,9 4 0,-3-1 0,9-3 0,-3 9 0,18-14 0,-16 13-6784,52-14 6784,-46 15-1484,32-2 0,1 1 1484,-29 2 0,27 0 0,-2 0 0,-30 0 0,27 0 0,-31-5 0,2 4 0,-1-4 5314,0 5-5314,-11-5 4438,4 4-4438,-4-5 0,6 6 0,-1 0 0,-5 5 0,20 37 0,-21-22-6784,20 66 6784,-19-70-4537,0 73 4537,-6-72 0,-6 49 0,-45 13 0,0-11 0,-3 14 0,5-41 0,45-28 0,-26 8 0,21-14 4537,-22 13-4537,17-17 0,-7 12 6784,10-14-6784,0 4 0,-1-5 0,1 0 0,0 0 0,0 0 0,0 0 0,-11 0 0,9 0 0,-18 0 0,17 0 0,-7 0 0,9 0 0,6-5 0,1 4 0,5-4 0</inkml:trace>
-</inkml:ink>
-</file>
-
-<file path=ppt/ink/ink15.xml><?xml version="1.0" encoding="utf-8"?>
-<inkml:ink xmlns:inkml="http://www.w3.org/2003/InkML">
-  <inkml:definitions>
-    <inkml:context xml:id="ctx0">
-      <inkml:inkSource xml:id="inkSrc0">
-        <inkml:traceFormat>
-          <inkml:channel name="X" type="integer" min="-2.14748E9" max="2.14748E9" units="cm"/>
-          <inkml:channel name="Y" type="integer" min="-2.14748E9" max="2.14748E9" units="cm"/>
-          <inkml:channel name="F" type="integer" max="32767" units="dev"/>
-        </inkml:traceFormat>
-        <inkml:channelProperties>
-          <inkml:channelProperty channel="X" name="resolution" value="1000" units="1/cm"/>
-          <inkml:channelProperty channel="Y" name="resolution" value="1000" units="1/cm"/>
-          <inkml:channelProperty channel="F" name="resolution" value="0" units="1/dev"/>
-        </inkml:channelProperties>
-      </inkml:inkSource>
-      <inkml:timestamp xml:id="ts0" timeString="2023-09-15T14:52:34.536"/>
-    </inkml:context>
-    <inkml:brush xml:id="br0">
-      <inkml:brushProperty name="width" value="0.025" units="cm"/>
-      <inkml:brushProperty name="height" value="0.025" units="cm"/>
-    </inkml:brush>
-  </inkml:definitions>
-  <inkml:trace contextRef="#ctx0" brushRef="#br0">0 1 24575,'11'0'0,"1"0"0,-6 5 0,4-4 0,-4 4 0,6 0 0,-1-4 0,10 34 0,-7-22 0,13 53 0,-15-33 0,5 12 0,-6 1 0,0-29-1211,-4 14 1211,-2-20 0,5 50 0,-8-37-3192,8 29 1,0 0 3191,-7-31-2134,7 33 0,0 1 2134,-8-31-1008,10 26 0,2-1 1008,-6-30 414,19 46-414,-20-50 3476,14 15-3476,-14-25 1299,4 4 0,-6-8 0,-5 3 1</inkml:trace>
-</inkml:ink>
-</file>
-
-<file path=ppt/ink/ink16.xml><?xml version="1.0" encoding="utf-8"?>
-<inkml:ink xmlns:inkml="http://www.w3.org/2003/InkML">
-  <inkml:definitions>
-    <inkml:context xml:id="ctx0">
-      <inkml:inkSource xml:id="inkSrc0">
-        <inkml:traceFormat>
-          <inkml:channel name="X" type="integer" min="-2.14748E9" max="2.14748E9" units="cm"/>
-          <inkml:channel name="Y" type="integer" min="-2.14748E9" max="2.14748E9" units="cm"/>
-          <inkml:channel name="F" type="integer" max="32767" units="dev"/>
-        </inkml:traceFormat>
-        <inkml:channelProperties>
-          <inkml:channelProperty channel="X" name="resolution" value="1000" units="1/cm"/>
-          <inkml:channelProperty channel="Y" name="resolution" value="1000" units="1/cm"/>
-          <inkml:channelProperty channel="F" name="resolution" value="0" units="1/dev"/>
-        </inkml:channelProperties>
-      </inkml:inkSource>
-      <inkml:timestamp xml:id="ts0" timeString="2023-09-15T14:52:35.267"/>
-    </inkml:context>
-    <inkml:brush xml:id="br0">
-      <inkml:brushProperty name="width" value="0.025" units="cm"/>
-      <inkml:brushProperty name="height" value="0.025" units="cm"/>
-    </inkml:brush>
-  </inkml:definitions>
-  <inkml:trace contextRef="#ctx0" brushRef="#br0">0 7 24575,'5'-6'0,"-4"6"0,9 6 0,-8 5 0,8-5 0,11 69 0,-11-52 0,11 41 0,-2 2 0,-14-41 0,16 37 0,-1 2 0,-15-33-3392,13 35 0,-1 0 3392,-13-34-2269,11 36 1,0-1 2268,-11-39-1517,11 42 0,0 1 1517,-11-44-1569,11 49 1569,-10-60 1874,-4-3-1874,4 3 0,-5-5 0,0 0 0,0 1 0,0-1 0,0 0 3163,5-5-3163,-4 4 0,4 1 0,-5 2 4752,6 3-4752,0 25 4942,5-22-4942,0 42 1147,-4-45-1147,-2 20 0,-5-28 0,0 2 0</inkml:trace>
-</inkml:ink>
-</file>
-
-<file path=ppt/ink/ink17.xml><?xml version="1.0" encoding="utf-8"?>
-<inkml:ink xmlns:inkml="http://www.w3.org/2003/InkML">
-  <inkml:definitions>
-    <inkml:context xml:id="ctx0">
-      <inkml:inkSource xml:id="inkSrc0">
-        <inkml:traceFormat>
-          <inkml:channel name="X" type="integer" min="-2.14748E9" max="2.14748E9" units="cm"/>
-          <inkml:channel name="Y" type="integer" min="-2.14748E9" max="2.14748E9" units="cm"/>
-          <inkml:channel name="F" type="integer" max="32767" units="dev"/>
-        </inkml:traceFormat>
-        <inkml:channelProperties>
-          <inkml:channelProperty channel="X" name="resolution" value="1000" units="1/cm"/>
-          <inkml:channelProperty channel="Y" name="resolution" value="1000" units="1/cm"/>
-          <inkml:channelProperty channel="F" name="resolution" value="0" units="1/dev"/>
-        </inkml:channelProperties>
-      </inkml:inkSource>
-      <inkml:timestamp xml:id="ts0" timeString="2023-09-15T14:52:36.387"/>
-    </inkml:context>
-    <inkml:brush xml:id="br0">
-      <inkml:brushProperty name="width" value="0.025" units="cm"/>
-      <inkml:brushProperty name="height" value="0.025" units="cm"/>
-    </inkml:brush>
-  </inkml:definitions>
-  <inkml:trace contextRef="#ctx0" brushRef="#br0">1 125 24575,'11'-6'0,"1"1"0,-1 5 0,0 0 0,1 0 0,4 0 0,7-5 0,-5 4 0,4-4 0,19 5 0,-22 0 0,53-10 0,-53 7 0,42-17 0,-44 18 0,29-19 0,-36 14 0,41-10 0,-44 6 0,54 5 0,-49 1 0,35 5 0,-33 0 0,7 0 0,-10 0 0,1 0 0,-1 0 0,10 0 0,-7 0 0,23 0 0,-22 0 0,16 0 0,-23 0 0,2 0 0</inkml:trace>
-</inkml:ink>
-</file>
-
-<file path=ppt/ink/ink18.xml><?xml version="1.0" encoding="utf-8"?>
-<inkml:ink xmlns:inkml="http://www.w3.org/2003/InkML">
-  <inkml:definitions>
-    <inkml:context xml:id="ctx0">
-      <inkml:inkSource xml:id="inkSrc0">
-        <inkml:traceFormat>
-          <inkml:channel name="X" type="integer" min="-2.14748E9" max="2.14748E9" units="cm"/>
-          <inkml:channel name="Y" type="integer" min="-2.14748E9" max="2.14748E9" units="cm"/>
-          <inkml:channel name="F" type="integer" max="32767" units="dev"/>
-        </inkml:traceFormat>
-        <inkml:channelProperties>
-          <inkml:channelProperty channel="X" name="resolution" value="1000" units="1/cm"/>
-          <inkml:channelProperty channel="Y" name="resolution" value="1000" units="1/cm"/>
-          <inkml:channelProperty channel="F" name="resolution" value="0" units="1/dev"/>
-        </inkml:channelProperties>
-      </inkml:inkSource>
-      <inkml:timestamp xml:id="ts0" timeString="2023-09-15T14:52:38.912"/>
-    </inkml:context>
-    <inkml:brush xml:id="br0">
-      <inkml:brushProperty name="width" value="0.025" units="cm"/>
-      <inkml:brushProperty name="height" value="0.025" units="cm"/>
-    </inkml:brush>
-  </inkml:definitions>
-  <inkml:trace contextRef="#ctx0" brushRef="#br0">1 18 24575,'11'6'0,"21"4"-5075,-16-9 5075,10 9 0,-16-8-5499,12 8 5499,-7-9 0,11 9 1108,-15-9-1108,1 4 0,14 0 0,-11 1 0,12 0 0,59 24 0,-31-13 1685,38 10-1685,-16-7 0,-5-3 0,-23-10 0,24 6 0,23 3 0,-1-3 0,-14-8 0,-2-4 0,-1 2 0,19 6 0,5-2 0,-21-6 0,12-2 0,-8-2 0,-23 1 997,-13 0-997,34-4 0,26-3 0,-25 3-438,-34 4 438,22-1 0,28 0 0,2 0 0,-27 2 0,-9 1 0,10 1 0,27 0 0,-2 1 0,-28-1 0,-21 0 0,28 1 0,23 0 0,-24-1 6567,-36-1-6567,44 0 0,-5 0 0,-58 0 0,73-5 655,-77 4-655,77-9 0,-73 8 0,46 0 0,2-1 0,-41 3 0,68 0 0,2 0 0,-63 0 0,58 0 0,-3 0 0,-64 0 0,33-2 0,-2-1 0,-39 2 0,61-14 0,-63 12 0,48-12 0,-50 14 0,20-4 0,-26 5 0,0 0 0,1 0 0,-1-5 0,0 4 0,1-4 0,9 5 0,-7 0 0,7 0 0,61 0 0,-53 0 0,60 0 0,1 0 0,-54 0 0,27 1 0,20 1 0,-20 0 0,-27-1 0,27-1 0,17 0 0,-18 0 0,-28-1 0,59-6 0,-2-1 0,-59 0 0,47-5 0,-1 0 0,-51 4 0,37-7 0,0 2 0,-41 10-3392,30-7 0,1 2 3392,-26 7-2269,38 0 1,1-1 2268,-32 3-1517,37 0 0,-1 0 1517,-41 0-1015,36 0 1,1 0 1014,-29 0 0,39-4 0,-1-2 0,-41 4 473,52-8-473,-76 10 2035,1 0-2035,-1-5 0,0 3 0,1-3 3225,-1 5-3225,0 0 0,1 0 4387,-1-5-4387,0 4-1470,6-4 1470,-5 5 0,22 0-1965,17-2 1,4-1 1964,0 2-965,19 0 1,18 0 0,-12 3 964,13 11-610,-2-8 1,18 0 0,-19 2 609,-1 13 0,-8-12 0,15-1 0,-23-1 0,-28 1 928,37 2 0,-5-3-928,-57-5 2948,26 4-2948,-34-5 0,-6 0 0,-1 0 0</inkml:trace>
-</inkml:ink>
-</file>
-
-<file path=ppt/ink/ink19.xml><?xml version="1.0" encoding="utf-8"?>
-<inkml:ink xmlns:inkml="http://www.w3.org/2003/InkML">
-  <inkml:definitions>
-    <inkml:context xml:id="ctx0">
-      <inkml:inkSource xml:id="inkSrc0">
-        <inkml:traceFormat>
-          <inkml:channel name="X" type="integer" min="-2.14748E9" max="2.14748E9" units="cm"/>
-          <inkml:channel name="Y" type="integer" min="-2.14748E9" max="2.14748E9" units="cm"/>
-          <inkml:channel name="F" type="integer" max="32767" units="dev"/>
-        </inkml:traceFormat>
-        <inkml:channelProperties>
-          <inkml:channelProperty channel="X" name="resolution" value="1000" units="1/cm"/>
-          <inkml:channelProperty channel="Y" name="resolution" value="1000" units="1/cm"/>
-          <inkml:channelProperty channel="F" name="resolution" value="0" units="1/dev"/>
-        </inkml:channelProperties>
-      </inkml:inkSource>
-      <inkml:timestamp xml:id="ts0" timeString="2023-09-15T14:52:40.362"/>
-    </inkml:context>
-    <inkml:brush xml:id="br0">
-      <inkml:brushProperty name="width" value="0.025" units="cm"/>
-      <inkml:brushProperty name="height" value="0.025" units="cm"/>
-    </inkml:brush>
-  </inkml:definitions>
-  <inkml:trace contextRef="#ctx0" brushRef="#br0">1 0 24575,'0'16'0,"0"-3"0,5 43 0,1-35 0,1 30 0,8-5 0,-8-11-4252,4 19 1,0 2 4251,-4-15-1409,1 28 0,-1-2 1409,0-40-1517,1 48 0,0 1 1517,-1-46-1015,4 48 1,-1 0 1014,-8-50 0,7 43 0,2-1 0,-3-44 440,-2 33 1,-1-2-441,0-34 2119,-5 53-2119,0-60 0,0 15 3515,-5-20-3515,4 5 5255,-4-3-5255,0-2 3660,4-1-3660,-4-4 954,5 6-954,0-1 0,5-5 0,1-1 0,0-10 0,4 4 0,-3-4 0,4 5 0,0 0 0,1 0 0,4 0 0,-3 0 0,33-10 0,-27 7-6784,73-22 6784,-68 21-2019,34-11 1,1 0 2018,-34 11-1600,27-10 0,-2-2 1600,-30 7-1873,52-17 1873,-55 18 2149,40-17-2149,-41 21 0,26-11 0,-28 15 2815,12-10-2815,-13 8 0,-2-8 0,-6 10 0</inkml:trace>
+  <inkml:trace contextRef="#ctx0" brushRef="#br0">0 0 24575,'12'0'0,"-1"0"0,0 0 0,-5 5 0,5-3 0,-10 8 0,9-9 0,-4 9 0,5-4 0,1 10 0,-6-3 0,14 38 0,-16-31-6784,21 61 6784,-22-61 0,12 61 0,-9-66-4183,5 64 4183,-4-64-3151,8 61 3151,-8-62-653,15 51 653,-15-53 2827,13 34-2827,-17-32 3754,17 17-3754,-17-17 6087,12 12-6087,-9-18 2103,0 12-2103,4-18 0,-8 8 0,3-10 0</inkml:trace>
 </inkml:ink>
 </file>
 
@@ -436,72 +224,18 @@
           <inkml:channelProperty channel="F" name="resolution" value="0" units="1/dev"/>
         </inkml:channelProperties>
       </inkml:inkSource>
-      <inkml:timestamp xml:id="ts0" timeString="2023-09-15T14:52:20.284"/>
+      <inkml:timestamp xml:id="ts0" timeString="2023-09-15T14:52:24.351"/>
     </inkml:context>
     <inkml:brush xml:id="br0">
       <inkml:brushProperty name="width" value="0.025" units="cm"/>
       <inkml:brushProperty name="height" value="0.025" units="cm"/>
     </inkml:brush>
   </inkml:definitions>
-  <inkml:trace contextRef="#ctx0" brushRef="#br0">1 164 24575,'11'0'0,"1"0"0,-1 0 0,0-5 0,21 4 0,14-9 0,-7 8-3392,15-5 0,-1-1 3392,-20 6-2269,62-13 1,5 0 2268,-49 10-1012,36-7 1,27-5 0,-23 5 1011,-30 7-508,13-2 1,27-2 0,-1-1 0,-26 4 507,-15 3 0,13 0 0,26-1 0,-1 0 0,-26 2 0,-17 2 0,8 2 0,26 1 0,9 0 0,-6 2 0,-24-1 0,14 5 0,-11-5 0,28 1 0,14 0 0,0 0 0,-11 0 0,-26-1 0,-19-1 0,0 1 0,16 0 0,24 1 0,11 0 0,-1 0 0,-13-1 0,-25 0 0,18 0 0,-14 0 0,19 1 0,-2 0 0,-27-3 0,-23-2 146,36-2 1,-3-1-147,-50 2 1873,60-9-1873,-64 9 0,64-14 0,-60 12 0,39-5 0,0 1 0,-33 6-209,50-2 0,1 1 209,-47 2-874,58-3 0,2 1 874,-58 0 0,53-3 0,-2 0 0,-56 4 603,52-4-603,-69 5 0,-1 0 0,0 0 2117,1 0-2117,-1 0 0,0 0 0,1 0 0,-1 0 0,5 0 0,2 0 3376,0 0-3376,13 0 0,-16 0 5049,11-5-5049,28 4 0,1 1 4627,-19-5-4627,59 6 0,-1 3 612,-63-3-612,53 4 0,0 0 0,-54-4 0,42 4 0,-2 0 0,-45-4 0,29 2 0,-1-1 0,-31-2-6784,64-5 6784,-66 4-2269,31-4 1,0 0 2268,-26 4-1517,43-2 0,2 1 1517,-42 2-1015,56 6 1,0 3 1014,-52-6 0,60 9 0,-1 1 0,-59-5 0,50 0 0,-2 0 0,-52-2 0,31 0 0,-1-2 0,-37-3 0,71 4 0,-70-5 987,75 0-987,-75 0 0,34 5 0,0 0 0,-31-2 0,41 9 0,0 1 0,-38-9 0,46 7 0,-1 3 0,-44-7-494,38 1 1,-2 0 493,-41-2 505,27-2 0,0-3-505,-30-1 2428,56 0-2428,-59 0 3731,18 0-3731,-25 0 5580,1 0-5580,-1 0 841,0 0 0,-4 0 0,-2 0 0</inkml:trace>
+  <inkml:trace contextRef="#ctx0" brushRef="#br0">0 0 24575,'0'0'0</inkml:trace>
 </inkml:ink>
 </file>
 
-<file path=ppt/ink/ink20.xml><?xml version="1.0" encoding="utf-8"?>
-<inkml:ink xmlns:inkml="http://www.w3.org/2003/InkML">
-  <inkml:definitions>
-    <inkml:context xml:id="ctx0">
-      <inkml:inkSource xml:id="inkSrc0">
-        <inkml:traceFormat>
-          <inkml:channel name="X" type="integer" min="-2.14748E9" max="2.14748E9" units="cm"/>
-          <inkml:channel name="Y" type="integer" min="-2.14748E9" max="2.14748E9" units="cm"/>
-          <inkml:channel name="F" type="integer" max="32767" units="dev"/>
-        </inkml:traceFormat>
-        <inkml:channelProperties>
-          <inkml:channelProperty channel="X" name="resolution" value="1000" units="1/cm"/>
-          <inkml:channelProperty channel="Y" name="resolution" value="1000" units="1/cm"/>
-          <inkml:channelProperty channel="F" name="resolution" value="0" units="1/dev"/>
-        </inkml:channelProperties>
-      </inkml:inkSource>
-      <inkml:timestamp xml:id="ts0" timeString="2023-09-15T14:52:41.436"/>
-    </inkml:context>
-    <inkml:brush xml:id="br0">
-      <inkml:brushProperty name="width" value="0.025" units="cm"/>
-      <inkml:brushProperty name="height" value="0.025" units="cm"/>
-    </inkml:brush>
-  </inkml:definitions>
-  <inkml:trace contextRef="#ctx0" brushRef="#br0">1077 68 24575,'-6'-5'0,"-4"4"0,-6-9 0,-23 3-5197,12 1 5197,-10-4-4287,-19-1 4287,34 3-1821,-31 2 0,0 2 1821,29 4-2311,-72 0 2311,76 0-458,-56 0 458,58 0 630,-48 10-630,53-2 0,-27 3 0,38-1 2582,-13-9-2582,9 9 0,-16 1 0,14 2 2988,-12-2-2988,18-1 0,-7-4 0,2 0 0,1 4-906,-44 51 906,34-36-596,-30 43 0,1 0 596,29-39-1439,-20 35 0,2-2 1439,23-40-605,-25 64 605,28-67 2228,-2 32-2228,10-37 0,25 32 0,-13-29 0,22 23 0,4 1 0,-17-18 0,27 27 0,1 1 0,-27-29-791,25 24 0,-2-1 791,-25-25-877,23 19 0,1-2 877,-22-23 148,59 35-148,-62-40 1899,23 7-1899,-31-11 3042,0-5-3042,1 0 4550,-1 0-4550,0 0 6087,1 0-6087,9-5 0,-7 4-6126,43-24 6126,-37 15-2269,26-19 1,0-4 2268,-29 13-1517,27-32 0,-2-3 1517,-28 29-1015,8-49 1,-3-2 1014,-13 45 0,-8-60 0,-6-3 0,0 55 0,-5-50 0,0 1 0,5 56 339,2-35 1,2 4-340,4 40 2365,0-43-2365,0 54 3536,-5 2-3536,4 1 5288,-9 9-5288,-6-14 0,2 12 4516,-22-12-4516,21 14 0,-31-4 0,30 5 0,-20-5 0,23 3 0,-3-3 0,10 10 0,-4-3 0,8 8 0,-3-9 0,5 4 0</inkml:trace>
-</inkml:ink>
-</file>
-
-<file path=ppt/ink/ink21.xml><?xml version="1.0" encoding="utf-8"?>
-<inkml:ink xmlns:inkml="http://www.w3.org/2003/InkML">
-  <inkml:definitions>
-    <inkml:context xml:id="ctx0">
-      <inkml:inkSource xml:id="inkSrc0">
-        <inkml:traceFormat>
-          <inkml:channel name="X" type="integer" min="-2.14748E9" max="2.14748E9" units="cm"/>
-          <inkml:channel name="Y" type="integer" min="-2.14748E9" max="2.14748E9" units="cm"/>
-          <inkml:channel name="F" type="integer" max="32767" units="dev"/>
-        </inkml:traceFormat>
-        <inkml:channelProperties>
-          <inkml:channelProperty channel="X" name="resolution" value="1000" units="1/cm"/>
-          <inkml:channelProperty channel="Y" name="resolution" value="1000" units="1/cm"/>
-          <inkml:channelProperty channel="F" name="resolution" value="0" units="1/dev"/>
-        </inkml:channelProperties>
-      </inkml:inkSource>
-      <inkml:timestamp xml:id="ts0" timeString="2023-09-15T14:52:43.610"/>
-    </inkml:context>
-    <inkml:brush xml:id="br0">
-      <inkml:brushProperty name="width" value="0.025" units="cm"/>
-      <inkml:brushProperty name="height" value="0.025" units="cm"/>
-    </inkml:brush>
-  </inkml:definitions>
-  <inkml:trace contextRef="#ctx0" brushRef="#br0">1200 216 24575,'-5'-16'0,"4"3"0,-9 2 0,9 1 0,-9 9 0,-1-14 0,-2 12 0,-23-22 0,25 16 0,-44-17 0,43 18 0,-39-12 0,36 18 0,-36-14 0,33 15-599,-23-9 599,28 9 0,-3-4 0,0 5 0,4 0 0,-5 0 0,-4-5 0,8 4 0,-14-5 0,-45 6 599,41-5-599,-40 5 0,1-1 0,41-4 0,-30 4 0,3 2 0,36-1 0,-41 10 0,46-2 0,-17 8 0,25-5 0,-18 10 0,21-7 0,-26 12 0,22-18 0,-19 12 0,15-18 0,-14 23 0,17-16 0,-16 37 0,23-29 0,-18 59 0,17-55 0,-7 70 0,10-69-6784,0 64 6784,0-67 0,0 28 0,0 4 0,10 10 0,-7 0 0,27 30 0,-25-70 0,17 25 0,1-1 6784,-11-24-6784,34 65 0,-31-71 0,27 55 0,-27-58 0,11 24 0,-14-24 0,-6-1 0,4-5 0,-4 4 0,1-4 0,3 1 0,11 18 0,-6-21 0,27 41 0,-27-38 0,26 32 0,-31-30 0,16 7 0,-20-11 0,5-5 0,1 0 0,-1 0 0,5-5 0,-3 4 0,28-14 0,-23 7 0,39-8 0,-41 10 0,30-9 0,-30 12 0,15-17 0,-23 12 0,7-18 0,-14 12 0,9-27 0,-9 24 0,4-34 0,-5 34 0,0-14 0,0 20 0,0-1 0,0 1 0,0 0 0,0-26 0,0 20 0,-10-50 0,8 48 0,-18-53 0,12 53 0,-8-37 0,5 41 0,0-22 0,5 23 0,-4-7 0,3 15 0,-4 1 0,0 5 0,-5 0 0,3 0 0,-13 5 0,12-4 0,-17 9 0,17-9 0,-7 9 0,10-9 0,0 4 0,0-5 0,-16 0 0,13 0 0,-48 0 0,43 0 0,-18 0 0,39 0 0,4-5 0,4 4 0,6-9 0,-2 9 0,28-9 0,-26 8 0,46-8 0,-43 9 0,42-9 0,-44 9 0,19-9 0,-23 8 0,18-8 0,-21 4 0,36-5 0,-35 4 0,51-3 0,-44 9 0,49-4 0,-49 5 0,23 0 0,-28 0 0,3 0 0,-10 5 0,5-4 0,-5 4 0,5-5 0,-5 0 0,-1 0 0</inkml:trace>
-</inkml:ink>
-</file>
-
-<file path=ppt/ink/ink22.xml><?xml version="1.0" encoding="utf-8"?>
+<file path=ppt/ink/ink3.xml><?xml version="1.0" encoding="utf-8"?>
 <inkml:ink xmlns:inkml="http://www.w3.org/2003/InkML">
   <inkml:definitions>
     <inkml:context xml:id="ctx0">
@@ -528,7 +262,7 @@
 </inkml:ink>
 </file>
 
-<file path=ppt/ink/ink23.xml><?xml version="1.0" encoding="utf-8"?>
+<file path=ppt/ink/ink4.xml><?xml version="1.0" encoding="utf-8"?>
 <inkml:ink xmlns:inkml="http://www.w3.org/2003/InkML">
   <inkml:definitions>
     <inkml:context xml:id="ctx0">
@@ -555,7 +289,7 @@
 </inkml:ink>
 </file>
 
-<file path=ppt/ink/ink24.xml><?xml version="1.0" encoding="utf-8"?>
+<file path=ppt/ink/ink5.xml><?xml version="1.0" encoding="utf-8"?>
 <inkml:ink xmlns:inkml="http://www.w3.org/2003/InkML">
   <inkml:definitions>
     <inkml:context xml:id="ctx0">
@@ -582,7 +316,7 @@
 </inkml:ink>
 </file>
 
-<file path=ppt/ink/ink25.xml><?xml version="1.0" encoding="utf-8"?>
+<file path=ppt/ink/ink6.xml><?xml version="1.0" encoding="utf-8"?>
 <inkml:ink xmlns:inkml="http://www.w3.org/2003/InkML">
   <inkml:definitions>
     <inkml:context xml:id="ctx0">
@@ -609,7 +343,7 @@
 </inkml:ink>
 </file>
 
-<file path=ppt/ink/ink26.xml><?xml version="1.0" encoding="utf-8"?>
+<file path=ppt/ink/ink7.xml><?xml version="1.0" encoding="utf-8"?>
 <inkml:ink xmlns:inkml="http://www.w3.org/2003/InkML">
   <inkml:definitions>
     <inkml:context xml:id="ctx0">
@@ -636,7 +370,7 @@
 </inkml:ink>
 </file>
 
-<file path=ppt/ink/ink27.xml><?xml version="1.0" encoding="utf-8"?>
+<file path=ppt/ink/ink8.xml><?xml version="1.0" encoding="utf-8"?>
 <inkml:ink xmlns:inkml="http://www.w3.org/2003/InkML">
   <inkml:definitions>
     <inkml:context xml:id="ctx0">
@@ -663,7 +397,7 @@
 </inkml:ink>
 </file>
 
-<file path=ppt/ink/ink28.xml><?xml version="1.0" encoding="utf-8"?>
+<file path=ppt/ink/ink9.xml><?xml version="1.0" encoding="utf-8"?>
 <inkml:ink xmlns:inkml="http://www.w3.org/2003/InkML">
   <inkml:definitions>
     <inkml:context xml:id="ctx0">
@@ -687,249 +421,6 @@
     </inkml:brush>
   </inkml:definitions>
   <inkml:trace contextRef="#ctx0" brushRef="#br0">113 1 24575,'0'8'0,"0"-4"0,0 17 0,0-9 0,0 9 0,0 17 0,-5-10 0,4 22 0,1 1 0,-5-24-4790,5 49 4790,0-65 0,0 1 0,0 19 0,0 0-683,0 4 683,0-9 0,0 30 0,0-34 0,-10 74 0,7-74-4971,-17 64 4971,18-66-1275,-8 66 1275,10-65-1478,0 30 1478,0-40 332,0 0-332,0 0 0,0 1 0,0-1 3771,0 0-3771,0 5 0,0-3 5640,0 3-5640,0 30 0,0-26 0,0 41 0,0-46 0,-10 26 0,7-26 3454,-17 16-3454,18-18 0,-13 3 0,14-5 0,-4 0 0,5-4 0,0-2 0</inkml:trace>
-</inkml:ink>
-</file>
-
-<file path=ppt/ink/ink29.xml><?xml version="1.0" encoding="utf-8"?>
-<inkml:ink xmlns:inkml="http://www.w3.org/2003/InkML">
-  <inkml:definitions>
-    <inkml:context xml:id="ctx0">
-      <inkml:inkSource xml:id="inkSrc0">
-        <inkml:traceFormat>
-          <inkml:channel name="X" type="integer" min="-2.14748E9" max="2.14748E9" units="cm"/>
-          <inkml:channel name="Y" type="integer" min="-2.14748E9" max="2.14748E9" units="cm"/>
-          <inkml:channel name="F" type="integer" max="32767" units="dev"/>
-        </inkml:traceFormat>
-        <inkml:channelProperties>
-          <inkml:channelProperty channel="X" name="resolution" value="1000" units="1/cm"/>
-          <inkml:channelProperty channel="Y" name="resolution" value="1000" units="1/cm"/>
-          <inkml:channelProperty channel="F" name="resolution" value="0" units="1/dev"/>
-        </inkml:channelProperties>
-      </inkml:inkSource>
-      <inkml:timestamp xml:id="ts0" timeString="2023-09-15T14:52:50.025"/>
-    </inkml:context>
-    <inkml:brush xml:id="br0">
-      <inkml:brushProperty name="width" value="0.025" units="cm"/>
-      <inkml:brushProperty name="height" value="0.025" units="cm"/>
-    </inkml:brush>
-  </inkml:definitions>
-  <inkml:trace contextRef="#ctx0" brushRef="#br0">1 430 24575,'11'-5'0,"0"4"0,1-4 0,-1 5 0,-5-5 0,4 4 0,-3-4 0,-1 0 0,4 4 0,11-15 0,-5 14 0,25-13 0,-26 14 0,32-15 0,-36 9 0,49-25 0,-46 22-750,28-15 750,-31 19-6535,0 0 6535,-4-4 0,3 8 0,-4-8 0,5 4 0,1 0 0,-6-4 0,24-22 0,-18 20 0,39-49 0,-39 49 0,33-40 0,-35 42 501,21-15-501,-23 18 0,2 1 0,-10 1 0</inkml:trace>
-</inkml:ink>
-</file>
-
-<file path=ppt/ink/ink3.xml><?xml version="1.0" encoding="utf-8"?>
-<inkml:ink xmlns:inkml="http://www.w3.org/2003/InkML">
-  <inkml:definitions>
-    <inkml:context xml:id="ctx0">
-      <inkml:inkSource xml:id="inkSrc0">
-        <inkml:traceFormat>
-          <inkml:channel name="X" type="integer" min="-2.14748E9" max="2.14748E9" units="cm"/>
-          <inkml:channel name="Y" type="integer" min="-2.14748E9" max="2.14748E9" units="cm"/>
-          <inkml:channel name="F" type="integer" max="32767" units="dev"/>
-        </inkml:traceFormat>
-        <inkml:channelProperties>
-          <inkml:channelProperty channel="X" name="resolution" value="1000" units="1/cm"/>
-          <inkml:channelProperty channel="Y" name="resolution" value="1000" units="1/cm"/>
-          <inkml:channelProperty channel="F" name="resolution" value="0" units="1/dev"/>
-        </inkml:channelProperties>
-      </inkml:inkSource>
-      <inkml:timestamp xml:id="ts0" timeString="2023-09-15T14:52:22.521"/>
-    </inkml:context>
-    <inkml:brush xml:id="br0">
-      <inkml:brushProperty name="width" value="0.025" units="cm"/>
-      <inkml:brushProperty name="height" value="0.025" units="cm"/>
-    </inkml:brush>
-  </inkml:definitions>
-  <inkml:trace contextRef="#ctx0" brushRef="#br0">0 107 24575,'0'12'0,"5"14"0,-3-11 0,13 21 0,-3-7 0,1-4-8503,32 56 8503,-36-57-1409,19 35 0,-1-2 1409,-22-33-1517,11 24 0,-1 0 1517,-13-28-876,18 61 876,-17-61 1623,27 46-1623,-25-50 3405,25 20-3405,-22-23 5090,8 3-5090,-10-5 0,15 5 0,-18-3 0,43 13 0,-34-17 2566,50 6-2566,-44-15 2547,18 0-2547,-25 0 0,1 0 0,-6-5 0,14-17 0,-16 7 0,31-57 0,-30 50-3392,11-34 0,-2 0 3392,-11 31-1930,5-34 0,-1 1 1930,-6 34-770,2-27 0,-1 0 770,-2 30 0,5-46 0,-3 52-506,3-27 506,-5 27 0,-5-21 0,3 22 3764,-8-18-3764,4 24 4533,-5-18-4533,0 19 2986,-1-10-2986,6 16 1239,1 2-1239,5 11 168,0-1-168,0 5 0,0 6 0,0-3 0,0 2 0,0 35 0,5-33-3392,3 30 0,1 0 3392,-1-30-1188,14 31 0,2-2 1188,-12-29-1875,14 22 0,0 1 1875,-11-21-1254,13 21 1,1 0 1253,-10-19 0,16 16 0,1-5 0,-17-25-967,53 42 967,-53-49 1958,37 29-1958,-41-33 0,22 8 0,-23-10 0,27 0 0,-24 0 0,44-5 0,-42 4 0,43-19 0,-46 16 0,36-41 0,-36 32 0,31-54 0,-37 49 0,30-64 0,-35 60 0,30-69 0,-26 69-1958,22-70 1958,-17 71 533,13-56-533,-20 60 0,3-20 0,-10 26 2292,0-1-2292,5-4 3428,-3 3-3428,3-3 0,-5 5 0,0-41 0,0 31 0,-5-61 0,3 63 0,-8-37 0,9 40 3347,-4-10-3347,5 15 0,0 4 0,0 2 0</inkml:trace>
-</inkml:ink>
-</file>
-
-<file path=ppt/ink/ink30.xml><?xml version="1.0" encoding="utf-8"?>
-<inkml:ink xmlns:inkml="http://www.w3.org/2003/InkML">
-  <inkml:definitions>
-    <inkml:context xml:id="ctx0">
-      <inkml:inkSource xml:id="inkSrc0">
-        <inkml:traceFormat>
-          <inkml:channel name="X" type="integer" min="-2.14748E9" max="2.14748E9" units="cm"/>
-          <inkml:channel name="Y" type="integer" min="-2.14748E9" max="2.14748E9" units="cm"/>
-          <inkml:channel name="F" type="integer" max="32767" units="dev"/>
-        </inkml:traceFormat>
-        <inkml:channelProperties>
-          <inkml:channelProperty channel="X" name="resolution" value="1000" units="1/cm"/>
-          <inkml:channelProperty channel="Y" name="resolution" value="1000" units="1/cm"/>
-          <inkml:channelProperty channel="F" name="resolution" value="0" units="1/dev"/>
-        </inkml:channelProperties>
-      </inkml:inkSource>
-      <inkml:timestamp xml:id="ts0" timeString="2023-09-15T14:52:50.888"/>
-    </inkml:context>
-    <inkml:brush xml:id="br0">
-      <inkml:brushProperty name="width" value="0.025" units="cm"/>
-      <inkml:brushProperty name="height" value="0.025" units="cm"/>
-    </inkml:brush>
-  </inkml:definitions>
-  <inkml:trace contextRef="#ctx0" brushRef="#br0">0 0 24575,'12'0'0,"-1"0"0,0 0 0,-5 5 0,5-3 0,-10 8 0,9-9 0,-4 9 0,5-4 0,1 10 0,-6-3 0,14 38 0,-16-31-6784,21 61 6784,-22-61 0,12 61 0,-9-66-4183,5 64 4183,-4-64-3151,8 61 3151,-8-62-653,15 51 653,-15-53 2827,13 34-2827,-17-32 3754,17 17-3754,-17-17 6087,12 12-6087,-9-18 2103,0 12-2103,4-18 0,-8 8 0,3-10 0</inkml:trace>
-</inkml:ink>
-</file>
-
-<file path=ppt/ink/ink4.xml><?xml version="1.0" encoding="utf-8"?>
-<inkml:ink xmlns:inkml="http://www.w3.org/2003/InkML">
-  <inkml:definitions>
-    <inkml:context xml:id="ctx0">
-      <inkml:inkSource xml:id="inkSrc0">
-        <inkml:traceFormat>
-          <inkml:channel name="X" type="integer" min="-2.14748E9" max="2.14748E9" units="cm"/>
-          <inkml:channel name="Y" type="integer" min="-2.14748E9" max="2.14748E9" units="cm"/>
-          <inkml:channel name="F" type="integer" max="32767" units="dev"/>
-        </inkml:traceFormat>
-        <inkml:channelProperties>
-          <inkml:channelProperty channel="X" name="resolution" value="1000" units="1/cm"/>
-          <inkml:channelProperty channel="Y" name="resolution" value="1000" units="1/cm"/>
-          <inkml:channelProperty channel="F" name="resolution" value="0" units="1/dev"/>
-        </inkml:channelProperties>
-      </inkml:inkSource>
-      <inkml:timestamp xml:id="ts0" timeString="2023-09-15T14:52:23.402"/>
-    </inkml:context>
-    <inkml:brush xml:id="br0">
-      <inkml:brushProperty name="width" value="0.025" units="cm"/>
-      <inkml:brushProperty name="height" value="0.025" units="cm"/>
-    </inkml:brush>
-  </inkml:definitions>
-  <inkml:trace contextRef="#ctx0" brushRef="#br0">0 272 24575,'12'0'0,"-1"0"0,0 0 0,6 0 0,-5 0 0,5 0 0,4 0 0,-7 0 0,32 5 0,-28-4 0,44 4 0,-45-5 0,35-10 0,-37 8 0,26-23 0,-30 16 0,29-33 0,-30 31 0,26-34 0,-22 35 0,8-22 0,-16 20 0,-1-5 0,-5 6 0,0 0 0,-5 4 0,-1-3 0,-6 9 0,6-9 0,-9 4 0,8-1 0,-14 2 0,8 5 0,-28 0 0,24 0 0,-30 0 0,34 0 0,-23 5 0,21-3 0,-31 22 0,34-14 0,-38 37 0,39-31 0,-30 40 0,27-44 0,-12 43 0,19-44 0,-8 40 0,14-34 0,1 34 0,6-35 0,0 15 0,4-20 0,-8 1 0,13 9 0,-8-13 0,10 17 0,29 18 0,-26-23 0,19 13 0,-1-2 0,-19-19 0,63 39 0,-61-40 0,46 19 0,-52-29 0,11 4 0,-14-10 0,-1-1 0,0-6 0,16-24 0,-17 23 0,10-17 0</inkml:trace>
-</inkml:ink>
-</file>
-
-<file path=ppt/ink/ink5.xml><?xml version="1.0" encoding="utf-8"?>
-<inkml:ink xmlns:inkml="http://www.w3.org/2003/InkML">
-  <inkml:definitions>
-    <inkml:context xml:id="ctx0">
-      <inkml:inkSource xml:id="inkSrc0">
-        <inkml:traceFormat>
-          <inkml:channel name="X" type="integer" min="-2.14748E9" max="2.14748E9" units="cm"/>
-          <inkml:channel name="Y" type="integer" min="-2.14748E9" max="2.14748E9" units="cm"/>
-          <inkml:channel name="F" type="integer" max="32767" units="dev"/>
-        </inkml:traceFormat>
-        <inkml:channelProperties>
-          <inkml:channelProperty channel="X" name="resolution" value="1000" units="1/cm"/>
-          <inkml:channelProperty channel="Y" name="resolution" value="1000" units="1/cm"/>
-          <inkml:channelProperty channel="F" name="resolution" value="0" units="1/dev"/>
-        </inkml:channelProperties>
-      </inkml:inkSource>
-      <inkml:timestamp xml:id="ts0" timeString="2023-09-15T14:52:24.036"/>
-    </inkml:context>
-    <inkml:brush xml:id="br0">
-      <inkml:brushProperty name="width" value="0.025" units="cm"/>
-      <inkml:brushProperty name="height" value="0.025" units="cm"/>
-    </inkml:brush>
-  </inkml:definitions>
-  <inkml:trace contextRef="#ctx0" brushRef="#br0">23 1 24575,'0'11'0,"0"0"0,0 0 0,0 0 0,0 6 0,0-5-9831,0 29 8341,0-23 2786,0 43-1296,0-44 0,0 49 0,0-47 0,0 22 1914,0-30-1914,-5 0 0,4 1 0,-4-1 0,5 0 0,0 0 0,-5 15 0,3-11 0,-3 32 0,5-31 6126,0 20-6126,0-24 1985,0 5-1985,0-16 0,0-3 0,0-4 0,0 1 0</inkml:trace>
-</inkml:ink>
-</file>
-
-<file path=ppt/ink/ink6.xml><?xml version="1.0" encoding="utf-8"?>
-<inkml:ink xmlns:inkml="http://www.w3.org/2003/InkML">
-  <inkml:definitions>
-    <inkml:context xml:id="ctx0">
-      <inkml:inkSource xml:id="inkSrc0">
-        <inkml:traceFormat>
-          <inkml:channel name="X" type="integer" min="-2.14748E9" max="2.14748E9" units="cm"/>
-          <inkml:channel name="Y" type="integer" min="-2.14748E9" max="2.14748E9" units="cm"/>
-          <inkml:channel name="F" type="integer" max="32767" units="dev"/>
-        </inkml:traceFormat>
-        <inkml:channelProperties>
-          <inkml:channelProperty channel="X" name="resolution" value="1000" units="1/cm"/>
-          <inkml:channelProperty channel="Y" name="resolution" value="1000" units="1/cm"/>
-          <inkml:channelProperty channel="F" name="resolution" value="0" units="1/dev"/>
-        </inkml:channelProperties>
-      </inkml:inkSource>
-      <inkml:timestamp xml:id="ts0" timeString="2023-09-15T14:52:24.351"/>
-    </inkml:context>
-    <inkml:brush xml:id="br0">
-      <inkml:brushProperty name="width" value="0.025" units="cm"/>
-      <inkml:brushProperty name="height" value="0.025" units="cm"/>
-    </inkml:brush>
-  </inkml:definitions>
-  <inkml:trace contextRef="#ctx0" brushRef="#br0">0 0 24575,'0'0'0</inkml:trace>
-</inkml:ink>
-</file>
-
-<file path=ppt/ink/ink7.xml><?xml version="1.0" encoding="utf-8"?>
-<inkml:ink xmlns:inkml="http://www.w3.org/2003/InkML">
-  <inkml:definitions>
-    <inkml:context xml:id="ctx0">
-      <inkml:inkSource xml:id="inkSrc0">
-        <inkml:traceFormat>
-          <inkml:channel name="X" type="integer" min="-2.14748E9" max="2.14748E9" units="cm"/>
-          <inkml:channel name="Y" type="integer" min="-2.14748E9" max="2.14748E9" units="cm"/>
-          <inkml:channel name="F" type="integer" max="32767" units="dev"/>
-        </inkml:traceFormat>
-        <inkml:channelProperties>
-          <inkml:channelProperty channel="X" name="resolution" value="1000" units="1/cm"/>
-          <inkml:channelProperty channel="Y" name="resolution" value="1000" units="1/cm"/>
-          <inkml:channelProperty channel="F" name="resolution" value="0" units="1/dev"/>
-        </inkml:channelProperties>
-      </inkml:inkSource>
-      <inkml:timestamp xml:id="ts0" timeString="2023-09-15T14:52:25.189"/>
-    </inkml:context>
-    <inkml:brush xml:id="br0">
-      <inkml:brushProperty name="width" value="0.025" units="cm"/>
-      <inkml:brushProperty name="height" value="0.025" units="cm"/>
-    </inkml:brush>
-  </inkml:definitions>
-  <inkml:trace contextRef="#ctx0" brushRef="#br0">1 356 24575,'0'11'0,"0"1"0,0-1 0,0 0 0,5 10 0,1 18 0,5-17 0,-4 33 0,-2-44 0,-5 31 0,0-29 0,0 18 0,0-17 0,0 22 0,0-21 0,0 21 0,0-22 0,0 12 0,0-13 0,0-12 0,5 1 0,-4-17 0,9 14 0,7-39 0,-9 26 0,33-68 0,-35 61-3392,21-30 0,1 0 3392,-20 27-1785,21-35 1,2 1 1784,-18 33-1678,13-22 1,-1 2 1677,-15 27-371,36-28 371,-35 37 2835,36-16-2835,-32 17 3255,26-8-3255,-31 4 6188,41-4-6188,-39 4 1083,40-10-1083,-37 15 0,6-9 718,-11 15-718,-3-4 0,-1 0 0,4 4 0,-4-4 0,1 0 0,8-1 0,-8-1 0,15-3 0,-10 9 0,25-4 0,-21 5 0,31 0 0,-32 0 0,11 0 0,-20 0 0,-1 0 0</inkml:trace>
-</inkml:ink>
-</file>
-
-<file path=ppt/ink/ink8.xml><?xml version="1.0" encoding="utf-8"?>
-<inkml:ink xmlns:inkml="http://www.w3.org/2003/InkML">
-  <inkml:definitions>
-    <inkml:context xml:id="ctx0">
-      <inkml:inkSource xml:id="inkSrc0">
-        <inkml:traceFormat>
-          <inkml:channel name="X" type="integer" min="-2.14748E9" max="2.14748E9" units="cm"/>
-          <inkml:channel name="Y" type="integer" min="-2.14748E9" max="2.14748E9" units="cm"/>
-          <inkml:channel name="F" type="integer" max="32767" units="dev"/>
-        </inkml:traceFormat>
-        <inkml:channelProperties>
-          <inkml:channelProperty channel="X" name="resolution" value="1000" units="1/cm"/>
-          <inkml:channelProperty channel="Y" name="resolution" value="1000" units="1/cm"/>
-          <inkml:channelProperty channel="F" name="resolution" value="0" units="1/dev"/>
-        </inkml:channelProperties>
-      </inkml:inkSource>
-      <inkml:timestamp xml:id="ts0" timeString="2023-09-15T14:52:26.712"/>
-    </inkml:context>
-    <inkml:brush xml:id="br0">
-      <inkml:brushProperty name="width" value="0.025" units="cm"/>
-      <inkml:brushProperty name="height" value="0.025" units="cm"/>
-    </inkml:brush>
-  </inkml:definitions>
-  <inkml:trace contextRef="#ctx0" brushRef="#br0">623 1302 24575,'-5'-6'0,"-6"-9"0,-1 12 0,0-12 0,2 14 0,-1-14 0,-1 12 0,-14-17 0,17 13 0,-16-5 0,22 2 0,-11 9 0,12-9 0,-8 9 0,4-9 0,-5 8 0,5-8 0,-4 9 0,3-4 0,1 0 0,-9 4 0,8-4 0,-9 5 0,4 0 0,1 0 0,0 0 0,0 0 0,4 5 0,-2-4 0,-3 9 0,-5-4 0,-1 5 0,2-4 0,-20 23 0,19-24 0,-54 54 0,51-47-3392,-15 24 0,4 2 3392,19-19-4537,-18 71 4537,29-68-1056,7 28 1,3-1 1055,1-33 0,15 29 0,2-2 0,-9-34 0,48 45 0,-52-47-634,52 13 634,-54-14 3176,40-2-3176,-37-5 4751,11 0-4751,-14 0-1878,4-15 1878,-3 6 0,-2-13-3304,29-49 3304,-31 44-1517,24-33 0,-1-2 1517,-24 33 0,19-26 0,1-8 0,-11-27 3034,10 8-3034,-17 9 0,-5 9 4537,-3 36-4537,5-41 0,1 1 6784,-6 42-6784,8-42 0,0-1 0,-7 36-1857,7-45 1857,-10 62 0,5 4 0,-4 1 0,4 0 0,-5-1 0,0 1 0,0 0 0,5 4 0,-3-13 0,3 11 0,-5-12-6169,0-25 6169,0 25 350,0-65-350,0 64 0,0-60 0,0 64-258,0-44 258,0 46-4156,0-46 4156,0 43 4156,-10-38-4156,7 52 873,-12-14-873,14 29 277,-4 7-277,5-4 0,-5 53 0,4-38 0,-2 22 0,1 2 0,2-20 0,-3 26 0,1 2 0,1-12 4216,-4 27-4216,5-47 0,0-17 0,0 1 0,0 14 0,-5-11 0,3 11 0,-3-5 0,5-7 0,0 62 0,0-51 0,-2 33 0,-1 0 0,2-35 0,-9 73 0,9-76 0,-9 46 0,9-49 0,-4 44 0,5-43 0,0 63 0,0-60 0,0 50 0,0-54 0,0 29 0,0-31 0,0 16 0,0-19 2568,0 10-2568,0-10 0,5 9 0,-4-8 0,9 13 0,-9-12 0,9 12 0,-8-14 0,8 9 0,-9-8 0,9 13 0,-4-12 0,6 27 0,-6-25 0,9 30 0,-12-31 0,7 11 0,-10-15 0,0-4 0,0-2 0</inkml:trace>
-</inkml:ink>
-</file>
-
-<file path=ppt/ink/ink9.xml><?xml version="1.0" encoding="utf-8"?>
-<inkml:ink xmlns:inkml="http://www.w3.org/2003/InkML">
-  <inkml:definitions>
-    <inkml:context xml:id="ctx0">
-      <inkml:inkSource xml:id="inkSrc0">
-        <inkml:traceFormat>
-          <inkml:channel name="X" type="integer" min="-2.14748E9" max="2.14748E9" units="cm"/>
-          <inkml:channel name="Y" type="integer" min="-2.14748E9" max="2.14748E9" units="cm"/>
-          <inkml:channel name="F" type="integer" max="32767" units="dev"/>
-        </inkml:traceFormat>
-        <inkml:channelProperties>
-          <inkml:channelProperty channel="X" name="resolution" value="1000" units="1/cm"/>
-          <inkml:channelProperty channel="Y" name="resolution" value="1000" units="1/cm"/>
-          <inkml:channelProperty channel="F" name="resolution" value="0" units="1/dev"/>
-        </inkml:channelProperties>
-      </inkml:inkSource>
-      <inkml:timestamp xml:id="ts0" timeString="2023-09-15T14:52:28.580"/>
-    </inkml:context>
-    <inkml:brush xml:id="br0">
-      <inkml:brushProperty name="width" value="0.025" units="cm"/>
-      <inkml:brushProperty name="height" value="0.025" units="cm"/>
-    </inkml:brush>
-  </inkml:definitions>
-  <inkml:trace contextRef="#ctx0" brushRef="#br0">1 452 24575,'11'0'0,"1"0"0,-1 0 0,0 0 0,1 0 0,4 0 0,2 0 0,19 0 0,-15 0 0,44 0 0,-46 0-4252,33-2 1,1-1 4251,-27 2-1409,53-6 0,2-1 1409,-48 5-1517,63-15 0,0-1 1517,-63 12-1015,61-20 1,0 1 1014,-63 20 0,31-13 0,19-9 0,-17 7 0,-26 10 0,29-7 0,32-8 0,2-1 0,-23 6 0,6 2 0,-5 2 0,14-2 0,-22 3 0,-25 2 0,-22 12 0,22-6 244,-22 3-244,22 4 0,-10-4 0,33 0 0,-15 4 0,14-4 270,-31 5-270,32-8 0,2 0 0,-22 4 0,12-5 0,18 2 0,8 8 0,17 5 0,-1 1 0,-17 0 302,-22-2 1,6 2-303,-10 0 0,18 2 0,13 1 0,10 2 0,5 1 0,0 0 0,-3 0 0,-8-2 0,-12 0 0,-17-3 272,4 2 0,-15-2 1,17 3-273,-7-1 0,15 3 0,14 3 0,8 1 0,5 1 0,2 1 0,-1-1 0,-7-1 0,-8-1 0,-13-3 0,-16-3 0,31 5 0,-4-2 0,-17-2 0,19 2 0,13 1 0,6 1 0,-2 0 0,-9-2 0,-15-2 0,-23-3 0,35 3 0,-30-7 0,22 1 0,6-2 0,-11 0 0,-25-3 2461,-8-5-2461,16-1 0,17-2 0,-20 0 4206,-30-2-4206,47-7 0,-4-1 3141,-55 9-3141,68-2 0,4 1 4640,-63 4-4640,34 2 0,21 3 0,-19 0 0,-26 1 0,24 3 0,18 1 0,-19-1 0,-24 0 0,48 2 0,-3 0 0,-59-5 0,31-5 0,-2 0 0,-35 2-6784,60-12 6784,-63 14-2931,42-9 2931,-44 9 0,34-4 0,-35 5 0,21 0 0,-24 0 5333,-2-5-5333,-1 3 1095,-4-3 1,1 5-1,-2 0 1</inkml:trace>
 </inkml:ink>
 </file>
 
@@ -1072,7 +563,7 @@
           <a:p>
             <a:fld id="{132BEA1D-90FA-8A48-9258-46725856714B}" type="datetimeFigureOut">
               <a:rPr lang="en-US" smtClean="0"/>
-              <a:t>9/19/23</a:t>
+              <a:t>9/26/24</a:t>
             </a:fld>
             <a:endParaRPr lang="en-US"/>
           </a:p>
@@ -1283,7 +774,7 @@
           <a:p>
             <a:fld id="{132BEA1D-90FA-8A48-9258-46725856714B}" type="datetimeFigureOut">
               <a:rPr lang="en-US" smtClean="0"/>
-              <a:t>9/19/23</a:t>
+              <a:t>9/26/24</a:t>
             </a:fld>
             <a:endParaRPr lang="en-US"/>
           </a:p>
@@ -1498,7 +989,7 @@
           <a:p>
             <a:fld id="{132BEA1D-90FA-8A48-9258-46725856714B}" type="datetimeFigureOut">
               <a:rPr lang="en-US" smtClean="0"/>
-              <a:t>9/19/23</a:t>
+              <a:t>9/26/24</a:t>
             </a:fld>
             <a:endParaRPr lang="en-US"/>
           </a:p>
@@ -1699,7 +1190,7 @@
           <a:p>
             <a:fld id="{132BEA1D-90FA-8A48-9258-46725856714B}" type="datetimeFigureOut">
               <a:rPr lang="en-US" smtClean="0"/>
-              <a:t>9/19/23</a:t>
+              <a:t>9/26/24</a:t>
             </a:fld>
             <a:endParaRPr lang="en-US"/>
           </a:p>
@@ -1978,7 +1469,7 @@
           <a:p>
             <a:fld id="{132BEA1D-90FA-8A48-9258-46725856714B}" type="datetimeFigureOut">
               <a:rPr lang="en-US" smtClean="0"/>
-              <a:t>9/19/23</a:t>
+              <a:t>9/26/24</a:t>
             </a:fld>
             <a:endParaRPr lang="en-US"/>
           </a:p>
@@ -2246,7 +1737,7 @@
           <a:p>
             <a:fld id="{132BEA1D-90FA-8A48-9258-46725856714B}" type="datetimeFigureOut">
               <a:rPr lang="en-US" smtClean="0"/>
-              <a:t>9/19/23</a:t>
+              <a:t>9/26/24</a:t>
             </a:fld>
             <a:endParaRPr lang="en-US"/>
           </a:p>
@@ -2662,7 +2153,7 @@
           <a:p>
             <a:fld id="{132BEA1D-90FA-8A48-9258-46725856714B}" type="datetimeFigureOut">
               <a:rPr lang="en-US" smtClean="0"/>
-              <a:t>9/19/23</a:t>
+              <a:t>9/26/24</a:t>
             </a:fld>
             <a:endParaRPr lang="en-US"/>
           </a:p>
@@ -2811,7 +2302,7 @@
           <a:p>
             <a:fld id="{132BEA1D-90FA-8A48-9258-46725856714B}" type="datetimeFigureOut">
               <a:rPr lang="en-US" smtClean="0"/>
-              <a:t>9/19/23</a:t>
+              <a:t>9/26/24</a:t>
             </a:fld>
             <a:endParaRPr lang="en-US"/>
           </a:p>
@@ -2937,7 +2428,7 @@
           <a:p>
             <a:fld id="{132BEA1D-90FA-8A48-9258-46725856714B}" type="datetimeFigureOut">
               <a:rPr lang="en-US" smtClean="0"/>
-              <a:t>9/19/23</a:t>
+              <a:t>9/26/24</a:t>
             </a:fld>
             <a:endParaRPr lang="en-US"/>
           </a:p>
@@ -3188,7 +2679,7 @@
           <a:p>
             <a:fld id="{132BEA1D-90FA-8A48-9258-46725856714B}" type="datetimeFigureOut">
               <a:rPr lang="en-US" smtClean="0"/>
-              <a:t>9/19/23</a:t>
+              <a:t>9/26/24</a:t>
             </a:fld>
             <a:endParaRPr lang="en-US"/>
           </a:p>
@@ -3633,7 +3124,7 @@
           <a:p>
             <a:fld id="{132BEA1D-90FA-8A48-9258-46725856714B}" type="datetimeFigureOut">
               <a:rPr lang="en-US" smtClean="0"/>
-              <a:t>9/19/23</a:t>
+              <a:t>9/26/24</a:t>
             </a:fld>
             <a:endParaRPr lang="en-US"/>
           </a:p>
@@ -3960,7 +3451,7 @@
           <a:p>
             <a:fld id="{132BEA1D-90FA-8A48-9258-46725856714B}" type="datetimeFigureOut">
               <a:rPr lang="en-US" smtClean="0"/>
-              <a:t>9/19/23</a:t>
+              <a:t>9/26/24</a:t>
             </a:fld>
             <a:endParaRPr lang="en-US"/>
           </a:p>
@@ -4498,7 +3989,7 @@
         </p:spPr>
         <p:txBody>
           <a:bodyPr>
-            <a:normAutofit lnSpcReduction="10000"/>
+            <a:normAutofit/>
           </a:bodyPr>
           <a:lstStyle/>
           <a:p>
@@ -4518,32 +4009,14 @@
             <a:pPr lvl="1"/>
             <a:r>
               <a:rPr lang="en-US" dirty="0"/>
-              <a:t>Details of strings (Ch </a:t>
-            </a:r>
-            <a:r>
-              <a:rPr lang="en-US"/>
-              <a:t>8) (009)</a:t>
-            </a:r>
-            <a:endParaRPr lang="en-US" dirty="0"/>
+              <a:t>Details of strings (Ch 8) (009)</a:t>
+            </a:r>
           </a:p>
           <a:p>
             <a:pPr lvl="1"/>
             <a:r>
               <a:rPr lang="en-US" dirty="0"/>
               <a:t>Some large exercises mixed in. </a:t>
-            </a:r>
-          </a:p>
-          <a:p>
-            <a:r>
-              <a:rPr lang="en-US" dirty="0"/>
-              <a:t>Lab 2 – due next week:</a:t>
-            </a:r>
-          </a:p>
-          <a:p>
-            <a:pPr lvl="1"/>
-            <a:r>
-              <a:rPr lang="en-US" dirty="0"/>
-              <a:t>I think that it should be pretty easy/short. If not, please let me know. </a:t>
             </a:r>
           </a:p>
           <a:p>
@@ -4598,30 +4071,6 @@
 <file path=ppt/slides/slide10.xml><?xml version="1.0" encoding="utf-8"?>
 <p:sld xmlns:a="http://schemas.openxmlformats.org/drawingml/2006/main" xmlns:r="http://schemas.openxmlformats.org/officeDocument/2006/relationships" xmlns:p="http://schemas.openxmlformats.org/presentationml/2006/main">
   <p:cSld>
-    <p:bg>
-      <p:bgPr>
-        <a:gradFill rotWithShape="1">
-          <a:gsLst>
-            <a:gs pos="0">
-              <a:schemeClr val="bg2">
-                <a:tint val="94000"/>
-                <a:satMod val="80000"/>
-                <a:lumMod val="106000"/>
-              </a:schemeClr>
-            </a:gs>
-            <a:gs pos="100000">
-              <a:schemeClr val="bg2">
-                <a:shade val="80000"/>
-              </a:schemeClr>
-            </a:gs>
-          </a:gsLst>
-          <a:path path="circle">
-            <a:fillToRect l="43000" r="43000" b="100000"/>
-          </a:path>
-        </a:gradFill>
-        <a:effectLst/>
-      </p:bgPr>
-    </p:bg>
     <p:spTree>
       <p:nvGrpSpPr>
         <p:cNvPr id="1" name=""/>
@@ -4636,1736 +4085,6 @@
           <a:chExt cx="0" cy="0"/>
         </a:xfrm>
       </p:grpSpPr>
-      <p:sp useBgFill="1">
-        <p:nvSpPr>
-          <p:cNvPr id="1031" name="Rectangle 1030">
-            <a:extLst>
-              <a:ext uri="{FF2B5EF4-FFF2-40B4-BE49-F238E27FC236}">
-                <a16:creationId xmlns:a16="http://schemas.microsoft.com/office/drawing/2014/main" id="{C630F413-44CE-4746-9821-9E0107978E7A}"/>
-              </a:ext>
-              <a:ext uri="{C183D7F6-B498-43B3-948B-1728B52AA6E4}">
-                <adec:decorative xmlns:adec="http://schemas.microsoft.com/office/drawing/2017/decorative" val="1"/>
-              </a:ext>
-            </a:extLst>
-          </p:cNvPr>
-          <p:cNvSpPr>
-            <a:spLocks noGrp="1" noRot="1" noChangeAspect="1" noMove="1" noResize="1" noEditPoints="1" noAdjustHandles="1" noChangeArrowheads="1" noChangeShapeType="1" noTextEdit="1"/>
-          </p:cNvSpPr>
-          <p:nvPr>
-            <p:extLst>
-              <p:ext uri="{386F3935-93C4-4BCD-93E2-E3B085C9AB24}">
-                <p16:designElem xmlns:p16="http://schemas.microsoft.com/office/powerpoint/2015/main" val="1"/>
-              </p:ext>
-            </p:extLst>
-          </p:nvPr>
-        </p:nvSpPr>
-        <p:spPr>
-          <a:xfrm>
-            <a:off x="2" y="0"/>
-            <a:ext cx="12191695" cy="6858000"/>
-          </a:xfrm>
-          <a:prstGeom prst="rect">
-            <a:avLst/>
-          </a:prstGeom>
-          <a:ln>
-            <a:noFill/>
-          </a:ln>
-        </p:spPr>
-        <p:style>
-          <a:lnRef idx="2">
-            <a:schemeClr val="accent1">
-              <a:shade val="50000"/>
-            </a:schemeClr>
-          </a:lnRef>
-          <a:fillRef idx="1">
-            <a:schemeClr val="accent1"/>
-          </a:fillRef>
-          <a:effectRef idx="0">
-            <a:schemeClr val="accent1"/>
-          </a:effectRef>
-          <a:fontRef idx="minor">
-            <a:schemeClr val="lt1"/>
-          </a:fontRef>
-        </p:style>
-        <p:txBody>
-          <a:bodyPr rtlCol="0" anchor="ctr"/>
-          <a:lstStyle/>
-          <a:p>
-            <a:pPr algn="ctr"/>
-            <a:endParaRPr lang="en-US"/>
-          </a:p>
-        </p:txBody>
-      </p:sp>
-      <p:sp>
-        <p:nvSpPr>
-          <p:cNvPr id="1033" name="Rectangle 1032">
-            <a:extLst>
-              <a:ext uri="{FF2B5EF4-FFF2-40B4-BE49-F238E27FC236}">
-                <a16:creationId xmlns:a16="http://schemas.microsoft.com/office/drawing/2014/main" id="{22D671B1-B099-4F9C-B9CC-9D22B4DAF8A8}"/>
-              </a:ext>
-              <a:ext uri="{C183D7F6-B498-43B3-948B-1728B52AA6E4}">
-                <adec:decorative xmlns:adec="http://schemas.microsoft.com/office/drawing/2017/decorative" val="1"/>
-              </a:ext>
-            </a:extLst>
-          </p:cNvPr>
-          <p:cNvSpPr>
-            <a:spLocks noGrp="1" noRot="1" noChangeAspect="1" noMove="1" noResize="1" noEditPoints="1" noAdjustHandles="1" noChangeArrowheads="1" noChangeShapeType="1" noTextEdit="1"/>
-          </p:cNvSpPr>
-          <p:nvPr>
-            <p:extLst>
-              <p:ext uri="{386F3935-93C4-4BCD-93E2-E3B085C9AB24}">
-                <p16:designElem xmlns:p16="http://schemas.microsoft.com/office/powerpoint/2015/main" val="1"/>
-              </p:ext>
-            </p:extLst>
-          </p:nvPr>
-        </p:nvSpPr>
-        <p:spPr>
-          <a:xfrm>
-            <a:off x="0" y="2019476"/>
-            <a:ext cx="12192000" cy="4838524"/>
-          </a:xfrm>
-          <a:prstGeom prst="rect">
-            <a:avLst/>
-          </a:prstGeom>
-          <a:gradFill flip="none" rotWithShape="1">
-            <a:gsLst>
-              <a:gs pos="0">
-                <a:schemeClr val="bg2">
-                  <a:alpha val="0"/>
-                </a:schemeClr>
-              </a:gs>
-              <a:gs pos="100000">
-                <a:schemeClr val="bg2"/>
-              </a:gs>
-            </a:gsLst>
-            <a:lin ang="5400000" scaled="0"/>
-            <a:tileRect/>
-          </a:gradFill>
-          <a:ln>
-            <a:noFill/>
-          </a:ln>
-        </p:spPr>
-        <p:style>
-          <a:lnRef idx="2">
-            <a:schemeClr val="accent1">
-              <a:shade val="50000"/>
-            </a:schemeClr>
-          </a:lnRef>
-          <a:fillRef idx="1">
-            <a:schemeClr val="accent1"/>
-          </a:fillRef>
-          <a:effectRef idx="0">
-            <a:schemeClr val="accent1"/>
-          </a:effectRef>
-          <a:fontRef idx="minor">
-            <a:schemeClr val="lt1"/>
-          </a:fontRef>
-        </p:style>
-        <p:txBody>
-          <a:bodyPr rtlCol="0" anchor="ctr"/>
-          <a:lstStyle/>
-          <a:p>
-            <a:pPr lvl="0" algn="ctr"/>
-            <a:endParaRPr lang="en-US"/>
-          </a:p>
-        </p:txBody>
-      </p:sp>
-      <p:sp>
-        <p:nvSpPr>
-          <p:cNvPr id="2" name="Title 1">
-            <a:extLst>
-              <a:ext uri="{FF2B5EF4-FFF2-40B4-BE49-F238E27FC236}">
-                <a16:creationId xmlns:a16="http://schemas.microsoft.com/office/drawing/2014/main" id="{A9B36442-EC7B-C00C-6165-CF7C9E418BE6}"/>
-              </a:ext>
-            </a:extLst>
-          </p:cNvPr>
-          <p:cNvSpPr>
-            <a:spLocks noGrp="1"/>
-          </p:cNvSpPr>
-          <p:nvPr>
-            <p:ph type="title"/>
-          </p:nvPr>
-        </p:nvSpPr>
-        <p:spPr>
-          <a:xfrm>
-            <a:off x="7555992" y="707475"/>
-            <a:ext cx="3157577" cy="1312001"/>
-          </a:xfrm>
-        </p:spPr>
-        <p:txBody>
-          <a:bodyPr anchor="t">
-            <a:normAutofit/>
-          </a:bodyPr>
-          <a:lstStyle/>
-          <a:p>
-            <a:r>
-              <a:rPr lang="en-US" sz="2800"/>
-              <a:t>Recursion vs Iteration (loops)</a:t>
-            </a:r>
-          </a:p>
-        </p:txBody>
-      </p:sp>
-      <p:cxnSp>
-        <p:nvCxnSpPr>
-          <p:cNvPr id="1035" name="Straight Connector 1034">
-            <a:extLst>
-              <a:ext uri="{FF2B5EF4-FFF2-40B4-BE49-F238E27FC236}">
-                <a16:creationId xmlns:a16="http://schemas.microsoft.com/office/drawing/2014/main" id="{7552FBEF-FA69-427B-8245-0A518E0513D5}"/>
-              </a:ext>
-              <a:ext uri="{C183D7F6-B498-43B3-948B-1728B52AA6E4}">
-                <adec:decorative xmlns:adec="http://schemas.microsoft.com/office/drawing/2017/decorative" val="1"/>
-              </a:ext>
-            </a:extLst>
-          </p:cNvPr>
-          <p:cNvCxnSpPr>
-            <a:cxnSpLocks noGrp="1" noRot="1" noChangeAspect="1" noMove="1" noResize="1" noEditPoints="1" noAdjustHandles="1" noChangeArrowheads="1" noChangeShapeType="1"/>
-          </p:cNvCxnSpPr>
-          <p:nvPr>
-            <p:extLst>
-              <p:ext uri="{386F3935-93C4-4BCD-93E2-E3B085C9AB24}">
-                <p16:designElem xmlns:p16="http://schemas.microsoft.com/office/powerpoint/2015/main" val="1"/>
-              </p:ext>
-            </p:extLst>
-          </p:nvPr>
-        </p:nvCxnSpPr>
-        <p:spPr>
-          <a:xfrm>
-            <a:off x="7555992" y="2146542"/>
-            <a:ext cx="3157578" cy="0"/>
-          </a:xfrm>
-          <a:prstGeom prst="line">
-            <a:avLst/>
-          </a:prstGeom>
-          <a:ln w="31750"/>
-        </p:spPr>
-        <p:style>
-          <a:lnRef idx="3">
-            <a:schemeClr val="accent1"/>
-          </a:lnRef>
-          <a:fillRef idx="0">
-            <a:schemeClr val="accent1"/>
-          </a:fillRef>
-          <a:effectRef idx="2">
-            <a:schemeClr val="accent1"/>
-          </a:effectRef>
-          <a:fontRef idx="minor">
-            <a:schemeClr val="tx1"/>
-          </a:fontRef>
-        </p:style>
-      </p:cxnSp>
-      <p:sp>
-        <p:nvSpPr>
-          <p:cNvPr id="1037" name="Title 1">
-            <a:extLst>
-              <a:ext uri="{FF2B5EF4-FFF2-40B4-BE49-F238E27FC236}">
-                <a16:creationId xmlns:a16="http://schemas.microsoft.com/office/drawing/2014/main" id="{898488B7-DBD3-40E7-B54B-4DA6C5693EF3}"/>
-              </a:ext>
-              <a:ext uri="{C183D7F6-B498-43B3-948B-1728B52AA6E4}">
-                <adec:decorative xmlns:adec="http://schemas.microsoft.com/office/drawing/2017/decorative" val="1"/>
-              </a:ext>
-            </a:extLst>
-          </p:cNvPr>
-          <p:cNvSpPr txBox="1">
-            <a:spLocks noGrp="1" noRot="1" noChangeAspect="1" noMove="1" noResize="1" noEditPoints="1" noAdjustHandles="1" noChangeArrowheads="1" noChangeShapeType="1" noTextEdit="1"/>
-          </p:cNvSpPr>
-          <p:nvPr>
-            <p:extLst>
-              <p:ext uri="{386F3935-93C4-4BCD-93E2-E3B085C9AB24}">
-                <p16:designElem xmlns:p16="http://schemas.microsoft.com/office/powerpoint/2015/main" val="1"/>
-              </p:ext>
-            </p:extLst>
-          </p:nvPr>
-        </p:nvSpPr>
-        <p:spPr>
-          <a:xfrm>
-            <a:off x="1451580" y="3122496"/>
-            <a:ext cx="3530157" cy="1049235"/>
-          </a:xfrm>
-          <a:prstGeom prst="rect">
-            <a:avLst/>
-          </a:prstGeom>
-        </p:spPr>
-        <p:txBody>
-          <a:bodyPr vert="horz" lIns="91440" tIns="45720" rIns="91440" bIns="45720" rtlCol="0" anchor="t">
-            <a:normAutofit/>
-          </a:bodyPr>
-          <a:lstStyle>
-            <a:lvl1pPr algn="l" defTabSz="914400" rtl="0" eaLnBrk="1" latinLnBrk="0" hangingPunct="1">
-              <a:lnSpc>
-                <a:spcPct val="90000"/>
-              </a:lnSpc>
-              <a:spcBef>
-                <a:spcPct val="0"/>
-              </a:spcBef>
-              <a:buNone/>
-              <a:defRPr sz="3200" b="0" i="0" kern="1200" cap="all">
-                <a:solidFill>
-                  <a:schemeClr val="tx1"/>
-                </a:solidFill>
-                <a:effectLst/>
-                <a:latin typeface="+mj-lt"/>
-                <a:ea typeface="+mj-ea"/>
-                <a:cs typeface="+mj-cs"/>
-              </a:defRPr>
-            </a:lvl1pPr>
-          </a:lstStyle>
-          <a:p>
-            <a:endParaRPr lang="en-US" dirty="0"/>
-          </a:p>
-        </p:txBody>
-      </p:sp>
-      <p:pic>
-        <p:nvPicPr>
-          <p:cNvPr id="1026" name="Picture 2" descr="CitizenChoice">
-            <a:extLst>
-              <a:ext uri="{FF2B5EF4-FFF2-40B4-BE49-F238E27FC236}">
-                <a16:creationId xmlns:a16="http://schemas.microsoft.com/office/drawing/2014/main" id="{34E1AFD2-F361-50AC-094A-D5FDDBFDC545}"/>
-              </a:ext>
-            </a:extLst>
-          </p:cNvPr>
-          <p:cNvPicPr>
-            <a:picLocks noChangeAspect="1" noChangeArrowheads="1"/>
-          </p:cNvPicPr>
-          <p:nvPr/>
-        </p:nvPicPr>
-        <p:blipFill>
-          <a:blip r:embed="rId2">
-            <a:extLst>
-              <a:ext uri="{28A0092B-C50C-407E-A947-70E740481C1C}">
-                <a14:useLocalDpi xmlns:a14="http://schemas.microsoft.com/office/drawing/2010/main" val="0"/>
-              </a:ext>
-            </a:extLst>
-          </a:blip>
-          <a:stretch>
-            <a:fillRect/>
-          </a:stretch>
-        </p:blipFill>
-        <p:spPr bwMode="auto">
-          <a:xfrm>
-            <a:off x="158766" y="22191"/>
-            <a:ext cx="6545277" cy="6835799"/>
-          </a:xfrm>
-          <a:prstGeom prst="rect">
-            <a:avLst/>
-          </a:prstGeom>
-          <a:noFill/>
-          <a:extLst>
-            <a:ext uri="{909E8E84-426E-40DD-AFC4-6F175D3DCCD1}">
-              <a14:hiddenFill xmlns:a14="http://schemas.microsoft.com/office/drawing/2010/main">
-                <a:solidFill>
-                  <a:srgbClr val="FFFFFF"/>
-                </a:solidFill>
-              </a14:hiddenFill>
-            </a:ext>
-          </a:extLst>
-        </p:spPr>
-      </p:pic>
-      <p:sp>
-        <p:nvSpPr>
-          <p:cNvPr id="3" name="Content Placeholder 2">
-            <a:extLst>
-              <a:ext uri="{FF2B5EF4-FFF2-40B4-BE49-F238E27FC236}">
-                <a16:creationId xmlns:a16="http://schemas.microsoft.com/office/drawing/2014/main" id="{8DF0B7A5-7FF4-E0A3-FC09-2C2E842F1645}"/>
-              </a:ext>
-            </a:extLst>
-          </p:cNvPr>
-          <p:cNvSpPr>
-            <a:spLocks noGrp="1"/>
-          </p:cNvSpPr>
-          <p:nvPr>
-            <p:ph idx="1"/>
-          </p:nvPr>
-        </p:nvSpPr>
-        <p:spPr>
-          <a:xfrm>
-            <a:off x="6704043" y="2218867"/>
-            <a:ext cx="5487653" cy="4511581"/>
-          </a:xfrm>
-        </p:spPr>
-        <p:txBody>
-          <a:bodyPr>
-            <a:normAutofit/>
-          </a:bodyPr>
-          <a:lstStyle/>
-          <a:p>
-            <a:r>
-              <a:rPr lang="en-US" dirty="0"/>
-              <a:t>Recursion is another tool to accomplish the same tasks as recursion. </a:t>
-            </a:r>
-          </a:p>
-          <a:p>
-            <a:r>
-              <a:rPr lang="en-US" dirty="0"/>
-              <a:t>We don’t really need to do recursion, sometimes it just makes more sense. </a:t>
-            </a:r>
-          </a:p>
-          <a:p>
-            <a:pPr lvl="1"/>
-            <a:r>
-              <a:rPr lang="en-US" dirty="0"/>
-              <a:t>Loop/recursion are interchangeable. </a:t>
-            </a:r>
-          </a:p>
-          <a:p>
-            <a:r>
-              <a:rPr lang="en-US" dirty="0"/>
-              <a:t>Each has positives and negatives. </a:t>
-            </a:r>
-          </a:p>
-          <a:p>
-            <a:pPr lvl="1"/>
-            <a:r>
-              <a:rPr lang="en-US" dirty="0"/>
-              <a:t>Recursion is usually slower and more resource intensive. </a:t>
-            </a:r>
-          </a:p>
-          <a:p>
-            <a:pPr lvl="1"/>
-            <a:r>
-              <a:rPr lang="en-US" dirty="0"/>
-              <a:t>Recursion can make the structure of the code easier for some problems making it easier to understand. </a:t>
-            </a:r>
-          </a:p>
-        </p:txBody>
-      </p:sp>
-    </p:spTree>
-    <p:extLst>
-      <p:ext uri="{BB962C8B-B14F-4D97-AF65-F5344CB8AC3E}">
-        <p14:creationId xmlns:p14="http://schemas.microsoft.com/office/powerpoint/2010/main" val="3553373463"/>
-      </p:ext>
-    </p:extLst>
-  </p:cSld>
-  <p:clrMapOvr>
-    <a:masterClrMapping/>
-  </p:clrMapOvr>
-</p:sld>
-</file>
-
-<file path=ppt/slides/slide11.xml><?xml version="1.0" encoding="utf-8"?>
-<p:sld xmlns:a="http://schemas.openxmlformats.org/drawingml/2006/main" xmlns:r="http://schemas.openxmlformats.org/officeDocument/2006/relationships" xmlns:p="http://schemas.openxmlformats.org/presentationml/2006/main">
-  <p:cSld>
-    <p:spTree>
-      <p:nvGrpSpPr>
-        <p:cNvPr id="1" name=""/>
-        <p:cNvGrpSpPr/>
-        <p:nvPr/>
-      </p:nvGrpSpPr>
-      <p:grpSpPr>
-        <a:xfrm>
-          <a:off x="0" y="0"/>
-          <a:ext cx="0" cy="0"/>
-          <a:chOff x="0" y="0"/>
-          <a:chExt cx="0" cy="0"/>
-        </a:xfrm>
-      </p:grpSpPr>
-      <p:sp>
-        <p:nvSpPr>
-          <p:cNvPr id="2" name="Title 1">
-            <a:extLst>
-              <a:ext uri="{FF2B5EF4-FFF2-40B4-BE49-F238E27FC236}">
-                <a16:creationId xmlns:a16="http://schemas.microsoft.com/office/drawing/2014/main" id="{12584320-6A52-6B03-4277-57657D4C05B6}"/>
-              </a:ext>
-            </a:extLst>
-          </p:cNvPr>
-          <p:cNvSpPr>
-            <a:spLocks noGrp="1"/>
-          </p:cNvSpPr>
-          <p:nvPr>
-            <p:ph type="title"/>
-          </p:nvPr>
-        </p:nvSpPr>
-        <p:spPr/>
-        <p:txBody>
-          <a:bodyPr/>
-          <a:lstStyle/>
-          <a:p>
-            <a:r>
-              <a:rPr lang="en-US" dirty="0"/>
-              <a:t>Real Recursion</a:t>
-            </a:r>
-          </a:p>
-        </p:txBody>
-      </p:sp>
-      <p:sp>
-        <p:nvSpPr>
-          <p:cNvPr id="3" name="Content Placeholder 2">
-            <a:extLst>
-              <a:ext uri="{FF2B5EF4-FFF2-40B4-BE49-F238E27FC236}">
-                <a16:creationId xmlns:a16="http://schemas.microsoft.com/office/drawing/2014/main" id="{FF9C6108-7E80-3C6C-E28B-24DED9FE942C}"/>
-              </a:ext>
-            </a:extLst>
-          </p:cNvPr>
-          <p:cNvSpPr>
-            <a:spLocks noGrp="1"/>
-          </p:cNvSpPr>
-          <p:nvPr>
-            <p:ph idx="1"/>
-          </p:nvPr>
-        </p:nvSpPr>
-        <p:spPr>
-          <a:xfrm>
-            <a:off x="1451579" y="1853754"/>
-            <a:ext cx="9603275" cy="4199727"/>
-          </a:xfrm>
-        </p:spPr>
-        <p:txBody>
-          <a:bodyPr/>
-          <a:lstStyle/>
-          <a:p>
-            <a:r>
-              <a:rPr lang="en-US" dirty="0"/>
-              <a:t>In real life, recursion occurs regularly. </a:t>
-            </a:r>
-          </a:p>
-          <a:p>
-            <a:r>
-              <a:rPr lang="en-US" dirty="0"/>
-              <a:t>Trees (and linked-lists and graphs):</a:t>
-            </a:r>
-          </a:p>
-          <a:p>
-            <a:pPr lvl="1"/>
-            <a:r>
-              <a:rPr lang="en-US" dirty="0"/>
-              <a:t>We’ll look at trees in machine learning. </a:t>
-            </a:r>
-          </a:p>
-          <a:p>
-            <a:pPr lvl="1"/>
-            <a:r>
-              <a:rPr lang="en-US" dirty="0"/>
-              <a:t>Data structures built on the idea of going back and forth to the ”next” item. </a:t>
-            </a:r>
-          </a:p>
-          <a:p>
-            <a:r>
-              <a:rPr lang="en-US" dirty="0"/>
-              <a:t>File system traversal – similar to tree navigation of up/down folder levels. </a:t>
-            </a:r>
-          </a:p>
-          <a:p>
-            <a:r>
-              <a:rPr lang="en-US" dirty="0"/>
-              <a:t>Objects like JSON – used to pass data around on the internet. </a:t>
-            </a:r>
-          </a:p>
-          <a:p>
-            <a:r>
-              <a:rPr lang="en-US" dirty="0"/>
-              <a:t>Some sorting or searching algorithms.</a:t>
-            </a:r>
-          </a:p>
-          <a:p>
-            <a:r>
-              <a:rPr lang="en-US" dirty="0"/>
-              <a:t>Weird languages like Haskell it is the only way to loop. </a:t>
-            </a:r>
-          </a:p>
-          <a:p>
-            <a:r>
-              <a:rPr lang="en-US" dirty="0"/>
-              <a:t>“Should recursion be used” is a debate, recursion is resource intensive. </a:t>
-            </a:r>
-          </a:p>
-        </p:txBody>
-      </p:sp>
-      <p:pic>
-        <p:nvPicPr>
-          <p:cNvPr id="5122" name="Picture 2" descr="A labeled binary tree of size 9 and height 3, with a root node whose value is 1. The above tree is unbalanced and not sorted.">
-            <a:extLst>
-              <a:ext uri="{FF2B5EF4-FFF2-40B4-BE49-F238E27FC236}">
-                <a16:creationId xmlns:a16="http://schemas.microsoft.com/office/drawing/2014/main" id="{12440C29-CAE4-7B41-78EE-71B060844AAF}"/>
-              </a:ext>
-            </a:extLst>
-          </p:cNvPr>
-          <p:cNvPicPr>
-            <a:picLocks noChangeAspect="1" noChangeArrowheads="1"/>
-          </p:cNvPicPr>
-          <p:nvPr/>
-        </p:nvPicPr>
-        <p:blipFill>
-          <a:blip r:embed="rId2">
-            <a:extLst>
-              <a:ext uri="{28A0092B-C50C-407E-A947-70E740481C1C}">
-                <a14:useLocalDpi xmlns:a14="http://schemas.microsoft.com/office/drawing/2010/main" val="0"/>
-              </a:ext>
-            </a:extLst>
-          </a:blip>
-          <a:srcRect/>
-          <a:stretch>
-            <a:fillRect/>
-          </a:stretch>
-        </p:blipFill>
-        <p:spPr bwMode="auto">
-          <a:xfrm>
-            <a:off x="9285748" y="367854"/>
-            <a:ext cx="2794000" cy="2971800"/>
-          </a:xfrm>
-          <a:prstGeom prst="rect">
-            <a:avLst/>
-          </a:prstGeom>
-          <a:noFill/>
-          <a:extLst>
-            <a:ext uri="{909E8E84-426E-40DD-AFC4-6F175D3DCCD1}">
-              <a14:hiddenFill xmlns:a14="http://schemas.microsoft.com/office/drawing/2010/main">
-                <a:solidFill>
-                  <a:srgbClr val="FFFFFF"/>
-                </a:solidFill>
-              </a14:hiddenFill>
-            </a:ext>
-          </a:extLst>
-        </p:spPr>
-      </p:pic>
-    </p:spTree>
-    <p:extLst>
-      <p:ext uri="{BB962C8B-B14F-4D97-AF65-F5344CB8AC3E}">
-        <p14:creationId xmlns:p14="http://schemas.microsoft.com/office/powerpoint/2010/main" val="361045762"/>
-      </p:ext>
-    </p:extLst>
-  </p:cSld>
-  <p:clrMapOvr>
-    <a:masterClrMapping/>
-  </p:clrMapOvr>
-</p:sld>
-</file>
-
-<file path=ppt/slides/slide12.xml><?xml version="1.0" encoding="utf-8"?>
-<p:sld xmlns:a="http://schemas.openxmlformats.org/drawingml/2006/main" xmlns:r="http://schemas.openxmlformats.org/officeDocument/2006/relationships" xmlns:p="http://schemas.openxmlformats.org/presentationml/2006/main">
-  <p:cSld>
-    <p:spTree>
-      <p:nvGrpSpPr>
-        <p:cNvPr id="1" name=""/>
-        <p:cNvGrpSpPr/>
-        <p:nvPr/>
-      </p:nvGrpSpPr>
-      <p:grpSpPr>
-        <a:xfrm>
-          <a:off x="0" y="0"/>
-          <a:ext cx="0" cy="0"/>
-          <a:chOff x="0" y="0"/>
-          <a:chExt cx="0" cy="0"/>
-        </a:xfrm>
-      </p:grpSpPr>
-      <p:sp>
-        <p:nvSpPr>
-          <p:cNvPr id="2" name="Title 1">
-            <a:extLst>
-              <a:ext uri="{FF2B5EF4-FFF2-40B4-BE49-F238E27FC236}">
-                <a16:creationId xmlns:a16="http://schemas.microsoft.com/office/drawing/2014/main" id="{CDEAB8E7-F0FC-1CA7-01BF-C04FC87FBD17}"/>
-              </a:ext>
-            </a:extLst>
-          </p:cNvPr>
-          <p:cNvSpPr>
-            <a:spLocks noGrp="1"/>
-          </p:cNvSpPr>
-          <p:nvPr>
-            <p:ph type="title"/>
-          </p:nvPr>
-        </p:nvSpPr>
-        <p:spPr/>
-        <p:txBody>
-          <a:bodyPr/>
-          <a:lstStyle/>
-          <a:p>
-            <a:r>
-              <a:rPr lang="en-US" dirty="0"/>
-              <a:t>So… Do I use it?</a:t>
-            </a:r>
-          </a:p>
-        </p:txBody>
-      </p:sp>
-      <p:sp>
-        <p:nvSpPr>
-          <p:cNvPr id="3" name="Content Placeholder 2">
-            <a:extLst>
-              <a:ext uri="{FF2B5EF4-FFF2-40B4-BE49-F238E27FC236}">
-                <a16:creationId xmlns:a16="http://schemas.microsoft.com/office/drawing/2014/main" id="{4BE7304F-DA2A-C242-B482-C4B6059927D7}"/>
-              </a:ext>
-            </a:extLst>
-          </p:cNvPr>
-          <p:cNvSpPr>
-            <a:spLocks noGrp="1"/>
-          </p:cNvSpPr>
-          <p:nvPr>
-            <p:ph idx="1"/>
-          </p:nvPr>
-        </p:nvSpPr>
-        <p:spPr>
-          <a:xfrm>
-            <a:off x="1451579" y="2015732"/>
-            <a:ext cx="10037515" cy="3450613"/>
-          </a:xfrm>
-        </p:spPr>
-        <p:txBody>
-          <a:bodyPr/>
-          <a:lstStyle/>
-          <a:p>
-            <a:r>
-              <a:rPr lang="en-US" dirty="0"/>
-              <a:t>In general, if recursion makes more sense to you in a given scenario, use it. </a:t>
-            </a:r>
-          </a:p>
-          <a:p>
-            <a:pPr lvl="1"/>
-            <a:r>
-              <a:rPr lang="en-US" dirty="0"/>
-              <a:t>The choice is more driven by making sensible/clear code than objective performance in most cases. </a:t>
-            </a:r>
-          </a:p>
-          <a:p>
-            <a:pPr lvl="1"/>
-            <a:r>
-              <a:rPr lang="en-US" dirty="0"/>
-              <a:t>If you are dealing with massive numbers of rounds of recursion or very complex calculations, recursion’s resource requirements might pose an issue. </a:t>
-            </a:r>
-          </a:p>
-          <a:p>
-            <a:r>
-              <a:rPr lang="en-US" dirty="0"/>
-              <a:t>(Almost) always default to the choice that </a:t>
-            </a:r>
-            <a:r>
-              <a:rPr lang="en-US"/>
-              <a:t>is easiest to read. </a:t>
-            </a:r>
-            <a:endParaRPr lang="en-US" dirty="0"/>
-          </a:p>
-          <a:p>
-            <a:r>
-              <a:rPr lang="en-US" dirty="0"/>
-              <a:t>If a problem breaks down into smaller versions of itself, consider recursion. </a:t>
-            </a:r>
-          </a:p>
-        </p:txBody>
-      </p:sp>
-    </p:spTree>
-    <p:extLst>
-      <p:ext uri="{BB962C8B-B14F-4D97-AF65-F5344CB8AC3E}">
-        <p14:creationId xmlns:p14="http://schemas.microsoft.com/office/powerpoint/2010/main" val="4160318959"/>
-      </p:ext>
-    </p:extLst>
-  </p:cSld>
-  <p:clrMapOvr>
-    <a:masterClrMapping/>
-  </p:clrMapOvr>
-</p:sld>
-</file>
-
-<file path=ppt/slides/slide2.xml><?xml version="1.0" encoding="utf-8"?>
-<p:sld xmlns:a="http://schemas.openxmlformats.org/drawingml/2006/main" xmlns:r="http://schemas.openxmlformats.org/officeDocument/2006/relationships" xmlns:p="http://schemas.openxmlformats.org/presentationml/2006/main">
-  <p:cSld>
-    <p:spTree>
-      <p:nvGrpSpPr>
-        <p:cNvPr id="1" name=""/>
-        <p:cNvGrpSpPr/>
-        <p:nvPr/>
-      </p:nvGrpSpPr>
-      <p:grpSpPr>
-        <a:xfrm>
-          <a:off x="0" y="0"/>
-          <a:ext cx="0" cy="0"/>
-          <a:chOff x="0" y="0"/>
-          <a:chExt cx="0" cy="0"/>
-        </a:xfrm>
-      </p:grpSpPr>
-      <p:sp>
-        <p:nvSpPr>
-          <p:cNvPr id="2" name="Title 1">
-            <a:extLst>
-              <a:ext uri="{FF2B5EF4-FFF2-40B4-BE49-F238E27FC236}">
-                <a16:creationId xmlns:a16="http://schemas.microsoft.com/office/drawing/2014/main" id="{6BE0ECFB-1CC1-3CA6-EE05-F84F868404A9}"/>
-              </a:ext>
-            </a:extLst>
-          </p:cNvPr>
-          <p:cNvSpPr>
-            <a:spLocks noGrp="1"/>
-          </p:cNvSpPr>
-          <p:nvPr>
-            <p:ph type="ctrTitle"/>
-          </p:nvPr>
-        </p:nvSpPr>
-        <p:spPr/>
-        <p:txBody>
-          <a:bodyPr/>
-          <a:lstStyle/>
-          <a:p>
-            <a:r>
-              <a:rPr lang="en-US" dirty="0"/>
-              <a:t>Recursion</a:t>
-            </a:r>
-          </a:p>
-        </p:txBody>
-      </p:sp>
-      <p:sp>
-        <p:nvSpPr>
-          <p:cNvPr id="3" name="Subtitle 2">
-            <a:extLst>
-              <a:ext uri="{FF2B5EF4-FFF2-40B4-BE49-F238E27FC236}">
-                <a16:creationId xmlns:a16="http://schemas.microsoft.com/office/drawing/2014/main" id="{EEE395D9-054F-DBCF-0889-41A8833F98E0}"/>
-              </a:ext>
-            </a:extLst>
-          </p:cNvPr>
-          <p:cNvSpPr>
-            <a:spLocks noGrp="1"/>
-          </p:cNvSpPr>
-          <p:nvPr>
-            <p:ph type="subTitle" idx="1"/>
-          </p:nvPr>
-        </p:nvSpPr>
-        <p:spPr/>
-        <p:txBody>
-          <a:bodyPr/>
-          <a:lstStyle/>
-          <a:p>
-            <a:endParaRPr lang="en-US"/>
-          </a:p>
-        </p:txBody>
-      </p:sp>
-    </p:spTree>
-    <p:extLst>
-      <p:ext uri="{BB962C8B-B14F-4D97-AF65-F5344CB8AC3E}">
-        <p14:creationId xmlns:p14="http://schemas.microsoft.com/office/powerpoint/2010/main" val="1202995889"/>
-      </p:ext>
-    </p:extLst>
-  </p:cSld>
-  <p:clrMapOvr>
-    <a:masterClrMapping/>
-  </p:clrMapOvr>
-</p:sld>
-</file>
-
-<file path=ppt/slides/slide3.xml><?xml version="1.0" encoding="utf-8"?>
-<p:sld xmlns:a="http://schemas.openxmlformats.org/drawingml/2006/main" xmlns:r="http://schemas.openxmlformats.org/officeDocument/2006/relationships" xmlns:p="http://schemas.openxmlformats.org/presentationml/2006/main">
-  <p:cSld>
-    <p:spTree>
-      <p:nvGrpSpPr>
-        <p:cNvPr id="1" name=""/>
-        <p:cNvGrpSpPr/>
-        <p:nvPr/>
-      </p:nvGrpSpPr>
-      <p:grpSpPr>
-        <a:xfrm>
-          <a:off x="0" y="0"/>
-          <a:ext cx="0" cy="0"/>
-          <a:chOff x="0" y="0"/>
-          <a:chExt cx="0" cy="0"/>
-        </a:xfrm>
-      </p:grpSpPr>
-      <p:sp>
-        <p:nvSpPr>
-          <p:cNvPr id="2" name="Title 1">
-            <a:extLst>
-              <a:ext uri="{FF2B5EF4-FFF2-40B4-BE49-F238E27FC236}">
-                <a16:creationId xmlns:a16="http://schemas.microsoft.com/office/drawing/2014/main" id="{B962C6EF-75CA-4621-5150-4FD7298DAC79}"/>
-              </a:ext>
-            </a:extLst>
-          </p:cNvPr>
-          <p:cNvSpPr>
-            <a:spLocks noGrp="1"/>
-          </p:cNvSpPr>
-          <p:nvPr>
-            <p:ph type="title"/>
-          </p:nvPr>
-        </p:nvSpPr>
-        <p:spPr/>
-        <p:txBody>
-          <a:bodyPr/>
-          <a:lstStyle/>
-          <a:p>
-            <a:endParaRPr lang="en-US"/>
-          </a:p>
-        </p:txBody>
-      </p:sp>
-      <p:sp>
-        <p:nvSpPr>
-          <p:cNvPr id="3" name="Content Placeholder 2">
-            <a:extLst>
-              <a:ext uri="{FF2B5EF4-FFF2-40B4-BE49-F238E27FC236}">
-                <a16:creationId xmlns:a16="http://schemas.microsoft.com/office/drawing/2014/main" id="{4DFABC17-BB59-7696-25B6-668312D92DF8}"/>
-              </a:ext>
-            </a:extLst>
-          </p:cNvPr>
-          <p:cNvSpPr>
-            <a:spLocks noGrp="1"/>
-          </p:cNvSpPr>
-          <p:nvPr>
-            <p:ph idx="1"/>
-          </p:nvPr>
-        </p:nvSpPr>
-        <p:spPr/>
-        <p:txBody>
-          <a:bodyPr/>
-          <a:lstStyle/>
-          <a:p>
-            <a:endParaRPr lang="en-US"/>
-          </a:p>
-        </p:txBody>
-      </p:sp>
-      <p:pic>
-        <p:nvPicPr>
-          <p:cNvPr id="3074" name="Picture 2" descr="Is Recursion Worth it? - DEV Community">
-            <a:extLst>
-              <a:ext uri="{FF2B5EF4-FFF2-40B4-BE49-F238E27FC236}">
-                <a16:creationId xmlns:a16="http://schemas.microsoft.com/office/drawing/2014/main" id="{0EA4BB63-C34A-3E82-38BA-89DC8889CBC7}"/>
-              </a:ext>
-            </a:extLst>
-          </p:cNvPr>
-          <p:cNvPicPr>
-            <a:picLocks noChangeAspect="1" noChangeArrowheads="1"/>
-          </p:cNvPicPr>
-          <p:nvPr/>
-        </p:nvPicPr>
-        <p:blipFill>
-          <a:blip r:embed="rId2">
-            <a:extLst>
-              <a:ext uri="{28A0092B-C50C-407E-A947-70E740481C1C}">
-                <a14:useLocalDpi xmlns:a14="http://schemas.microsoft.com/office/drawing/2010/main" val="0"/>
-              </a:ext>
-            </a:extLst>
-          </a:blip>
-          <a:srcRect/>
-          <a:stretch>
-            <a:fillRect/>
-          </a:stretch>
-        </p:blipFill>
-        <p:spPr bwMode="auto">
-          <a:xfrm>
-            <a:off x="0" y="0"/>
-            <a:ext cx="12192000" cy="6858000"/>
-          </a:xfrm>
-          <a:prstGeom prst="rect">
-            <a:avLst/>
-          </a:prstGeom>
-          <a:noFill/>
-          <a:extLst>
-            <a:ext uri="{909E8E84-426E-40DD-AFC4-6F175D3DCCD1}">
-              <a14:hiddenFill xmlns:a14="http://schemas.microsoft.com/office/drawing/2010/main">
-                <a:solidFill>
-                  <a:srgbClr val="FFFFFF"/>
-                </a:solidFill>
-              </a14:hiddenFill>
-            </a:ext>
-          </a:extLst>
-        </p:spPr>
-      </p:pic>
-    </p:spTree>
-    <p:extLst>
-      <p:ext uri="{BB962C8B-B14F-4D97-AF65-F5344CB8AC3E}">
-        <p14:creationId xmlns:p14="http://schemas.microsoft.com/office/powerpoint/2010/main" val="383919711"/>
-      </p:ext>
-    </p:extLst>
-  </p:cSld>
-  <p:clrMapOvr>
-    <a:masterClrMapping/>
-  </p:clrMapOvr>
-</p:sld>
-</file>
-
-<file path=ppt/slides/slide4.xml><?xml version="1.0" encoding="utf-8"?>
-<p:sld xmlns:a="http://schemas.openxmlformats.org/drawingml/2006/main" xmlns:r="http://schemas.openxmlformats.org/officeDocument/2006/relationships" xmlns:p="http://schemas.openxmlformats.org/presentationml/2006/main">
-  <p:cSld>
-    <p:spTree>
-      <p:nvGrpSpPr>
-        <p:cNvPr id="1" name=""/>
-        <p:cNvGrpSpPr/>
-        <p:nvPr/>
-      </p:nvGrpSpPr>
-      <p:grpSpPr>
-        <a:xfrm>
-          <a:off x="0" y="0"/>
-          <a:ext cx="0" cy="0"/>
-          <a:chOff x="0" y="0"/>
-          <a:chExt cx="0" cy="0"/>
-        </a:xfrm>
-      </p:grpSpPr>
-      <p:sp>
-        <p:nvSpPr>
-          <p:cNvPr id="2" name="Title 1">
-            <a:extLst>
-              <a:ext uri="{FF2B5EF4-FFF2-40B4-BE49-F238E27FC236}">
-                <a16:creationId xmlns:a16="http://schemas.microsoft.com/office/drawing/2014/main" id="{F232EABE-AA5C-38AF-C31A-F15D4126B1DB}"/>
-              </a:ext>
-            </a:extLst>
-          </p:cNvPr>
-          <p:cNvSpPr>
-            <a:spLocks noGrp="1"/>
-          </p:cNvSpPr>
-          <p:nvPr>
-            <p:ph type="title"/>
-          </p:nvPr>
-        </p:nvSpPr>
-        <p:spPr/>
-        <p:txBody>
-          <a:bodyPr/>
-          <a:lstStyle/>
-          <a:p>
-            <a:r>
-              <a:rPr lang="en-US" dirty="0"/>
-              <a:t>Recursion</a:t>
-            </a:r>
-          </a:p>
-        </p:txBody>
-      </p:sp>
-      <p:sp>
-        <p:nvSpPr>
-          <p:cNvPr id="3" name="Content Placeholder 2">
-            <a:extLst>
-              <a:ext uri="{FF2B5EF4-FFF2-40B4-BE49-F238E27FC236}">
-                <a16:creationId xmlns:a16="http://schemas.microsoft.com/office/drawing/2014/main" id="{571386CD-C8D8-E03F-A191-21AFE0A8D747}"/>
-              </a:ext>
-            </a:extLst>
-          </p:cNvPr>
-          <p:cNvSpPr>
-            <a:spLocks noGrp="1"/>
-          </p:cNvSpPr>
-          <p:nvPr>
-            <p:ph idx="1"/>
-          </p:nvPr>
-        </p:nvSpPr>
-        <p:spPr>
-          <a:xfrm>
-            <a:off x="1451579" y="2015732"/>
-            <a:ext cx="9603275" cy="4037749"/>
-          </a:xfrm>
-        </p:spPr>
-        <p:txBody>
-          <a:bodyPr/>
-          <a:lstStyle/>
-          <a:p>
-            <a:r>
-              <a:rPr lang="en-US" dirty="0"/>
-              <a:t>Recursion is another method of repeating something multiple times, like iteration. </a:t>
-            </a:r>
-          </a:p>
-          <a:p>
-            <a:r>
-              <a:rPr lang="en-US" dirty="0"/>
-              <a:t>Recursion works by breaking large problems into smaller problems. </a:t>
-            </a:r>
-          </a:p>
-          <a:p>
-            <a:r>
-              <a:rPr lang="en-US" dirty="0"/>
-              <a:t>Recursive process:</a:t>
-            </a:r>
-          </a:p>
-          <a:p>
-            <a:pPr lvl="1"/>
-            <a:r>
-              <a:rPr lang="en-US" dirty="0"/>
-              <a:t>If we are at a “base case”, return a value. </a:t>
-            </a:r>
-          </a:p>
-          <a:p>
-            <a:pPr lvl="1"/>
-            <a:r>
-              <a:rPr lang="en-US" dirty="0"/>
-              <a:t>If we are not, return a call of “itself” with a simpler problem. </a:t>
-            </a:r>
-          </a:p>
-          <a:p>
-            <a:r>
-              <a:rPr lang="en-US" dirty="0"/>
-              <a:t>Recursion is best explored via an example…</a:t>
-            </a:r>
-          </a:p>
-        </p:txBody>
-      </p:sp>
-    </p:spTree>
-    <p:extLst>
-      <p:ext uri="{BB962C8B-B14F-4D97-AF65-F5344CB8AC3E}">
-        <p14:creationId xmlns:p14="http://schemas.microsoft.com/office/powerpoint/2010/main" val="935184548"/>
-      </p:ext>
-    </p:extLst>
-  </p:cSld>
-  <p:clrMapOvr>
-    <a:masterClrMapping/>
-  </p:clrMapOvr>
-</p:sld>
-</file>
-
-<file path=ppt/slides/slide5.xml><?xml version="1.0" encoding="utf-8"?>
-<p:sld xmlns:a="http://schemas.openxmlformats.org/drawingml/2006/main" xmlns:r="http://schemas.openxmlformats.org/officeDocument/2006/relationships" xmlns:p="http://schemas.openxmlformats.org/presentationml/2006/main">
-  <p:cSld>
-    <p:bg>
-      <p:bgPr>
-        <a:gradFill rotWithShape="1">
-          <a:gsLst>
-            <a:gs pos="0">
-              <a:schemeClr val="bg2">
-                <a:tint val="94000"/>
-                <a:satMod val="80000"/>
-                <a:lumMod val="106000"/>
-              </a:schemeClr>
-            </a:gs>
-            <a:gs pos="100000">
-              <a:schemeClr val="bg2">
-                <a:shade val="80000"/>
-              </a:schemeClr>
-            </a:gs>
-          </a:gsLst>
-          <a:path path="circle">
-            <a:fillToRect l="43000" r="43000" b="100000"/>
-          </a:path>
-        </a:gradFill>
-        <a:effectLst/>
-      </p:bgPr>
-    </p:bg>
-    <p:spTree>
-      <p:nvGrpSpPr>
-        <p:cNvPr id="1" name=""/>
-        <p:cNvGrpSpPr/>
-        <p:nvPr/>
-      </p:nvGrpSpPr>
-      <p:grpSpPr>
-        <a:xfrm>
-          <a:off x="0" y="0"/>
-          <a:ext cx="0" cy="0"/>
-          <a:chOff x="0" y="0"/>
-          <a:chExt cx="0" cy="0"/>
-        </a:xfrm>
-      </p:grpSpPr>
-      <p:sp>
-        <p:nvSpPr>
-          <p:cNvPr id="2" name="Title 1">
-            <a:extLst>
-              <a:ext uri="{FF2B5EF4-FFF2-40B4-BE49-F238E27FC236}">
-                <a16:creationId xmlns:a16="http://schemas.microsoft.com/office/drawing/2014/main" id="{0217C7DD-ACBD-74E0-F79B-19416F9D01F2}"/>
-              </a:ext>
-            </a:extLst>
-          </p:cNvPr>
-          <p:cNvSpPr>
-            <a:spLocks noGrp="1"/>
-          </p:cNvSpPr>
-          <p:nvPr>
-            <p:ph type="title"/>
-          </p:nvPr>
-        </p:nvSpPr>
-        <p:spPr>
-          <a:xfrm>
-            <a:off x="1451579" y="804519"/>
-            <a:ext cx="9603275" cy="1049235"/>
-          </a:xfrm>
-        </p:spPr>
-        <p:txBody>
-          <a:bodyPr>
-            <a:normAutofit/>
-          </a:bodyPr>
-          <a:lstStyle/>
-          <a:p>
-            <a:r>
-              <a:rPr lang="en-US" dirty="0"/>
-              <a:t>Factorial!!!!!!!!</a:t>
-            </a:r>
-          </a:p>
-        </p:txBody>
-      </p:sp>
-      <p:pic>
-        <p:nvPicPr>
-          <p:cNvPr id="2050" name="Picture 2" descr="YARN | Do you really think we need the exclamation point? | Seinfeld (1989)  - S08E21 The Muffin Tops | Video clips by quotes | b7a1bf75 | 紗">
-            <a:extLst>
-              <a:ext uri="{FF2B5EF4-FFF2-40B4-BE49-F238E27FC236}">
-                <a16:creationId xmlns:a16="http://schemas.microsoft.com/office/drawing/2014/main" id="{DC11ECD4-A72A-7829-81A5-52F2FD4BA3AA}"/>
-              </a:ext>
-            </a:extLst>
-          </p:cNvPr>
-          <p:cNvPicPr>
-            <a:picLocks noChangeAspect="1" noChangeArrowheads="1"/>
-          </p:cNvPicPr>
-          <p:nvPr/>
-        </p:nvPicPr>
-        <p:blipFill>
-          <a:blip r:embed="rId2">
-            <a:extLst>
-              <a:ext uri="{28A0092B-C50C-407E-A947-70E740481C1C}">
-                <a14:useLocalDpi xmlns:a14="http://schemas.microsoft.com/office/drawing/2010/main" val="0"/>
-              </a:ext>
-            </a:extLst>
-          </a:blip>
-          <a:stretch>
-            <a:fillRect/>
-          </a:stretch>
-        </p:blipFill>
-        <p:spPr bwMode="auto">
-          <a:xfrm>
-            <a:off x="428719" y="2065497"/>
-            <a:ext cx="4600817" cy="3450613"/>
-          </a:xfrm>
-          <a:prstGeom prst="rect">
-            <a:avLst/>
-          </a:prstGeom>
-          <a:noFill/>
-          <a:extLst>
-            <a:ext uri="{909E8E84-426E-40DD-AFC4-6F175D3DCCD1}">
-              <a14:hiddenFill xmlns:a14="http://schemas.microsoft.com/office/drawing/2010/main">
-                <a:solidFill>
-                  <a:srgbClr val="FFFFFF"/>
-                </a:solidFill>
-              </a14:hiddenFill>
-            </a:ext>
-          </a:extLst>
-        </p:spPr>
-      </p:pic>
-      <p:sp>
-        <p:nvSpPr>
-          <p:cNvPr id="3" name="Content Placeholder 2">
-            <a:extLst>
-              <a:ext uri="{FF2B5EF4-FFF2-40B4-BE49-F238E27FC236}">
-                <a16:creationId xmlns:a16="http://schemas.microsoft.com/office/drawing/2014/main" id="{5631FD70-1985-8B6E-3120-6C93D2740264}"/>
-              </a:ext>
-            </a:extLst>
-          </p:cNvPr>
-          <p:cNvSpPr>
-            <a:spLocks noGrp="1"/>
-          </p:cNvSpPr>
-          <p:nvPr>
-            <p:ph idx="1"/>
-          </p:nvPr>
-        </p:nvSpPr>
-        <p:spPr>
-          <a:xfrm>
-            <a:off x="5604588" y="1853754"/>
-            <a:ext cx="6525961" cy="4199727"/>
-          </a:xfrm>
-        </p:spPr>
-        <p:txBody>
-          <a:bodyPr>
-            <a:normAutofit/>
-          </a:bodyPr>
-          <a:lstStyle/>
-          <a:p>
-            <a:pPr>
-              <a:lnSpc>
-                <a:spcPct val="110000"/>
-              </a:lnSpc>
-            </a:pPr>
-            <a:r>
-              <a:rPr lang="en-US" sz="1700" dirty="0"/>
-              <a:t>Factorials are the easiest and most common example of recursion. </a:t>
-            </a:r>
-          </a:p>
-          <a:p>
-            <a:pPr>
-              <a:lnSpc>
-                <a:spcPct val="110000"/>
-              </a:lnSpc>
-            </a:pPr>
-            <a:r>
-              <a:rPr lang="en-US" sz="1700" dirty="0"/>
-              <a:t>Factorials are indicated by an exclamation point in math. </a:t>
-            </a:r>
-          </a:p>
-          <a:p>
-            <a:pPr>
-              <a:lnSpc>
-                <a:spcPct val="110000"/>
-              </a:lnSpc>
-            </a:pPr>
-            <a:r>
-              <a:rPr lang="en-US" sz="1700" dirty="0"/>
-              <a:t>The factorial function gives an answer of ”all the integers &gt;=1, up to the number, multiplied by each other”.</a:t>
-            </a:r>
-          </a:p>
-          <a:p>
-            <a:pPr lvl="1">
-              <a:lnSpc>
-                <a:spcPct val="110000"/>
-              </a:lnSpc>
-            </a:pPr>
-            <a:r>
-              <a:rPr lang="en-US" sz="1700" dirty="0"/>
-              <a:t>E.g. 5! = 5 * 4 * 3 * 2 * 1</a:t>
-            </a:r>
-          </a:p>
-          <a:p>
-            <a:pPr lvl="1">
-              <a:lnSpc>
-                <a:spcPct val="110000"/>
-              </a:lnSpc>
-            </a:pPr>
-            <a:r>
-              <a:rPr lang="en-US" sz="1700" dirty="0"/>
-              <a:t>3! = 3 * 2 * 1</a:t>
-            </a:r>
-          </a:p>
-          <a:p>
-            <a:pPr>
-              <a:lnSpc>
-                <a:spcPct val="110000"/>
-              </a:lnSpc>
-            </a:pPr>
-            <a:r>
-              <a:rPr lang="en-US" sz="1900" dirty="0"/>
-              <a:t>We can also think of it as a nested stack of factorials:</a:t>
-            </a:r>
-          </a:p>
-          <a:p>
-            <a:pPr lvl="1">
-              <a:lnSpc>
-                <a:spcPct val="110000"/>
-              </a:lnSpc>
-            </a:pPr>
-            <a:r>
-              <a:rPr lang="en-US" sz="1700" dirty="0"/>
-              <a:t>5! = 5 * 4!</a:t>
-            </a:r>
-          </a:p>
-          <a:p>
-            <a:pPr lvl="1">
-              <a:lnSpc>
-                <a:spcPct val="110000"/>
-              </a:lnSpc>
-            </a:pPr>
-            <a:r>
-              <a:rPr lang="en-US" sz="1700" dirty="0"/>
-              <a:t>    = 5 * 4 * 3!</a:t>
-            </a:r>
-          </a:p>
-          <a:p>
-            <a:pPr lvl="1">
-              <a:lnSpc>
-                <a:spcPct val="110000"/>
-              </a:lnSpc>
-            </a:pPr>
-            <a:r>
-              <a:rPr lang="en-US" sz="1700" dirty="0"/>
-              <a:t>3! = 3 * 2!</a:t>
-            </a:r>
-          </a:p>
-          <a:p>
-            <a:pPr lvl="1">
-              <a:lnSpc>
-                <a:spcPct val="110000"/>
-              </a:lnSpc>
-            </a:pPr>
-            <a:r>
-              <a:rPr lang="en-US" sz="1700" dirty="0"/>
-              <a:t>This makes it a great recursion candidate. </a:t>
-            </a:r>
-          </a:p>
-        </p:txBody>
-      </p:sp>
-    </p:spTree>
-    <p:extLst>
-      <p:ext uri="{BB962C8B-B14F-4D97-AF65-F5344CB8AC3E}">
-        <p14:creationId xmlns:p14="http://schemas.microsoft.com/office/powerpoint/2010/main" val="376447581"/>
-      </p:ext>
-    </p:extLst>
-  </p:cSld>
-  <p:clrMapOvr>
-    <a:masterClrMapping/>
-  </p:clrMapOvr>
-</p:sld>
-</file>
-
-<file path=ppt/slides/slide6.xml><?xml version="1.0" encoding="utf-8"?>
-<p:sld xmlns:a="http://schemas.openxmlformats.org/drawingml/2006/main" xmlns:r="http://schemas.openxmlformats.org/officeDocument/2006/relationships" xmlns:p="http://schemas.openxmlformats.org/presentationml/2006/main">
-  <p:cSld>
-    <p:bg>
-      <p:bgPr>
-        <a:gradFill rotWithShape="1">
-          <a:gsLst>
-            <a:gs pos="0">
-              <a:schemeClr val="bg2">
-                <a:tint val="94000"/>
-                <a:satMod val="80000"/>
-                <a:lumMod val="106000"/>
-              </a:schemeClr>
-            </a:gs>
-            <a:gs pos="100000">
-              <a:schemeClr val="bg2">
-                <a:shade val="80000"/>
-              </a:schemeClr>
-            </a:gs>
-          </a:gsLst>
-          <a:path path="circle">
-            <a:fillToRect l="43000" r="43000" b="100000"/>
-          </a:path>
-        </a:gradFill>
-        <a:effectLst/>
-      </p:bgPr>
-    </p:bg>
-    <p:spTree>
-      <p:nvGrpSpPr>
-        <p:cNvPr id="1" name=""/>
-        <p:cNvGrpSpPr/>
-        <p:nvPr/>
-      </p:nvGrpSpPr>
-      <p:grpSpPr>
-        <a:xfrm>
-          <a:off x="0" y="0"/>
-          <a:ext cx="0" cy="0"/>
-          <a:chOff x="0" y="0"/>
-          <a:chExt cx="0" cy="0"/>
-        </a:xfrm>
-      </p:grpSpPr>
-      <p:sp useBgFill="1">
-        <p:nvSpPr>
-          <p:cNvPr id="4105" name="Rectangle 4104">
-            <a:extLst>
-              <a:ext uri="{FF2B5EF4-FFF2-40B4-BE49-F238E27FC236}">
-                <a16:creationId xmlns:a16="http://schemas.microsoft.com/office/drawing/2014/main" id="{1C2A4B30-77D7-4FFB-8B53-A88BD68CABD2}"/>
-              </a:ext>
-              <a:ext uri="{C183D7F6-B498-43B3-948B-1728B52AA6E4}">
-                <adec:decorative xmlns:adec="http://schemas.microsoft.com/office/drawing/2017/decorative" val="1"/>
-              </a:ext>
-            </a:extLst>
-          </p:cNvPr>
-          <p:cNvSpPr>
-            <a:spLocks noGrp="1" noRot="1" noChangeAspect="1" noMove="1" noResize="1" noEditPoints="1" noAdjustHandles="1" noChangeArrowheads="1" noChangeShapeType="1" noTextEdit="1"/>
-          </p:cNvSpPr>
-          <p:nvPr>
-            <p:extLst>
-              <p:ext uri="{386F3935-93C4-4BCD-93E2-E3B085C9AB24}">
-                <p16:designElem xmlns:p16="http://schemas.microsoft.com/office/powerpoint/2015/main" val="1"/>
-              </p:ext>
-            </p:extLst>
-          </p:nvPr>
-        </p:nvSpPr>
-        <p:spPr>
-          <a:xfrm>
-            <a:off x="2" y="0"/>
-            <a:ext cx="12191695" cy="6858000"/>
-          </a:xfrm>
-          <a:prstGeom prst="rect">
-            <a:avLst/>
-          </a:prstGeom>
-          <a:ln>
-            <a:noFill/>
-          </a:ln>
-        </p:spPr>
-        <p:style>
-          <a:lnRef idx="2">
-            <a:schemeClr val="accent1">
-              <a:shade val="50000"/>
-            </a:schemeClr>
-          </a:lnRef>
-          <a:fillRef idx="1">
-            <a:schemeClr val="accent1"/>
-          </a:fillRef>
-          <a:effectRef idx="0">
-            <a:schemeClr val="accent1"/>
-          </a:effectRef>
-          <a:fontRef idx="minor">
-            <a:schemeClr val="lt1"/>
-          </a:fontRef>
-        </p:style>
-        <p:txBody>
-          <a:bodyPr rtlCol="0" anchor="ctr"/>
-          <a:lstStyle/>
-          <a:p>
-            <a:pPr algn="ctr"/>
-            <a:endParaRPr lang="en-US"/>
-          </a:p>
-        </p:txBody>
-      </p:sp>
-      <p:sp>
-        <p:nvSpPr>
-          <p:cNvPr id="2" name="Title 1">
-            <a:extLst>
-              <a:ext uri="{FF2B5EF4-FFF2-40B4-BE49-F238E27FC236}">
-                <a16:creationId xmlns:a16="http://schemas.microsoft.com/office/drawing/2014/main" id="{2F172BE4-BF2A-BCE7-9CE2-6F18C15C63F4}"/>
-              </a:ext>
-            </a:extLst>
-          </p:cNvPr>
-          <p:cNvSpPr>
-            <a:spLocks noGrp="1"/>
-          </p:cNvSpPr>
-          <p:nvPr>
-            <p:ph type="title"/>
-          </p:nvPr>
-        </p:nvSpPr>
-        <p:spPr>
-          <a:xfrm>
-            <a:off x="1451580" y="804519"/>
-            <a:ext cx="4325112" cy="1049235"/>
-          </a:xfrm>
-        </p:spPr>
-        <p:txBody>
-          <a:bodyPr>
-            <a:normAutofit/>
-          </a:bodyPr>
-          <a:lstStyle/>
-          <a:p>
-            <a:r>
-              <a:rPr lang="en-US" sz="2800" dirty="0"/>
-              <a:t>Factorial</a:t>
-            </a:r>
-          </a:p>
-        </p:txBody>
-      </p:sp>
-      <p:cxnSp>
-        <p:nvCxnSpPr>
-          <p:cNvPr id="4107" name="Straight Connector 4106">
-            <a:extLst>
-              <a:ext uri="{FF2B5EF4-FFF2-40B4-BE49-F238E27FC236}">
-                <a16:creationId xmlns:a16="http://schemas.microsoft.com/office/drawing/2014/main" id="{373AAE2E-5D6B-4952-A4BB-546C49F8DE4B}"/>
-              </a:ext>
-              <a:ext uri="{C183D7F6-B498-43B3-948B-1728B52AA6E4}">
-                <adec:decorative xmlns:adec="http://schemas.microsoft.com/office/drawing/2017/decorative" val="1"/>
-              </a:ext>
-            </a:extLst>
-          </p:cNvPr>
-          <p:cNvCxnSpPr>
-            <a:cxnSpLocks noGrp="1" noRot="1" noChangeAspect="1" noMove="1" noResize="1" noEditPoints="1" noAdjustHandles="1" noChangeArrowheads="1" noChangeShapeType="1"/>
-          </p:cNvCxnSpPr>
-          <p:nvPr>
-            <p:extLst>
-              <p:ext uri="{386F3935-93C4-4BCD-93E2-E3B085C9AB24}">
-                <p16:designElem xmlns:p16="http://schemas.microsoft.com/office/powerpoint/2015/main" val="1"/>
-              </p:ext>
-            </p:extLst>
-          </p:nvPr>
-        </p:nvCxnSpPr>
-        <p:spPr>
-          <a:xfrm>
-            <a:off x="1451579" y="1853754"/>
-            <a:ext cx="4325112" cy="0"/>
-          </a:xfrm>
-          <a:prstGeom prst="line">
-            <a:avLst/>
-          </a:prstGeom>
-          <a:ln w="31750"/>
-        </p:spPr>
-        <p:style>
-          <a:lnRef idx="3">
-            <a:schemeClr val="accent1"/>
-          </a:lnRef>
-          <a:fillRef idx="0">
-            <a:schemeClr val="accent1"/>
-          </a:fillRef>
-          <a:effectRef idx="2">
-            <a:schemeClr val="accent1"/>
-          </a:effectRef>
-          <a:fontRef idx="minor">
-            <a:schemeClr val="tx1"/>
-          </a:fontRef>
-        </p:style>
-      </p:cxnSp>
-      <p:sp>
-        <p:nvSpPr>
-          <p:cNvPr id="4109" name="Rectangle 4108">
-            <a:extLst>
-              <a:ext uri="{FF2B5EF4-FFF2-40B4-BE49-F238E27FC236}">
-                <a16:creationId xmlns:a16="http://schemas.microsoft.com/office/drawing/2014/main" id="{01E4D783-AD45-49E7-B6C7-BBACB8290688}"/>
-              </a:ext>
-              <a:ext uri="{C183D7F6-B498-43B3-948B-1728B52AA6E4}">
-                <adec:decorative xmlns:adec="http://schemas.microsoft.com/office/drawing/2017/decorative" val="1"/>
-              </a:ext>
-            </a:extLst>
-          </p:cNvPr>
-          <p:cNvSpPr>
-            <a:spLocks noGrp="1" noRot="1" noChangeAspect="1" noMove="1" noResize="1" noEditPoints="1" noAdjustHandles="1" noChangeArrowheads="1" noChangeShapeType="1" noTextEdit="1"/>
-          </p:cNvSpPr>
-          <p:nvPr>
-            <p:extLst>
-              <p:ext uri="{386F3935-93C4-4BCD-93E2-E3B085C9AB24}">
-                <p16:designElem xmlns:p16="http://schemas.microsoft.com/office/powerpoint/2015/main" val="1"/>
-              </p:ext>
-            </p:extLst>
-          </p:nvPr>
-        </p:nvSpPr>
-        <p:spPr>
-          <a:xfrm>
-            <a:off x="0" y="2019476"/>
-            <a:ext cx="12192000" cy="4838524"/>
-          </a:xfrm>
-          <a:prstGeom prst="rect">
-            <a:avLst/>
-          </a:prstGeom>
-          <a:gradFill flip="none" rotWithShape="1">
-            <a:gsLst>
-              <a:gs pos="0">
-                <a:schemeClr val="bg2">
-                  <a:alpha val="0"/>
-                </a:schemeClr>
-              </a:gs>
-              <a:gs pos="100000">
-                <a:schemeClr val="bg2"/>
-              </a:gs>
-            </a:gsLst>
-            <a:lin ang="5400000" scaled="0"/>
-            <a:tileRect/>
-          </a:gradFill>
-          <a:ln>
-            <a:noFill/>
-          </a:ln>
-        </p:spPr>
-        <p:style>
-          <a:lnRef idx="2">
-            <a:schemeClr val="accent1">
-              <a:shade val="50000"/>
-            </a:schemeClr>
-          </a:lnRef>
-          <a:fillRef idx="1">
-            <a:schemeClr val="accent1"/>
-          </a:fillRef>
-          <a:effectRef idx="0">
-            <a:schemeClr val="accent1"/>
-          </a:effectRef>
-          <a:fontRef idx="minor">
-            <a:schemeClr val="lt1"/>
-          </a:fontRef>
-        </p:style>
-        <p:txBody>
-          <a:bodyPr rtlCol="0" anchor="ctr"/>
-          <a:lstStyle/>
-          <a:p>
-            <a:pPr lvl="0" algn="ctr"/>
-            <a:endParaRPr lang="en-US"/>
-          </a:p>
-        </p:txBody>
-      </p:sp>
-      <p:sp>
-        <p:nvSpPr>
-          <p:cNvPr id="3" name="Content Placeholder 2">
-            <a:extLst>
-              <a:ext uri="{FF2B5EF4-FFF2-40B4-BE49-F238E27FC236}">
-                <a16:creationId xmlns:a16="http://schemas.microsoft.com/office/drawing/2014/main" id="{8F4F2FE7-B259-2A4F-4916-96881339F93A}"/>
-              </a:ext>
-            </a:extLst>
-          </p:cNvPr>
-          <p:cNvSpPr>
-            <a:spLocks noGrp="1"/>
-          </p:cNvSpPr>
-          <p:nvPr>
-            <p:ph idx="1"/>
-          </p:nvPr>
-        </p:nvSpPr>
-        <p:spPr>
-          <a:xfrm>
-            <a:off x="258501" y="1928333"/>
-            <a:ext cx="5518191" cy="4161571"/>
-          </a:xfrm>
-        </p:spPr>
-        <p:txBody>
-          <a:bodyPr>
-            <a:normAutofit/>
-          </a:bodyPr>
-          <a:lstStyle/>
-          <a:p>
-            <a:r>
-              <a:rPr lang="en-US" dirty="0"/>
-              <a:t>Each “term” of the factorial can be broken into two parts:</a:t>
-            </a:r>
-          </a:p>
-          <a:p>
-            <a:pPr lvl="1"/>
-            <a:r>
-              <a:rPr lang="en-US" dirty="0"/>
-              <a:t>“Current” number.</a:t>
-            </a:r>
-          </a:p>
-          <a:p>
-            <a:pPr lvl="1"/>
-            <a:r>
-              <a:rPr lang="en-US" dirty="0"/>
-              <a:t>“The rest” of the numbers.</a:t>
-            </a:r>
-          </a:p>
-          <a:p>
-            <a:r>
-              <a:rPr lang="en-US" dirty="0"/>
-              <a:t>E.g. for 5! those are 5 and 4! </a:t>
-            </a:r>
-          </a:p>
-          <a:p>
-            <a:r>
-              <a:rPr lang="en-US" dirty="0"/>
-              <a:t>1! Is the base case – returns 1. </a:t>
-            </a:r>
-          </a:p>
-          <a:p>
-            <a:r>
-              <a:rPr lang="en-US" dirty="0"/>
-              <a:t>That base case value “fills in” the pending return values up the chain of unrolled recursions. </a:t>
-            </a:r>
-          </a:p>
-          <a:p>
-            <a:pPr lvl="1"/>
-            <a:r>
-              <a:rPr lang="en-US" dirty="0"/>
-              <a:t>Now all the factorial cases, will have a hard value and we can calculate the answer. </a:t>
-            </a:r>
-          </a:p>
-        </p:txBody>
-      </p:sp>
-      <p:pic>
-        <p:nvPicPr>
-          <p:cNvPr id="4100" name="Picture 4" descr="Recursion I">
-            <a:extLst>
-              <a:ext uri="{FF2B5EF4-FFF2-40B4-BE49-F238E27FC236}">
-                <a16:creationId xmlns:a16="http://schemas.microsoft.com/office/drawing/2014/main" id="{0D1E75BB-5B96-6494-0319-E0BB192F3A4F}"/>
-              </a:ext>
-            </a:extLst>
-          </p:cNvPr>
-          <p:cNvPicPr>
-            <a:picLocks noChangeAspect="1" noChangeArrowheads="1"/>
-          </p:cNvPicPr>
-          <p:nvPr/>
-        </p:nvPicPr>
-        <p:blipFill>
-          <a:blip r:embed="rId2">
-            <a:extLst>
-              <a:ext uri="{28A0092B-C50C-407E-A947-70E740481C1C}">
-                <a14:useLocalDpi xmlns:a14="http://schemas.microsoft.com/office/drawing/2010/main" val="0"/>
-              </a:ext>
-            </a:extLst>
-          </a:blip>
-          <a:stretch>
-            <a:fillRect/>
-          </a:stretch>
-        </p:blipFill>
-        <p:spPr bwMode="auto">
-          <a:xfrm>
-            <a:off x="5851118" y="45929"/>
-            <a:ext cx="6082381" cy="6470618"/>
-          </a:xfrm>
-          <a:prstGeom prst="rect">
-            <a:avLst/>
-          </a:prstGeom>
-          <a:noFill/>
-          <a:extLst>
-            <a:ext uri="{909E8E84-426E-40DD-AFC4-6F175D3DCCD1}">
-              <a14:hiddenFill xmlns:a14="http://schemas.microsoft.com/office/drawing/2010/main">
-                <a:solidFill>
-                  <a:srgbClr val="FFFFFF"/>
-                </a:solidFill>
-              </a14:hiddenFill>
-            </a:ext>
-          </a:extLst>
-        </p:spPr>
-      </p:pic>
-    </p:spTree>
-    <p:extLst>
-      <p:ext uri="{BB962C8B-B14F-4D97-AF65-F5344CB8AC3E}">
-        <p14:creationId xmlns:p14="http://schemas.microsoft.com/office/powerpoint/2010/main" val="122084963"/>
-      </p:ext>
-    </p:extLst>
-  </p:cSld>
-  <p:clrMapOvr>
-    <a:masterClrMapping/>
-  </p:clrMapOvr>
-</p:sld>
-</file>
-
-<file path=ppt/slides/slide7.xml><?xml version="1.0" encoding="utf-8"?>
-<p:sld xmlns:a="http://schemas.openxmlformats.org/drawingml/2006/main" xmlns:r="http://schemas.openxmlformats.org/officeDocument/2006/relationships" xmlns:p="http://schemas.openxmlformats.org/presentationml/2006/main">
-  <p:cSld>
-    <p:spTree>
-      <p:nvGrpSpPr>
-        <p:cNvPr id="1" name=""/>
-        <p:cNvGrpSpPr/>
-        <p:nvPr/>
-      </p:nvGrpSpPr>
-      <p:grpSpPr>
-        <a:xfrm>
-          <a:off x="0" y="0"/>
-          <a:ext cx="0" cy="0"/>
-          <a:chOff x="0" y="0"/>
-          <a:chExt cx="0" cy="0"/>
-        </a:xfrm>
-      </p:grpSpPr>
       <p:sp>
         <p:nvSpPr>
           <p:cNvPr id="2" name="Title 1">
@@ -6480,7 +4199,7 @@
 </p:sld>
 </file>
 
-<file path=ppt/slides/slide8.xml><?xml version="1.0" encoding="utf-8"?>
+<file path=ppt/slides/slide11.xml><?xml version="1.0" encoding="utf-8"?>
 <p:sld xmlns:a="http://schemas.openxmlformats.org/drawingml/2006/main" xmlns:r="http://schemas.openxmlformats.org/officeDocument/2006/relationships" xmlns:p="http://schemas.openxmlformats.org/presentationml/2006/main">
   <p:cSld>
     <p:bg>
@@ -6735,210 +4454,6 @@
           <mc:Choice Requires="p14">
             <p:contentPart p14:bwMode="auto" r:id="rId5">
               <p14:nvContentPartPr>
-                <p14:cNvPr id="7" name="Ink 6">
-                  <a:extLst>
-                    <a:ext uri="{FF2B5EF4-FFF2-40B4-BE49-F238E27FC236}">
-                      <a16:creationId xmlns:a16="http://schemas.microsoft.com/office/drawing/2014/main" id="{1C6362BE-FF34-8E4E-3F32-9C14C7A1195C}"/>
-                    </a:ext>
-                  </a:extLst>
-                </p14:cNvPr>
-                <p14:cNvContentPartPr/>
-                <p14:nvPr/>
-              </p14:nvContentPartPr>
-              <p14:xfrm>
-                <a:off x="7883452" y="5330739"/>
-                <a:ext cx="3041280" cy="79200"/>
-              </p14:xfrm>
-            </p:contentPart>
-          </mc:Choice>
-          <mc:Fallback xmlns="">
-            <p:pic>
-              <p:nvPicPr>
-                <p:cNvPr id="7" name="Ink 6">
-                  <a:extLst>
-                    <a:ext uri="{FF2B5EF4-FFF2-40B4-BE49-F238E27FC236}">
-                      <a16:creationId xmlns:a16="http://schemas.microsoft.com/office/drawing/2014/main" id="{1C6362BE-FF34-8E4E-3F32-9C14C7A1195C}"/>
-                    </a:ext>
-                  </a:extLst>
-                </p:cNvPr>
-                <p:cNvPicPr/>
-                <p:nvPr/>
-              </p:nvPicPr>
-              <p:blipFill>
-                <a:blip r:embed="rId6"/>
-                <a:stretch>
-                  <a:fillRect/>
-                </a:stretch>
-              </p:blipFill>
-              <p:spPr>
-                <a:xfrm>
-                  <a:off x="7879132" y="5326419"/>
-                  <a:ext cx="3049920" cy="87840"/>
-                </a:xfrm>
-                <a:prstGeom prst="rect">
-                  <a:avLst/>
-                </a:prstGeom>
-              </p:spPr>
-            </p:pic>
-          </mc:Fallback>
-        </mc:AlternateContent>
-        <mc:AlternateContent xmlns:mc="http://schemas.openxmlformats.org/markup-compatibility/2006" xmlns:p14="http://schemas.microsoft.com/office/powerpoint/2010/main">
-          <mc:Choice Requires="p14">
-            <p:contentPart p14:bwMode="auto" r:id="rId7">
-              <p14:nvContentPartPr>
-                <p14:cNvPr id="9" name="Ink 8">
-                  <a:extLst>
-                    <a:ext uri="{FF2B5EF4-FFF2-40B4-BE49-F238E27FC236}">
-                      <a16:creationId xmlns:a16="http://schemas.microsoft.com/office/drawing/2014/main" id="{8ED45F4F-0C36-F2F8-1A70-4203C51A9825}"/>
-                    </a:ext>
-                  </a:extLst>
-                </p14:cNvPr>
-                <p14:cNvContentPartPr/>
-                <p14:nvPr/>
-              </p14:nvContentPartPr>
-              <p14:xfrm>
-                <a:off x="8053372" y="5535579"/>
-                <a:ext cx="599760" cy="363240"/>
-              </p14:xfrm>
-            </p:contentPart>
-          </mc:Choice>
-          <mc:Fallback xmlns="">
-            <p:pic>
-              <p:nvPicPr>
-                <p:cNvPr id="9" name="Ink 8">
-                  <a:extLst>
-                    <a:ext uri="{FF2B5EF4-FFF2-40B4-BE49-F238E27FC236}">
-                      <a16:creationId xmlns:a16="http://schemas.microsoft.com/office/drawing/2014/main" id="{8ED45F4F-0C36-F2F8-1A70-4203C51A9825}"/>
-                    </a:ext>
-                  </a:extLst>
-                </p:cNvPr>
-                <p:cNvPicPr/>
-                <p:nvPr/>
-              </p:nvPicPr>
-              <p:blipFill>
-                <a:blip r:embed="rId8"/>
-                <a:stretch>
-                  <a:fillRect/>
-                </a:stretch>
-              </p:blipFill>
-              <p:spPr>
-                <a:xfrm>
-                  <a:off x="8049052" y="5531259"/>
-                  <a:ext cx="608400" cy="371880"/>
-                </a:xfrm>
-                <a:prstGeom prst="rect">
-                  <a:avLst/>
-                </a:prstGeom>
-              </p:spPr>
-            </p:pic>
-          </mc:Fallback>
-        </mc:AlternateContent>
-        <mc:AlternateContent xmlns:mc="http://schemas.openxmlformats.org/markup-compatibility/2006" xmlns:p14="http://schemas.microsoft.com/office/powerpoint/2010/main">
-          <mc:Choice Requires="p14">
-            <p:contentPart p14:bwMode="auto" r:id="rId9">
-              <p14:nvContentPartPr>
-                <p14:cNvPr id="10" name="Ink 9">
-                  <a:extLst>
-                    <a:ext uri="{FF2B5EF4-FFF2-40B4-BE49-F238E27FC236}">
-                      <a16:creationId xmlns:a16="http://schemas.microsoft.com/office/drawing/2014/main" id="{8E62441C-0321-C398-3E1B-9E7412395156}"/>
-                    </a:ext>
-                  </a:extLst>
-                </p14:cNvPr>
-                <p14:cNvContentPartPr/>
-                <p14:nvPr/>
-              </p14:nvContentPartPr>
-              <p14:xfrm>
-                <a:off x="8718292" y="5696139"/>
-                <a:ext cx="201960" cy="258840"/>
-              </p14:xfrm>
-            </p:contentPart>
-          </mc:Choice>
-          <mc:Fallback xmlns="">
-            <p:pic>
-              <p:nvPicPr>
-                <p:cNvPr id="10" name="Ink 9">
-                  <a:extLst>
-                    <a:ext uri="{FF2B5EF4-FFF2-40B4-BE49-F238E27FC236}">
-                      <a16:creationId xmlns:a16="http://schemas.microsoft.com/office/drawing/2014/main" id="{8E62441C-0321-C398-3E1B-9E7412395156}"/>
-                    </a:ext>
-                  </a:extLst>
-                </p:cNvPr>
-                <p:cNvPicPr/>
-                <p:nvPr/>
-              </p:nvPicPr>
-              <p:blipFill>
-                <a:blip r:embed="rId10"/>
-                <a:stretch>
-                  <a:fillRect/>
-                </a:stretch>
-              </p:blipFill>
-              <p:spPr>
-                <a:xfrm>
-                  <a:off x="8713972" y="5691819"/>
-                  <a:ext cx="210600" cy="267480"/>
-                </a:xfrm>
-                <a:prstGeom prst="rect">
-                  <a:avLst/>
-                </a:prstGeom>
-              </p:spPr>
-            </p:pic>
-          </mc:Fallback>
-        </mc:AlternateContent>
-        <mc:AlternateContent xmlns:mc="http://schemas.openxmlformats.org/markup-compatibility/2006" xmlns:p14="http://schemas.microsoft.com/office/powerpoint/2010/main">
-          <mc:Choice Requires="p14">
-            <p:contentPart p14:bwMode="auto" r:id="rId11">
-              <p14:nvContentPartPr>
-                <p14:cNvPr id="11" name="Ink 10">
-                  <a:extLst>
-                    <a:ext uri="{FF2B5EF4-FFF2-40B4-BE49-F238E27FC236}">
-                      <a16:creationId xmlns:a16="http://schemas.microsoft.com/office/drawing/2014/main" id="{FBA43583-6157-7204-F025-A5F1168354F0}"/>
-                    </a:ext>
-                  </a:extLst>
-                </p14:cNvPr>
-                <p14:cNvContentPartPr/>
-                <p14:nvPr/>
-              </p14:nvContentPartPr>
-              <p14:xfrm>
-                <a:off x="9025732" y="5693619"/>
-                <a:ext cx="8280" cy="206640"/>
-              </p14:xfrm>
-            </p:contentPart>
-          </mc:Choice>
-          <mc:Fallback xmlns="">
-            <p:pic>
-              <p:nvPicPr>
-                <p:cNvPr id="11" name="Ink 10">
-                  <a:extLst>
-                    <a:ext uri="{FF2B5EF4-FFF2-40B4-BE49-F238E27FC236}">
-                      <a16:creationId xmlns:a16="http://schemas.microsoft.com/office/drawing/2014/main" id="{FBA43583-6157-7204-F025-A5F1168354F0}"/>
-                    </a:ext>
-                  </a:extLst>
-                </p:cNvPr>
-                <p:cNvPicPr/>
-                <p:nvPr/>
-              </p:nvPicPr>
-              <p:blipFill>
-                <a:blip r:embed="rId12"/>
-                <a:stretch>
-                  <a:fillRect/>
-                </a:stretch>
-              </p:blipFill>
-              <p:spPr>
-                <a:xfrm>
-                  <a:off x="9021412" y="5689299"/>
-                  <a:ext cx="16920" cy="215280"/>
-                </a:xfrm>
-                <a:prstGeom prst="rect">
-                  <a:avLst/>
-                </a:prstGeom>
-              </p:spPr>
-            </p:pic>
-          </mc:Fallback>
-        </mc:AlternateContent>
-        <mc:AlternateContent xmlns:mc="http://schemas.openxmlformats.org/markup-compatibility/2006" xmlns:p14="http://schemas.microsoft.com/office/powerpoint/2010/main">
-          <mc:Choice Requires="p14">
-            <p:contentPart p14:bwMode="auto" r:id="rId13">
-              <p14:nvContentPartPr>
                 <p14:cNvPr id="12" name="Ink 11">
                   <a:extLst>
                     <a:ext uri="{FF2B5EF4-FFF2-40B4-BE49-F238E27FC236}">
@@ -6986,792 +4501,6 @@
             </p:pic>
           </mc:Fallback>
         </mc:AlternateContent>
-        <mc:AlternateContent xmlns:mc="http://schemas.openxmlformats.org/markup-compatibility/2006" xmlns:p14="http://schemas.microsoft.com/office/powerpoint/2010/main">
-          <mc:Choice Requires="p14">
-            <p:contentPart p14:bwMode="auto" r:id="rId15">
-              <p14:nvContentPartPr>
-                <p14:cNvPr id="13" name="Ink 12">
-                  <a:extLst>
-                    <a:ext uri="{FF2B5EF4-FFF2-40B4-BE49-F238E27FC236}">
-                      <a16:creationId xmlns:a16="http://schemas.microsoft.com/office/drawing/2014/main" id="{22B84943-DE9A-4857-8CAC-0024A463E4EC}"/>
-                    </a:ext>
-                  </a:extLst>
-                </p14:cNvPr>
-                <p14:cNvContentPartPr/>
-                <p14:nvPr/>
-              </p14:nvContentPartPr>
-              <p14:xfrm>
-                <a:off x="9139852" y="5646819"/>
-                <a:ext cx="322560" cy="285120"/>
-              </p14:xfrm>
-            </p:contentPart>
-          </mc:Choice>
-          <mc:Fallback xmlns="">
-            <p:pic>
-              <p:nvPicPr>
-                <p:cNvPr id="13" name="Ink 12">
-                  <a:extLst>
-                    <a:ext uri="{FF2B5EF4-FFF2-40B4-BE49-F238E27FC236}">
-                      <a16:creationId xmlns:a16="http://schemas.microsoft.com/office/drawing/2014/main" id="{22B84943-DE9A-4857-8CAC-0024A463E4EC}"/>
-                    </a:ext>
-                  </a:extLst>
-                </p:cNvPr>
-                <p:cNvPicPr/>
-                <p:nvPr/>
-              </p:nvPicPr>
-              <p:blipFill>
-                <a:blip r:embed="rId16"/>
-                <a:stretch>
-                  <a:fillRect/>
-                </a:stretch>
-              </p:blipFill>
-              <p:spPr>
-                <a:xfrm>
-                  <a:off x="9135532" y="5642499"/>
-                  <a:ext cx="331200" cy="293760"/>
-                </a:xfrm>
-                <a:prstGeom prst="rect">
-                  <a:avLst/>
-                </a:prstGeom>
-              </p:spPr>
-            </p:pic>
-          </mc:Fallback>
-        </mc:AlternateContent>
-        <mc:AlternateContent xmlns:mc="http://schemas.openxmlformats.org/markup-compatibility/2006" xmlns:p14="http://schemas.microsoft.com/office/powerpoint/2010/main">
-          <mc:Choice Requires="p14">
-            <p:contentPart p14:bwMode="auto" r:id="rId17">
-              <p14:nvContentPartPr>
-                <p14:cNvPr id="14" name="Ink 13">
-                  <a:extLst>
-                    <a:ext uri="{FF2B5EF4-FFF2-40B4-BE49-F238E27FC236}">
-                      <a16:creationId xmlns:a16="http://schemas.microsoft.com/office/drawing/2014/main" id="{03A85317-732A-656E-6CBB-FF4EEAB5F1F3}"/>
-                    </a:ext>
-                  </a:extLst>
-                </p14:cNvPr>
-                <p14:cNvContentPartPr/>
-                <p14:nvPr/>
-              </p14:nvContentPartPr>
-              <p14:xfrm>
-                <a:off x="9578692" y="5295099"/>
-                <a:ext cx="255600" cy="669960"/>
-              </p14:xfrm>
-            </p:contentPart>
-          </mc:Choice>
-          <mc:Fallback xmlns="">
-            <p:pic>
-              <p:nvPicPr>
-                <p:cNvPr id="14" name="Ink 13">
-                  <a:extLst>
-                    <a:ext uri="{FF2B5EF4-FFF2-40B4-BE49-F238E27FC236}">
-                      <a16:creationId xmlns:a16="http://schemas.microsoft.com/office/drawing/2014/main" id="{03A85317-732A-656E-6CBB-FF4EEAB5F1F3}"/>
-                    </a:ext>
-                  </a:extLst>
-                </p:cNvPr>
-                <p:cNvPicPr/>
-                <p:nvPr/>
-              </p:nvPicPr>
-              <p:blipFill>
-                <a:blip r:embed="rId18"/>
-                <a:stretch>
-                  <a:fillRect/>
-                </a:stretch>
-              </p:blipFill>
-              <p:spPr>
-                <a:xfrm>
-                  <a:off x="9574372" y="5290779"/>
-                  <a:ext cx="264240" cy="678600"/>
-                </a:xfrm>
-                <a:prstGeom prst="rect">
-                  <a:avLst/>
-                </a:prstGeom>
-              </p:spPr>
-            </p:pic>
-          </mc:Fallback>
-        </mc:AlternateContent>
-        <mc:AlternateContent xmlns:mc="http://schemas.openxmlformats.org/markup-compatibility/2006" xmlns:p14="http://schemas.microsoft.com/office/powerpoint/2010/main">
-          <mc:Choice Requires="p14">
-            <p:contentPart p14:bwMode="auto" r:id="rId19">
-              <p14:nvContentPartPr>
-                <p14:cNvPr id="16" name="Ink 15">
-                  <a:extLst>
-                    <a:ext uri="{FF2B5EF4-FFF2-40B4-BE49-F238E27FC236}">
-                      <a16:creationId xmlns:a16="http://schemas.microsoft.com/office/drawing/2014/main" id="{B7938FCF-07EC-F656-340F-17424B4C0BF3}"/>
-                    </a:ext>
-                  </a:extLst>
-                </p14:cNvPr>
-                <p14:cNvContentPartPr/>
-                <p14:nvPr/>
-              </p14:nvContentPartPr>
-              <p14:xfrm>
-                <a:off x="7753852" y="4553859"/>
-                <a:ext cx="3146040" cy="176760"/>
-              </p14:xfrm>
-            </p:contentPart>
-          </mc:Choice>
-          <mc:Fallback xmlns="">
-            <p:pic>
-              <p:nvPicPr>
-                <p:cNvPr id="16" name="Ink 15">
-                  <a:extLst>
-                    <a:ext uri="{FF2B5EF4-FFF2-40B4-BE49-F238E27FC236}">
-                      <a16:creationId xmlns:a16="http://schemas.microsoft.com/office/drawing/2014/main" id="{B7938FCF-07EC-F656-340F-17424B4C0BF3}"/>
-                    </a:ext>
-                  </a:extLst>
-                </p:cNvPr>
-                <p:cNvPicPr/>
-                <p:nvPr/>
-              </p:nvPicPr>
-              <p:blipFill>
-                <a:blip r:embed="rId20"/>
-                <a:stretch>
-                  <a:fillRect/>
-                </a:stretch>
-              </p:blipFill>
-              <p:spPr>
-                <a:xfrm>
-                  <a:off x="7749532" y="4549539"/>
-                  <a:ext cx="3154680" cy="185400"/>
-                </a:xfrm>
-                <a:prstGeom prst="rect">
-                  <a:avLst/>
-                </a:prstGeom>
-              </p:spPr>
-            </p:pic>
-          </mc:Fallback>
-        </mc:AlternateContent>
-        <mc:AlternateContent xmlns:mc="http://schemas.openxmlformats.org/markup-compatibility/2006" xmlns:p14="http://schemas.microsoft.com/office/powerpoint/2010/main">
-          <mc:Choice Requires="p14">
-            <p:contentPart p14:bwMode="auto" r:id="rId21">
-              <p14:nvContentPartPr>
-                <p14:cNvPr id="17" name="Ink 16">
-                  <a:extLst>
-                    <a:ext uri="{FF2B5EF4-FFF2-40B4-BE49-F238E27FC236}">
-                      <a16:creationId xmlns:a16="http://schemas.microsoft.com/office/drawing/2014/main" id="{30D832F8-2FBB-402D-8678-3A5EE6C41FEA}"/>
-                    </a:ext>
-                  </a:extLst>
-                </p14:cNvPr>
-                <p14:cNvContentPartPr/>
-                <p14:nvPr/>
-              </p14:nvContentPartPr>
-              <p14:xfrm>
-                <a:off x="8315812" y="4726659"/>
-                <a:ext cx="214200" cy="456480"/>
-              </p14:xfrm>
-            </p:contentPart>
-          </mc:Choice>
-          <mc:Fallback xmlns="">
-            <p:pic>
-              <p:nvPicPr>
-                <p:cNvPr id="17" name="Ink 16">
-                  <a:extLst>
-                    <a:ext uri="{FF2B5EF4-FFF2-40B4-BE49-F238E27FC236}">
-                      <a16:creationId xmlns:a16="http://schemas.microsoft.com/office/drawing/2014/main" id="{30D832F8-2FBB-402D-8678-3A5EE6C41FEA}"/>
-                    </a:ext>
-                  </a:extLst>
-                </p:cNvPr>
-                <p:cNvPicPr/>
-                <p:nvPr/>
-              </p:nvPicPr>
-              <p:blipFill>
-                <a:blip r:embed="rId22"/>
-                <a:stretch>
-                  <a:fillRect/>
-                </a:stretch>
-              </p:blipFill>
-              <p:spPr>
-                <a:xfrm>
-                  <a:off x="8311492" y="4722339"/>
-                  <a:ext cx="222840" cy="465120"/>
-                </a:xfrm>
-                <a:prstGeom prst="rect">
-                  <a:avLst/>
-                </a:prstGeom>
-              </p:spPr>
-            </p:pic>
-          </mc:Fallback>
-        </mc:AlternateContent>
-        <mc:AlternateContent xmlns:mc="http://schemas.openxmlformats.org/markup-compatibility/2006" xmlns:p14="http://schemas.microsoft.com/office/powerpoint/2010/main">
-          <mc:Choice Requires="p14">
-            <p:contentPart p14:bwMode="auto" r:id="rId23">
-              <p14:nvContentPartPr>
-                <p14:cNvPr id="18" name="Ink 17">
-                  <a:extLst>
-                    <a:ext uri="{FF2B5EF4-FFF2-40B4-BE49-F238E27FC236}">
-                      <a16:creationId xmlns:a16="http://schemas.microsoft.com/office/drawing/2014/main" id="{9F311903-0784-BD70-7325-4285F3750579}"/>
-                    </a:ext>
-                  </a:extLst>
-                </p14:cNvPr>
-                <p14:cNvContentPartPr/>
-                <p14:nvPr/>
-              </p14:nvContentPartPr>
-              <p14:xfrm>
-                <a:off x="8730172" y="4739619"/>
-                <a:ext cx="212400" cy="407880"/>
-              </p14:xfrm>
-            </p:contentPart>
-          </mc:Choice>
-          <mc:Fallback xmlns="">
-            <p:pic>
-              <p:nvPicPr>
-                <p:cNvPr id="18" name="Ink 17">
-                  <a:extLst>
-                    <a:ext uri="{FF2B5EF4-FFF2-40B4-BE49-F238E27FC236}">
-                      <a16:creationId xmlns:a16="http://schemas.microsoft.com/office/drawing/2014/main" id="{9F311903-0784-BD70-7325-4285F3750579}"/>
-                    </a:ext>
-                  </a:extLst>
-                </p:cNvPr>
-                <p:cNvPicPr/>
-                <p:nvPr/>
-              </p:nvPicPr>
-              <p:blipFill>
-                <a:blip r:embed="rId24"/>
-                <a:stretch>
-                  <a:fillRect/>
-                </a:stretch>
-              </p:blipFill>
-              <p:spPr>
-                <a:xfrm>
-                  <a:off x="8725852" y="4735299"/>
-                  <a:ext cx="221040" cy="416520"/>
-                </a:xfrm>
-                <a:prstGeom prst="rect">
-                  <a:avLst/>
-                </a:prstGeom>
-              </p:spPr>
-            </p:pic>
-          </mc:Fallback>
-        </mc:AlternateContent>
-        <mc:AlternateContent xmlns:mc="http://schemas.openxmlformats.org/markup-compatibility/2006" xmlns:p14="http://schemas.microsoft.com/office/powerpoint/2010/main">
-          <mc:Choice Requires="p14">
-            <p:contentPart p14:bwMode="auto" r:id="rId25">
-              <p14:nvContentPartPr>
-                <p14:cNvPr id="19" name="Ink 18">
-                  <a:extLst>
-                    <a:ext uri="{FF2B5EF4-FFF2-40B4-BE49-F238E27FC236}">
-                      <a16:creationId xmlns:a16="http://schemas.microsoft.com/office/drawing/2014/main" id="{B689485C-A454-51D2-674E-8072006B98FB}"/>
-                    </a:ext>
-                  </a:extLst>
-                </p14:cNvPr>
-                <p14:cNvContentPartPr/>
-                <p14:nvPr/>
-              </p14:nvContentPartPr>
-              <p14:xfrm>
-                <a:off x="8887492" y="5006019"/>
-                <a:ext cx="126720" cy="246600"/>
-              </p14:xfrm>
-            </p:contentPart>
-          </mc:Choice>
-          <mc:Fallback xmlns="">
-            <p:pic>
-              <p:nvPicPr>
-                <p:cNvPr id="19" name="Ink 18">
-                  <a:extLst>
-                    <a:ext uri="{FF2B5EF4-FFF2-40B4-BE49-F238E27FC236}">
-                      <a16:creationId xmlns:a16="http://schemas.microsoft.com/office/drawing/2014/main" id="{B689485C-A454-51D2-674E-8072006B98FB}"/>
-                    </a:ext>
-                  </a:extLst>
-                </p:cNvPr>
-                <p:cNvPicPr/>
-                <p:nvPr/>
-              </p:nvPicPr>
-              <p:blipFill>
-                <a:blip r:embed="rId26"/>
-                <a:stretch>
-                  <a:fillRect/>
-                </a:stretch>
-              </p:blipFill>
-              <p:spPr>
-                <a:xfrm>
-                  <a:off x="8883172" y="5001699"/>
-                  <a:ext cx="135360" cy="255240"/>
-                </a:xfrm>
-                <a:prstGeom prst="rect">
-                  <a:avLst/>
-                </a:prstGeom>
-              </p:spPr>
-            </p:pic>
-          </mc:Fallback>
-        </mc:AlternateContent>
-        <mc:AlternateContent xmlns:mc="http://schemas.openxmlformats.org/markup-compatibility/2006" xmlns:p14="http://schemas.microsoft.com/office/powerpoint/2010/main">
-          <mc:Choice Requires="p14">
-            <p:contentPart p14:bwMode="auto" r:id="rId27">
-              <p14:nvContentPartPr>
-                <p14:cNvPr id="20" name="Ink 19">
-                  <a:extLst>
-                    <a:ext uri="{FF2B5EF4-FFF2-40B4-BE49-F238E27FC236}">
-                      <a16:creationId xmlns:a16="http://schemas.microsoft.com/office/drawing/2014/main" id="{F235C91E-0341-DAE5-AB40-381FF85C5538}"/>
-                    </a:ext>
-                  </a:extLst>
-                </p14:cNvPr>
-                <p14:cNvContentPartPr/>
-                <p14:nvPr/>
-              </p14:nvContentPartPr>
-              <p14:xfrm>
-                <a:off x="9058852" y="4730619"/>
-                <a:ext cx="45360" cy="464760"/>
-              </p14:xfrm>
-            </p:contentPart>
-          </mc:Choice>
-          <mc:Fallback xmlns="">
-            <p:pic>
-              <p:nvPicPr>
-                <p:cNvPr id="20" name="Ink 19">
-                  <a:extLst>
-                    <a:ext uri="{FF2B5EF4-FFF2-40B4-BE49-F238E27FC236}">
-                      <a16:creationId xmlns:a16="http://schemas.microsoft.com/office/drawing/2014/main" id="{F235C91E-0341-DAE5-AB40-381FF85C5538}"/>
-                    </a:ext>
-                  </a:extLst>
-                </p:cNvPr>
-                <p:cNvPicPr/>
-                <p:nvPr/>
-              </p:nvPicPr>
-              <p:blipFill>
-                <a:blip r:embed="rId28"/>
-                <a:stretch>
-                  <a:fillRect/>
-                </a:stretch>
-              </p:blipFill>
-              <p:spPr>
-                <a:xfrm>
-                  <a:off x="9054532" y="4726299"/>
-                  <a:ext cx="54000" cy="473400"/>
-                </a:xfrm>
-                <a:prstGeom prst="rect">
-                  <a:avLst/>
-                </a:prstGeom>
-              </p:spPr>
-            </p:pic>
-          </mc:Fallback>
-        </mc:AlternateContent>
-        <mc:AlternateContent xmlns:mc="http://schemas.openxmlformats.org/markup-compatibility/2006" xmlns:p14="http://schemas.microsoft.com/office/powerpoint/2010/main">
-          <mc:Choice Requires="p14">
-            <p:contentPart p14:bwMode="auto" r:id="rId29">
-              <p14:nvContentPartPr>
-                <p14:cNvPr id="21" name="Ink 20">
-                  <a:extLst>
-                    <a:ext uri="{FF2B5EF4-FFF2-40B4-BE49-F238E27FC236}">
-                      <a16:creationId xmlns:a16="http://schemas.microsoft.com/office/drawing/2014/main" id="{111A10E6-15F6-D9D3-677D-B126D9318DF1}"/>
-                    </a:ext>
-                  </a:extLst>
-                </p14:cNvPr>
-                <p14:cNvContentPartPr/>
-                <p14:nvPr/>
-              </p14:nvContentPartPr>
-              <p14:xfrm>
-                <a:off x="9075412" y="4742499"/>
-                <a:ext cx="247320" cy="250560"/>
-              </p14:xfrm>
-            </p:contentPart>
-          </mc:Choice>
-          <mc:Fallback xmlns="">
-            <p:pic>
-              <p:nvPicPr>
-                <p:cNvPr id="21" name="Ink 20">
-                  <a:extLst>
-                    <a:ext uri="{FF2B5EF4-FFF2-40B4-BE49-F238E27FC236}">
-                      <a16:creationId xmlns:a16="http://schemas.microsoft.com/office/drawing/2014/main" id="{111A10E6-15F6-D9D3-677D-B126D9318DF1}"/>
-                    </a:ext>
-                  </a:extLst>
-                </p:cNvPr>
-                <p:cNvPicPr/>
-                <p:nvPr/>
-              </p:nvPicPr>
-              <p:blipFill>
-                <a:blip r:embed="rId30"/>
-                <a:stretch>
-                  <a:fillRect/>
-                </a:stretch>
-              </p:blipFill>
-              <p:spPr>
-                <a:xfrm>
-                  <a:off x="9071092" y="4738179"/>
-                  <a:ext cx="255960" cy="259200"/>
-                </a:xfrm>
-                <a:prstGeom prst="rect">
-                  <a:avLst/>
-                </a:prstGeom>
-              </p:spPr>
-            </p:pic>
-          </mc:Fallback>
-        </mc:AlternateContent>
-        <mc:AlternateContent xmlns:mc="http://schemas.openxmlformats.org/markup-compatibility/2006" xmlns:p14="http://schemas.microsoft.com/office/powerpoint/2010/main">
-          <mc:Choice Requires="p14">
-            <p:contentPart p14:bwMode="auto" r:id="rId31">
-              <p14:nvContentPartPr>
-                <p14:cNvPr id="22" name="Ink 21">
-                  <a:extLst>
-                    <a:ext uri="{FF2B5EF4-FFF2-40B4-BE49-F238E27FC236}">
-                      <a16:creationId xmlns:a16="http://schemas.microsoft.com/office/drawing/2014/main" id="{71D2F769-8B89-A3DF-6206-67994F995242}"/>
-                    </a:ext>
-                  </a:extLst>
-                </p14:cNvPr>
-                <p14:cNvContentPartPr/>
-                <p14:nvPr/>
-              </p14:nvContentPartPr>
-              <p14:xfrm>
-                <a:off x="9183412" y="5012859"/>
-                <a:ext cx="130680" cy="331560"/>
-              </p14:xfrm>
-            </p:contentPart>
-          </mc:Choice>
-          <mc:Fallback xmlns="">
-            <p:pic>
-              <p:nvPicPr>
-                <p:cNvPr id="22" name="Ink 21">
-                  <a:extLst>
-                    <a:ext uri="{FF2B5EF4-FFF2-40B4-BE49-F238E27FC236}">
-                      <a16:creationId xmlns:a16="http://schemas.microsoft.com/office/drawing/2014/main" id="{71D2F769-8B89-A3DF-6206-67994F995242}"/>
-                    </a:ext>
-                  </a:extLst>
-                </p:cNvPr>
-                <p:cNvPicPr/>
-                <p:nvPr/>
-              </p:nvPicPr>
-              <p:blipFill>
-                <a:blip r:embed="rId32"/>
-                <a:stretch>
-                  <a:fillRect/>
-                </a:stretch>
-              </p:blipFill>
-              <p:spPr>
-                <a:xfrm>
-                  <a:off x="9179092" y="5008539"/>
-                  <a:ext cx="139320" cy="340200"/>
-                </a:xfrm>
-                <a:prstGeom prst="rect">
-                  <a:avLst/>
-                </a:prstGeom>
-              </p:spPr>
-            </p:pic>
-          </mc:Fallback>
-        </mc:AlternateContent>
-        <mc:AlternateContent xmlns:mc="http://schemas.openxmlformats.org/markup-compatibility/2006" xmlns:p14="http://schemas.microsoft.com/office/powerpoint/2010/main">
-          <mc:Choice Requires="p14">
-            <p:contentPart p14:bwMode="auto" r:id="rId33">
-              <p14:nvContentPartPr>
-                <p14:cNvPr id="23" name="Ink 22">
-                  <a:extLst>
-                    <a:ext uri="{FF2B5EF4-FFF2-40B4-BE49-F238E27FC236}">
-                      <a16:creationId xmlns:a16="http://schemas.microsoft.com/office/drawing/2014/main" id="{F57F8B15-1775-FD99-5198-94EB0EFE6B17}"/>
-                    </a:ext>
-                  </a:extLst>
-                </p14:cNvPr>
-                <p14:cNvContentPartPr/>
-                <p14:nvPr/>
-              </p14:nvContentPartPr>
-              <p14:xfrm>
-                <a:off x="9485092" y="4828179"/>
-                <a:ext cx="122760" cy="487080"/>
-              </p14:xfrm>
-            </p:contentPart>
-          </mc:Choice>
-          <mc:Fallback xmlns="">
-            <p:pic>
-              <p:nvPicPr>
-                <p:cNvPr id="23" name="Ink 22">
-                  <a:extLst>
-                    <a:ext uri="{FF2B5EF4-FFF2-40B4-BE49-F238E27FC236}">
-                      <a16:creationId xmlns:a16="http://schemas.microsoft.com/office/drawing/2014/main" id="{F57F8B15-1775-FD99-5198-94EB0EFE6B17}"/>
-                    </a:ext>
-                  </a:extLst>
-                </p:cNvPr>
-                <p:cNvPicPr/>
-                <p:nvPr/>
-              </p:nvPicPr>
-              <p:blipFill>
-                <a:blip r:embed="rId34"/>
-                <a:stretch>
-                  <a:fillRect/>
-                </a:stretch>
-              </p:blipFill>
-              <p:spPr>
-                <a:xfrm>
-                  <a:off x="9480772" y="4823859"/>
-                  <a:ext cx="131400" cy="495720"/>
-                </a:xfrm>
-                <a:prstGeom prst="rect">
-                  <a:avLst/>
-                </a:prstGeom>
-              </p:spPr>
-            </p:pic>
-          </mc:Fallback>
-        </mc:AlternateContent>
-        <mc:AlternateContent xmlns:mc="http://schemas.openxmlformats.org/markup-compatibility/2006" xmlns:p14="http://schemas.microsoft.com/office/powerpoint/2010/main">
-          <mc:Choice Requires="p14">
-            <p:contentPart p14:bwMode="auto" r:id="rId35">
-              <p14:nvContentPartPr>
-                <p14:cNvPr id="24" name="Ink 23">
-                  <a:extLst>
-                    <a:ext uri="{FF2B5EF4-FFF2-40B4-BE49-F238E27FC236}">
-                      <a16:creationId xmlns:a16="http://schemas.microsoft.com/office/drawing/2014/main" id="{886C8973-4ABE-15C8-1ED2-2341F45D1D7C}"/>
-                    </a:ext>
-                  </a:extLst>
-                </p14:cNvPr>
-                <p14:cNvContentPartPr/>
-                <p14:nvPr/>
-              </p14:nvContentPartPr>
-              <p14:xfrm>
-                <a:off x="9441532" y="4809459"/>
-                <a:ext cx="289800" cy="45360"/>
-              </p14:xfrm>
-            </p:contentPart>
-          </mc:Choice>
-          <mc:Fallback xmlns="">
-            <p:pic>
-              <p:nvPicPr>
-                <p:cNvPr id="24" name="Ink 23">
-                  <a:extLst>
-                    <a:ext uri="{FF2B5EF4-FFF2-40B4-BE49-F238E27FC236}">
-                      <a16:creationId xmlns:a16="http://schemas.microsoft.com/office/drawing/2014/main" id="{886C8973-4ABE-15C8-1ED2-2341F45D1D7C}"/>
-                    </a:ext>
-                  </a:extLst>
-                </p:cNvPr>
-                <p:cNvPicPr/>
-                <p:nvPr/>
-              </p:nvPicPr>
-              <p:blipFill>
-                <a:blip r:embed="rId36"/>
-                <a:stretch>
-                  <a:fillRect/>
-                </a:stretch>
-              </p:blipFill>
-              <p:spPr>
-                <a:xfrm>
-                  <a:off x="9437212" y="4805139"/>
-                  <a:ext cx="298440" cy="54000"/>
-                </a:xfrm>
-                <a:prstGeom prst="rect">
-                  <a:avLst/>
-                </a:prstGeom>
-              </p:spPr>
-            </p:pic>
-          </mc:Fallback>
-        </mc:AlternateContent>
-      </p:grpSp>
-      <p:grpSp>
-        <p:nvGrpSpPr>
-          <p:cNvPr id="30" name="Group 29">
-            <a:extLst>
-              <a:ext uri="{FF2B5EF4-FFF2-40B4-BE49-F238E27FC236}">
-                <a16:creationId xmlns:a16="http://schemas.microsoft.com/office/drawing/2014/main" id="{0D1E12BF-19C6-90FC-41AE-16CBD8AC30A7}"/>
-              </a:ext>
-            </a:extLst>
-          </p:cNvPr>
-          <p:cNvGrpSpPr/>
-          <p:nvPr/>
-        </p:nvGrpSpPr>
-        <p:grpSpPr>
-          <a:xfrm>
-            <a:off x="7761772" y="3724779"/>
-            <a:ext cx="3108240" cy="740160"/>
-            <a:chOff x="7761772" y="3724779"/>
-            <a:chExt cx="3108240" cy="740160"/>
-          </a:xfrm>
-        </p:grpSpPr>
-        <mc:AlternateContent xmlns:mc="http://schemas.openxmlformats.org/markup-compatibility/2006" xmlns:p14="http://schemas.microsoft.com/office/powerpoint/2010/main">
-          <mc:Choice Requires="p14">
-            <p:contentPart p14:bwMode="auto" r:id="rId37">
-              <p14:nvContentPartPr>
-                <p14:cNvPr id="26" name="Ink 25">
-                  <a:extLst>
-                    <a:ext uri="{FF2B5EF4-FFF2-40B4-BE49-F238E27FC236}">
-                      <a16:creationId xmlns:a16="http://schemas.microsoft.com/office/drawing/2014/main" id="{79A4EFF6-3B3C-81FB-B62E-B580E4E07655}"/>
-                    </a:ext>
-                  </a:extLst>
-                </p14:cNvPr>
-                <p14:cNvContentPartPr/>
-                <p14:nvPr/>
-              </p14:nvContentPartPr>
-              <p14:xfrm>
-                <a:off x="7761772" y="3724779"/>
-                <a:ext cx="3108240" cy="99720"/>
-              </p14:xfrm>
-            </p:contentPart>
-          </mc:Choice>
-          <mc:Fallback xmlns="">
-            <p:pic>
-              <p:nvPicPr>
-                <p:cNvPr id="26" name="Ink 25">
-                  <a:extLst>
-                    <a:ext uri="{FF2B5EF4-FFF2-40B4-BE49-F238E27FC236}">
-                      <a16:creationId xmlns:a16="http://schemas.microsoft.com/office/drawing/2014/main" id="{79A4EFF6-3B3C-81FB-B62E-B580E4E07655}"/>
-                    </a:ext>
-                  </a:extLst>
-                </p:cNvPr>
-                <p:cNvPicPr/>
-                <p:nvPr/>
-              </p:nvPicPr>
-              <p:blipFill>
-                <a:blip r:embed="rId38"/>
-                <a:stretch>
-                  <a:fillRect/>
-                </a:stretch>
-              </p:blipFill>
-              <p:spPr>
-                <a:xfrm>
-                  <a:off x="7757452" y="3720459"/>
-                  <a:ext cx="3116880" cy="108360"/>
-                </a:xfrm>
-                <a:prstGeom prst="rect">
-                  <a:avLst/>
-                </a:prstGeom>
-              </p:spPr>
-            </p:pic>
-          </mc:Fallback>
-        </mc:AlternateContent>
-        <mc:AlternateContent xmlns:mc="http://schemas.openxmlformats.org/markup-compatibility/2006" xmlns:p14="http://schemas.microsoft.com/office/powerpoint/2010/main">
-          <mc:Choice Requires="p14">
-            <p:contentPart p14:bwMode="auto" r:id="rId39">
-              <p14:nvContentPartPr>
-                <p14:cNvPr id="27" name="Ink 26">
-                  <a:extLst>
-                    <a:ext uri="{FF2B5EF4-FFF2-40B4-BE49-F238E27FC236}">
-                      <a16:creationId xmlns:a16="http://schemas.microsoft.com/office/drawing/2014/main" id="{26BB2F4C-81E9-A152-BEC6-529A64806EEB}"/>
-                    </a:ext>
-                  </a:extLst>
-                </p14:cNvPr>
-                <p14:cNvContentPartPr/>
-                <p14:nvPr/>
-              </p14:nvContentPartPr>
-              <p14:xfrm>
-                <a:off x="8478172" y="3943659"/>
-                <a:ext cx="351000" cy="521280"/>
-              </p14:xfrm>
-            </p:contentPart>
-          </mc:Choice>
-          <mc:Fallback xmlns="">
-            <p:pic>
-              <p:nvPicPr>
-                <p:cNvPr id="27" name="Ink 26">
-                  <a:extLst>
-                    <a:ext uri="{FF2B5EF4-FFF2-40B4-BE49-F238E27FC236}">
-                      <a16:creationId xmlns:a16="http://schemas.microsoft.com/office/drawing/2014/main" id="{26BB2F4C-81E9-A152-BEC6-529A64806EEB}"/>
-                    </a:ext>
-                  </a:extLst>
-                </p:cNvPr>
-                <p:cNvPicPr/>
-                <p:nvPr/>
-              </p:nvPicPr>
-              <p:blipFill>
-                <a:blip r:embed="rId40"/>
-                <a:stretch>
-                  <a:fillRect/>
-                </a:stretch>
-              </p:blipFill>
-              <p:spPr>
-                <a:xfrm>
-                  <a:off x="8473852" y="3939339"/>
-                  <a:ext cx="359640" cy="529920"/>
-                </a:xfrm>
-                <a:prstGeom prst="rect">
-                  <a:avLst/>
-                </a:prstGeom>
-              </p:spPr>
-            </p:pic>
-          </mc:Fallback>
-        </mc:AlternateContent>
-        <mc:AlternateContent xmlns:mc="http://schemas.openxmlformats.org/markup-compatibility/2006" xmlns:p14="http://schemas.microsoft.com/office/powerpoint/2010/main">
-          <mc:Choice Requires="p14">
-            <p:contentPart p14:bwMode="auto" r:id="rId41">
-              <p14:nvContentPartPr>
-                <p14:cNvPr id="28" name="Ink 27">
-                  <a:extLst>
-                    <a:ext uri="{FF2B5EF4-FFF2-40B4-BE49-F238E27FC236}">
-                      <a16:creationId xmlns:a16="http://schemas.microsoft.com/office/drawing/2014/main" id="{E1F32FA3-6BC5-1FA6-BBF0-A78FDE1D78FF}"/>
-                    </a:ext>
-                  </a:extLst>
-                </p14:cNvPr>
-                <p14:cNvContentPartPr/>
-                <p14:nvPr/>
-              </p14:nvContentPartPr>
-              <p14:xfrm>
-                <a:off x="8987572" y="3987579"/>
-                <a:ext cx="388080" cy="452520"/>
-              </p14:xfrm>
-            </p:contentPart>
-          </mc:Choice>
-          <mc:Fallback xmlns="">
-            <p:pic>
-              <p:nvPicPr>
-                <p:cNvPr id="28" name="Ink 27">
-                  <a:extLst>
-                    <a:ext uri="{FF2B5EF4-FFF2-40B4-BE49-F238E27FC236}">
-                      <a16:creationId xmlns:a16="http://schemas.microsoft.com/office/drawing/2014/main" id="{E1F32FA3-6BC5-1FA6-BBF0-A78FDE1D78FF}"/>
-                    </a:ext>
-                  </a:extLst>
-                </p:cNvPr>
-                <p:cNvPicPr/>
-                <p:nvPr/>
-              </p:nvPicPr>
-              <p:blipFill>
-                <a:blip r:embed="rId42"/>
-                <a:stretch>
-                  <a:fillRect/>
-                </a:stretch>
-              </p:blipFill>
-              <p:spPr>
-                <a:xfrm>
-                  <a:off x="8983252" y="3983259"/>
-                  <a:ext cx="396720" cy="461160"/>
-                </a:xfrm>
-                <a:prstGeom prst="rect">
-                  <a:avLst/>
-                </a:prstGeom>
-              </p:spPr>
-            </p:pic>
-          </mc:Fallback>
-        </mc:AlternateContent>
-        <mc:AlternateContent xmlns:mc="http://schemas.openxmlformats.org/markup-compatibility/2006" xmlns:p14="http://schemas.microsoft.com/office/powerpoint/2010/main">
-          <mc:Choice Requires="p14">
-            <p:contentPart p14:bwMode="auto" r:id="rId43">
-              <p14:nvContentPartPr>
-                <p14:cNvPr id="29" name="Ink 28">
-                  <a:extLst>
-                    <a:ext uri="{FF2B5EF4-FFF2-40B4-BE49-F238E27FC236}">
-                      <a16:creationId xmlns:a16="http://schemas.microsoft.com/office/drawing/2014/main" id="{063AEA62-5FEF-3E96-0BFC-C496E693B12D}"/>
-                    </a:ext>
-                  </a:extLst>
-                </p14:cNvPr>
-                <p14:cNvContentPartPr/>
-                <p14:nvPr/>
-              </p14:nvContentPartPr>
-              <p14:xfrm>
-                <a:off x="9408412" y="3912339"/>
-                <a:ext cx="432360" cy="509400"/>
-              </p14:xfrm>
-            </p:contentPart>
-          </mc:Choice>
-          <mc:Fallback xmlns="">
-            <p:pic>
-              <p:nvPicPr>
-                <p:cNvPr id="29" name="Ink 28">
-                  <a:extLst>
-                    <a:ext uri="{FF2B5EF4-FFF2-40B4-BE49-F238E27FC236}">
-                      <a16:creationId xmlns:a16="http://schemas.microsoft.com/office/drawing/2014/main" id="{063AEA62-5FEF-3E96-0BFC-C496E693B12D}"/>
-                    </a:ext>
-                  </a:extLst>
-                </p:cNvPr>
-                <p:cNvPicPr/>
-                <p:nvPr/>
-              </p:nvPicPr>
-              <p:blipFill>
-                <a:blip r:embed="rId44"/>
-                <a:stretch>
-                  <a:fillRect/>
-                </a:stretch>
-              </p:blipFill>
-              <p:spPr>
-                <a:xfrm>
-                  <a:off x="9404092" y="3908019"/>
-                  <a:ext cx="441000" cy="518040"/>
-                </a:xfrm>
-                <a:prstGeom prst="rect">
-                  <a:avLst/>
-                </a:prstGeom>
-              </p:spPr>
-            </p:pic>
-          </mc:Fallback>
-        </mc:AlternateContent>
       </p:grpSp>
       <p:grpSp>
         <p:nvGrpSpPr>
@@ -7795,7 +4524,7 @@
         </p:grpSpPr>
         <mc:AlternateContent xmlns:mc="http://schemas.openxmlformats.org/markup-compatibility/2006" xmlns:p14="http://schemas.microsoft.com/office/powerpoint/2010/main">
           <mc:Choice Requires="p14">
-            <p:contentPart p14:bwMode="auto" r:id="rId45">
+            <p:contentPart p14:bwMode="auto" r:id="rId15">
               <p14:nvContentPartPr>
                 <p14:cNvPr id="31" name="Ink 30">
                   <a:extLst>
@@ -8253,10 +4982,2676 @@
           </mc:Fallback>
         </mc:AlternateContent>
       </p:grpSp>
+      <p:sp>
+        <p:nvSpPr>
+          <p:cNvPr id="4" name="TextBox 3">
+            <a:extLst>
+              <a:ext uri="{FF2B5EF4-FFF2-40B4-BE49-F238E27FC236}">
+                <a16:creationId xmlns:a16="http://schemas.microsoft.com/office/drawing/2014/main" id="{CFE60788-DA41-46D4-1F13-AB4867FDFE92}"/>
+              </a:ext>
+            </a:extLst>
+          </p:cNvPr>
+          <p:cNvSpPr txBox="1"/>
+          <p:nvPr/>
+        </p:nvSpPr>
+        <p:spPr>
+          <a:xfrm>
+            <a:off x="7085476" y="1140007"/>
+            <a:ext cx="2230056" cy="369332"/>
+          </a:xfrm>
+          <a:prstGeom prst="rect">
+            <a:avLst/>
+          </a:prstGeom>
+          <a:noFill/>
+        </p:spPr>
+        <p:txBody>
+          <a:bodyPr wrap="square" rtlCol="0">
+            <a:spAutoFit/>
+          </a:bodyPr>
+          <a:lstStyle/>
+          <a:p>
+            <a:r>
+              <a:rPr lang="en-US" dirty="0" err="1">
+                <a:solidFill>
+                  <a:srgbClr val="FFC000"/>
+                </a:solidFill>
+              </a:rPr>
+              <a:t>do_weird_calc</a:t>
+            </a:r>
+            <a:r>
+              <a:rPr lang="en-US" dirty="0">
+                <a:solidFill>
+                  <a:srgbClr val="FFC000"/>
+                </a:solidFill>
+              </a:rPr>
+              <a:t>(5)</a:t>
+            </a:r>
+          </a:p>
+        </p:txBody>
+      </p:sp>
     </p:spTree>
     <p:extLst>
       <p:ext uri="{BB962C8B-B14F-4D97-AF65-F5344CB8AC3E}">
         <p14:creationId xmlns:p14="http://schemas.microsoft.com/office/powerpoint/2010/main" val="571730436"/>
+      </p:ext>
+    </p:extLst>
+  </p:cSld>
+  <p:clrMapOvr>
+    <a:masterClrMapping/>
+  </p:clrMapOvr>
+</p:sld>
+</file>
+
+<file path=ppt/slides/slide12.xml><?xml version="1.0" encoding="utf-8"?>
+<p:sld xmlns:a="http://schemas.openxmlformats.org/drawingml/2006/main" xmlns:r="http://schemas.openxmlformats.org/officeDocument/2006/relationships" xmlns:p="http://schemas.openxmlformats.org/presentationml/2006/main">
+  <p:cSld>
+    <p:spTree>
+      <p:nvGrpSpPr>
+        <p:cNvPr id="1" name=""/>
+        <p:cNvGrpSpPr/>
+        <p:nvPr/>
+      </p:nvGrpSpPr>
+      <p:grpSpPr>
+        <a:xfrm>
+          <a:off x="0" y="0"/>
+          <a:ext cx="0" cy="0"/>
+          <a:chOff x="0" y="0"/>
+          <a:chExt cx="0" cy="0"/>
+        </a:xfrm>
+      </p:grpSpPr>
+      <p:sp>
+        <p:nvSpPr>
+          <p:cNvPr id="2" name="Title 1">
+            <a:extLst>
+              <a:ext uri="{FF2B5EF4-FFF2-40B4-BE49-F238E27FC236}">
+                <a16:creationId xmlns:a16="http://schemas.microsoft.com/office/drawing/2014/main" id="{5AEBC5CE-97E1-4427-7E18-3965028DD5AD}"/>
+              </a:ext>
+            </a:extLst>
+          </p:cNvPr>
+          <p:cNvSpPr>
+            <a:spLocks noGrp="1"/>
+          </p:cNvSpPr>
+          <p:nvPr>
+            <p:ph type="title"/>
+          </p:nvPr>
+        </p:nvSpPr>
+        <p:spPr/>
+        <p:txBody>
+          <a:bodyPr/>
+          <a:lstStyle/>
+          <a:p>
+            <a:r>
+              <a:rPr lang="en-US" dirty="0"/>
+              <a:t>Stack my Recursion</a:t>
+            </a:r>
+          </a:p>
+        </p:txBody>
+      </p:sp>
+      <p:sp>
+        <p:nvSpPr>
+          <p:cNvPr id="3" name="Content Placeholder 2">
+            <a:extLst>
+              <a:ext uri="{FF2B5EF4-FFF2-40B4-BE49-F238E27FC236}">
+                <a16:creationId xmlns:a16="http://schemas.microsoft.com/office/drawing/2014/main" id="{8D7BA632-399D-9977-95EF-B621DFB811DE}"/>
+              </a:ext>
+            </a:extLst>
+          </p:cNvPr>
+          <p:cNvSpPr>
+            <a:spLocks noGrp="1"/>
+          </p:cNvSpPr>
+          <p:nvPr>
+            <p:ph idx="1"/>
+          </p:nvPr>
+        </p:nvSpPr>
+        <p:spPr>
+          <a:xfrm>
+            <a:off x="1451579" y="1853754"/>
+            <a:ext cx="9603275" cy="4199727"/>
+          </a:xfrm>
+        </p:spPr>
+        <p:txBody>
+          <a:bodyPr>
+            <a:normAutofit lnSpcReduction="10000"/>
+          </a:bodyPr>
+          <a:lstStyle/>
+          <a:p>
+            <a:r>
+              <a:rPr lang="en-US" dirty="0"/>
+              <a:t>The stack is something we rarely (especially for DS in Python) think about. </a:t>
+            </a:r>
+          </a:p>
+          <a:p>
+            <a:pPr lvl="1"/>
+            <a:r>
+              <a:rPr lang="en-US" dirty="0"/>
+              <a:t>If doing lower-level code, this is something that is more of a consideration. </a:t>
+            </a:r>
+          </a:p>
+          <a:p>
+            <a:r>
+              <a:rPr lang="en-US" dirty="0"/>
+              <a:t>Recursion can generate many additions to the stack. </a:t>
+            </a:r>
+          </a:p>
+          <a:p>
+            <a:pPr lvl="1"/>
+            <a:r>
+              <a:rPr lang="en-US" dirty="0"/>
+              <a:t>Our simple example generated 3 function calls on the stack. </a:t>
+            </a:r>
+          </a:p>
+          <a:p>
+            <a:pPr lvl="1"/>
+            <a:r>
+              <a:rPr lang="en-US" dirty="0"/>
+              <a:t>Each recursion round generates it’s own function call, at a minimum. </a:t>
+            </a:r>
+          </a:p>
+          <a:p>
+            <a:pPr lvl="1"/>
+            <a:r>
+              <a:rPr lang="en-US" dirty="0"/>
+              <a:t>E.g. factorial(1000) would stack 1000 function calls on said stack. </a:t>
+            </a:r>
+          </a:p>
+          <a:p>
+            <a:r>
+              <a:rPr lang="en-US" dirty="0"/>
+              <a:t>There is a possibility for “stack overflow”, or too much stuff in the stack. </a:t>
+            </a:r>
+          </a:p>
+          <a:p>
+            <a:pPr lvl="1"/>
+            <a:r>
+              <a:rPr lang="en-US" dirty="0"/>
+              <a:t>Each call of a function generates objects in memory. </a:t>
+            </a:r>
+          </a:p>
+          <a:p>
+            <a:pPr lvl="1"/>
+            <a:r>
+              <a:rPr lang="en-US" dirty="0"/>
+              <a:t>Also one of the more useful sites for explanations and examples. </a:t>
+            </a:r>
+          </a:p>
+          <a:p>
+            <a:r>
+              <a:rPr lang="en-US" dirty="0"/>
+              <a:t>Python has a default limit of adding 1000 recursive calls to the stack. </a:t>
+            </a:r>
+          </a:p>
+        </p:txBody>
+      </p:sp>
+    </p:spTree>
+    <p:extLst>
+      <p:ext uri="{BB962C8B-B14F-4D97-AF65-F5344CB8AC3E}">
+        <p14:creationId xmlns:p14="http://schemas.microsoft.com/office/powerpoint/2010/main" val="4279302459"/>
+      </p:ext>
+    </p:extLst>
+  </p:cSld>
+  <p:clrMapOvr>
+    <a:masterClrMapping/>
+  </p:clrMapOvr>
+</p:sld>
+</file>
+
+<file path=ppt/slides/slide13.xml><?xml version="1.0" encoding="utf-8"?>
+<p:sld xmlns:a="http://schemas.openxmlformats.org/drawingml/2006/main" xmlns:r="http://schemas.openxmlformats.org/officeDocument/2006/relationships" xmlns:p="http://schemas.openxmlformats.org/presentationml/2006/main">
+  <p:cSld>
+    <p:bg>
+      <p:bgPr>
+        <a:gradFill rotWithShape="1">
+          <a:gsLst>
+            <a:gs pos="0">
+              <a:schemeClr val="bg2">
+                <a:tint val="94000"/>
+                <a:satMod val="80000"/>
+                <a:lumMod val="106000"/>
+              </a:schemeClr>
+            </a:gs>
+            <a:gs pos="100000">
+              <a:schemeClr val="bg2">
+                <a:shade val="80000"/>
+              </a:schemeClr>
+            </a:gs>
+          </a:gsLst>
+          <a:path path="circle">
+            <a:fillToRect l="43000" r="43000" b="100000"/>
+          </a:path>
+        </a:gradFill>
+        <a:effectLst/>
+      </p:bgPr>
+    </p:bg>
+    <p:spTree>
+      <p:nvGrpSpPr>
+        <p:cNvPr id="1" name=""/>
+        <p:cNvGrpSpPr/>
+        <p:nvPr/>
+      </p:nvGrpSpPr>
+      <p:grpSpPr>
+        <a:xfrm>
+          <a:off x="0" y="0"/>
+          <a:ext cx="0" cy="0"/>
+          <a:chOff x="0" y="0"/>
+          <a:chExt cx="0" cy="0"/>
+        </a:xfrm>
+      </p:grpSpPr>
+      <p:sp useBgFill="1">
+        <p:nvSpPr>
+          <p:cNvPr id="1031" name="Rectangle 1030">
+            <a:extLst>
+              <a:ext uri="{FF2B5EF4-FFF2-40B4-BE49-F238E27FC236}">
+                <a16:creationId xmlns:a16="http://schemas.microsoft.com/office/drawing/2014/main" id="{C630F413-44CE-4746-9821-9E0107978E7A}"/>
+              </a:ext>
+              <a:ext uri="{C183D7F6-B498-43B3-948B-1728B52AA6E4}">
+                <adec:decorative xmlns:adec="http://schemas.microsoft.com/office/drawing/2017/decorative" val="1"/>
+              </a:ext>
+            </a:extLst>
+          </p:cNvPr>
+          <p:cNvSpPr>
+            <a:spLocks noGrp="1" noRot="1" noChangeAspect="1" noMove="1" noResize="1" noEditPoints="1" noAdjustHandles="1" noChangeArrowheads="1" noChangeShapeType="1" noTextEdit="1"/>
+          </p:cNvSpPr>
+          <p:nvPr>
+            <p:extLst>
+              <p:ext uri="{386F3935-93C4-4BCD-93E2-E3B085C9AB24}">
+                <p16:designElem xmlns:p16="http://schemas.microsoft.com/office/powerpoint/2015/main" val="1"/>
+              </p:ext>
+            </p:extLst>
+          </p:nvPr>
+        </p:nvSpPr>
+        <p:spPr>
+          <a:xfrm>
+            <a:off x="2" y="0"/>
+            <a:ext cx="12191695" cy="6858000"/>
+          </a:xfrm>
+          <a:prstGeom prst="rect">
+            <a:avLst/>
+          </a:prstGeom>
+          <a:ln>
+            <a:noFill/>
+          </a:ln>
+        </p:spPr>
+        <p:style>
+          <a:lnRef idx="2">
+            <a:schemeClr val="accent1">
+              <a:shade val="50000"/>
+            </a:schemeClr>
+          </a:lnRef>
+          <a:fillRef idx="1">
+            <a:schemeClr val="accent1"/>
+          </a:fillRef>
+          <a:effectRef idx="0">
+            <a:schemeClr val="accent1"/>
+          </a:effectRef>
+          <a:fontRef idx="minor">
+            <a:schemeClr val="lt1"/>
+          </a:fontRef>
+        </p:style>
+        <p:txBody>
+          <a:bodyPr rtlCol="0" anchor="ctr"/>
+          <a:lstStyle/>
+          <a:p>
+            <a:pPr algn="ctr"/>
+            <a:endParaRPr lang="en-US"/>
+          </a:p>
+        </p:txBody>
+      </p:sp>
+      <p:sp>
+        <p:nvSpPr>
+          <p:cNvPr id="1033" name="Rectangle 1032">
+            <a:extLst>
+              <a:ext uri="{FF2B5EF4-FFF2-40B4-BE49-F238E27FC236}">
+                <a16:creationId xmlns:a16="http://schemas.microsoft.com/office/drawing/2014/main" id="{22D671B1-B099-4F9C-B9CC-9D22B4DAF8A8}"/>
+              </a:ext>
+              <a:ext uri="{C183D7F6-B498-43B3-948B-1728B52AA6E4}">
+                <adec:decorative xmlns:adec="http://schemas.microsoft.com/office/drawing/2017/decorative" val="1"/>
+              </a:ext>
+            </a:extLst>
+          </p:cNvPr>
+          <p:cNvSpPr>
+            <a:spLocks noGrp="1" noRot="1" noChangeAspect="1" noMove="1" noResize="1" noEditPoints="1" noAdjustHandles="1" noChangeArrowheads="1" noChangeShapeType="1" noTextEdit="1"/>
+          </p:cNvSpPr>
+          <p:nvPr>
+            <p:extLst>
+              <p:ext uri="{386F3935-93C4-4BCD-93E2-E3B085C9AB24}">
+                <p16:designElem xmlns:p16="http://schemas.microsoft.com/office/powerpoint/2015/main" val="1"/>
+              </p:ext>
+            </p:extLst>
+          </p:nvPr>
+        </p:nvSpPr>
+        <p:spPr>
+          <a:xfrm>
+            <a:off x="0" y="2019476"/>
+            <a:ext cx="12192000" cy="4838524"/>
+          </a:xfrm>
+          <a:prstGeom prst="rect">
+            <a:avLst/>
+          </a:prstGeom>
+          <a:gradFill flip="none" rotWithShape="1">
+            <a:gsLst>
+              <a:gs pos="0">
+                <a:schemeClr val="bg2">
+                  <a:alpha val="0"/>
+                </a:schemeClr>
+              </a:gs>
+              <a:gs pos="100000">
+                <a:schemeClr val="bg2"/>
+              </a:gs>
+            </a:gsLst>
+            <a:lin ang="5400000" scaled="0"/>
+            <a:tileRect/>
+          </a:gradFill>
+          <a:ln>
+            <a:noFill/>
+          </a:ln>
+        </p:spPr>
+        <p:style>
+          <a:lnRef idx="2">
+            <a:schemeClr val="accent1">
+              <a:shade val="50000"/>
+            </a:schemeClr>
+          </a:lnRef>
+          <a:fillRef idx="1">
+            <a:schemeClr val="accent1"/>
+          </a:fillRef>
+          <a:effectRef idx="0">
+            <a:schemeClr val="accent1"/>
+          </a:effectRef>
+          <a:fontRef idx="minor">
+            <a:schemeClr val="lt1"/>
+          </a:fontRef>
+        </p:style>
+        <p:txBody>
+          <a:bodyPr rtlCol="0" anchor="ctr"/>
+          <a:lstStyle/>
+          <a:p>
+            <a:pPr lvl="0" algn="ctr"/>
+            <a:endParaRPr lang="en-US"/>
+          </a:p>
+        </p:txBody>
+      </p:sp>
+      <p:sp>
+        <p:nvSpPr>
+          <p:cNvPr id="2" name="Title 1">
+            <a:extLst>
+              <a:ext uri="{FF2B5EF4-FFF2-40B4-BE49-F238E27FC236}">
+                <a16:creationId xmlns:a16="http://schemas.microsoft.com/office/drawing/2014/main" id="{A9B36442-EC7B-C00C-6165-CF7C9E418BE6}"/>
+              </a:ext>
+            </a:extLst>
+          </p:cNvPr>
+          <p:cNvSpPr>
+            <a:spLocks noGrp="1"/>
+          </p:cNvSpPr>
+          <p:nvPr>
+            <p:ph type="title"/>
+          </p:nvPr>
+        </p:nvSpPr>
+        <p:spPr>
+          <a:xfrm>
+            <a:off x="7555992" y="707475"/>
+            <a:ext cx="3157577" cy="1312001"/>
+          </a:xfrm>
+        </p:spPr>
+        <p:txBody>
+          <a:bodyPr anchor="t">
+            <a:normAutofit/>
+          </a:bodyPr>
+          <a:lstStyle/>
+          <a:p>
+            <a:r>
+              <a:rPr lang="en-US" sz="2800"/>
+              <a:t>Recursion vs Iteration (loops)</a:t>
+            </a:r>
+          </a:p>
+        </p:txBody>
+      </p:sp>
+      <p:cxnSp>
+        <p:nvCxnSpPr>
+          <p:cNvPr id="1035" name="Straight Connector 1034">
+            <a:extLst>
+              <a:ext uri="{FF2B5EF4-FFF2-40B4-BE49-F238E27FC236}">
+                <a16:creationId xmlns:a16="http://schemas.microsoft.com/office/drawing/2014/main" id="{7552FBEF-FA69-427B-8245-0A518E0513D5}"/>
+              </a:ext>
+              <a:ext uri="{C183D7F6-B498-43B3-948B-1728B52AA6E4}">
+                <adec:decorative xmlns:adec="http://schemas.microsoft.com/office/drawing/2017/decorative" val="1"/>
+              </a:ext>
+            </a:extLst>
+          </p:cNvPr>
+          <p:cNvCxnSpPr>
+            <a:cxnSpLocks noGrp="1" noRot="1" noChangeAspect="1" noMove="1" noResize="1" noEditPoints="1" noAdjustHandles="1" noChangeArrowheads="1" noChangeShapeType="1"/>
+          </p:cNvCxnSpPr>
+          <p:nvPr>
+            <p:extLst>
+              <p:ext uri="{386F3935-93C4-4BCD-93E2-E3B085C9AB24}">
+                <p16:designElem xmlns:p16="http://schemas.microsoft.com/office/powerpoint/2015/main" val="1"/>
+              </p:ext>
+            </p:extLst>
+          </p:nvPr>
+        </p:nvCxnSpPr>
+        <p:spPr>
+          <a:xfrm>
+            <a:off x="7555992" y="2146542"/>
+            <a:ext cx="3157578" cy="0"/>
+          </a:xfrm>
+          <a:prstGeom prst="line">
+            <a:avLst/>
+          </a:prstGeom>
+          <a:ln w="31750"/>
+        </p:spPr>
+        <p:style>
+          <a:lnRef idx="3">
+            <a:schemeClr val="accent1"/>
+          </a:lnRef>
+          <a:fillRef idx="0">
+            <a:schemeClr val="accent1"/>
+          </a:fillRef>
+          <a:effectRef idx="2">
+            <a:schemeClr val="accent1"/>
+          </a:effectRef>
+          <a:fontRef idx="minor">
+            <a:schemeClr val="tx1"/>
+          </a:fontRef>
+        </p:style>
+      </p:cxnSp>
+      <p:sp>
+        <p:nvSpPr>
+          <p:cNvPr id="1037" name="Title 1">
+            <a:extLst>
+              <a:ext uri="{FF2B5EF4-FFF2-40B4-BE49-F238E27FC236}">
+                <a16:creationId xmlns:a16="http://schemas.microsoft.com/office/drawing/2014/main" id="{898488B7-DBD3-40E7-B54B-4DA6C5693EF3}"/>
+              </a:ext>
+              <a:ext uri="{C183D7F6-B498-43B3-948B-1728B52AA6E4}">
+                <adec:decorative xmlns:adec="http://schemas.microsoft.com/office/drawing/2017/decorative" val="1"/>
+              </a:ext>
+            </a:extLst>
+          </p:cNvPr>
+          <p:cNvSpPr txBox="1">
+            <a:spLocks noGrp="1" noRot="1" noChangeAspect="1" noMove="1" noResize="1" noEditPoints="1" noAdjustHandles="1" noChangeArrowheads="1" noChangeShapeType="1" noTextEdit="1"/>
+          </p:cNvSpPr>
+          <p:nvPr>
+            <p:extLst>
+              <p:ext uri="{386F3935-93C4-4BCD-93E2-E3B085C9AB24}">
+                <p16:designElem xmlns:p16="http://schemas.microsoft.com/office/powerpoint/2015/main" val="1"/>
+              </p:ext>
+            </p:extLst>
+          </p:nvPr>
+        </p:nvSpPr>
+        <p:spPr>
+          <a:xfrm>
+            <a:off x="1451580" y="3122496"/>
+            <a:ext cx="3530157" cy="1049235"/>
+          </a:xfrm>
+          <a:prstGeom prst="rect">
+            <a:avLst/>
+          </a:prstGeom>
+        </p:spPr>
+        <p:txBody>
+          <a:bodyPr vert="horz" lIns="91440" tIns="45720" rIns="91440" bIns="45720" rtlCol="0" anchor="t">
+            <a:normAutofit/>
+          </a:bodyPr>
+          <a:lstStyle>
+            <a:lvl1pPr algn="l" defTabSz="914400" rtl="0" eaLnBrk="1" latinLnBrk="0" hangingPunct="1">
+              <a:lnSpc>
+                <a:spcPct val="90000"/>
+              </a:lnSpc>
+              <a:spcBef>
+                <a:spcPct val="0"/>
+              </a:spcBef>
+              <a:buNone/>
+              <a:defRPr sz="3200" b="0" i="0" kern="1200" cap="all">
+                <a:solidFill>
+                  <a:schemeClr val="tx1"/>
+                </a:solidFill>
+                <a:effectLst/>
+                <a:latin typeface="+mj-lt"/>
+                <a:ea typeface="+mj-ea"/>
+                <a:cs typeface="+mj-cs"/>
+              </a:defRPr>
+            </a:lvl1pPr>
+          </a:lstStyle>
+          <a:p>
+            <a:endParaRPr lang="en-US" dirty="0"/>
+          </a:p>
+        </p:txBody>
+      </p:sp>
+      <p:pic>
+        <p:nvPicPr>
+          <p:cNvPr id="1026" name="Picture 2" descr="CitizenChoice">
+            <a:extLst>
+              <a:ext uri="{FF2B5EF4-FFF2-40B4-BE49-F238E27FC236}">
+                <a16:creationId xmlns:a16="http://schemas.microsoft.com/office/drawing/2014/main" id="{34E1AFD2-F361-50AC-094A-D5FDDBFDC545}"/>
+              </a:ext>
+            </a:extLst>
+          </p:cNvPr>
+          <p:cNvPicPr>
+            <a:picLocks noChangeAspect="1" noChangeArrowheads="1"/>
+          </p:cNvPicPr>
+          <p:nvPr/>
+        </p:nvPicPr>
+        <p:blipFill>
+          <a:blip r:embed="rId2">
+            <a:extLst>
+              <a:ext uri="{28A0092B-C50C-407E-A947-70E740481C1C}">
+                <a14:useLocalDpi xmlns:a14="http://schemas.microsoft.com/office/drawing/2010/main" val="0"/>
+              </a:ext>
+            </a:extLst>
+          </a:blip>
+          <a:stretch>
+            <a:fillRect/>
+          </a:stretch>
+        </p:blipFill>
+        <p:spPr bwMode="auto">
+          <a:xfrm>
+            <a:off x="158766" y="22191"/>
+            <a:ext cx="6545277" cy="6835799"/>
+          </a:xfrm>
+          <a:prstGeom prst="rect">
+            <a:avLst/>
+          </a:prstGeom>
+          <a:noFill/>
+          <a:extLst>
+            <a:ext uri="{909E8E84-426E-40DD-AFC4-6F175D3DCCD1}">
+              <a14:hiddenFill xmlns:a14="http://schemas.microsoft.com/office/drawing/2010/main">
+                <a:solidFill>
+                  <a:srgbClr val="FFFFFF"/>
+                </a:solidFill>
+              </a14:hiddenFill>
+            </a:ext>
+          </a:extLst>
+        </p:spPr>
+      </p:pic>
+      <p:sp>
+        <p:nvSpPr>
+          <p:cNvPr id="3" name="Content Placeholder 2">
+            <a:extLst>
+              <a:ext uri="{FF2B5EF4-FFF2-40B4-BE49-F238E27FC236}">
+                <a16:creationId xmlns:a16="http://schemas.microsoft.com/office/drawing/2014/main" id="{8DF0B7A5-7FF4-E0A3-FC09-2C2E842F1645}"/>
+              </a:ext>
+            </a:extLst>
+          </p:cNvPr>
+          <p:cNvSpPr>
+            <a:spLocks noGrp="1"/>
+          </p:cNvSpPr>
+          <p:nvPr>
+            <p:ph idx="1"/>
+          </p:nvPr>
+        </p:nvSpPr>
+        <p:spPr>
+          <a:xfrm>
+            <a:off x="6704043" y="2218867"/>
+            <a:ext cx="5487653" cy="4511581"/>
+          </a:xfrm>
+        </p:spPr>
+        <p:txBody>
+          <a:bodyPr>
+            <a:normAutofit/>
+          </a:bodyPr>
+          <a:lstStyle/>
+          <a:p>
+            <a:r>
+              <a:rPr lang="en-US" dirty="0"/>
+              <a:t>Recursion is another tool to accomplish the same tasks as recursion. </a:t>
+            </a:r>
+          </a:p>
+          <a:p>
+            <a:r>
+              <a:rPr lang="en-US" dirty="0"/>
+              <a:t>We don’t really need to do recursion, sometimes it just makes more sense. </a:t>
+            </a:r>
+          </a:p>
+          <a:p>
+            <a:pPr lvl="1"/>
+            <a:r>
+              <a:rPr lang="en-US" dirty="0"/>
+              <a:t>Loop/recursion are interchangeable. </a:t>
+            </a:r>
+          </a:p>
+          <a:p>
+            <a:r>
+              <a:rPr lang="en-US" dirty="0"/>
+              <a:t>Each has positives and negatives. </a:t>
+            </a:r>
+          </a:p>
+          <a:p>
+            <a:pPr lvl="1"/>
+            <a:r>
+              <a:rPr lang="en-US" dirty="0"/>
+              <a:t>Recursion is usually slower and more resource intensive. </a:t>
+            </a:r>
+          </a:p>
+          <a:p>
+            <a:pPr lvl="1"/>
+            <a:r>
+              <a:rPr lang="en-US" dirty="0"/>
+              <a:t>Recursion can make the structure of the code easier for some problems making it easier to understand. </a:t>
+            </a:r>
+          </a:p>
+        </p:txBody>
+      </p:sp>
+    </p:spTree>
+    <p:extLst>
+      <p:ext uri="{BB962C8B-B14F-4D97-AF65-F5344CB8AC3E}">
+        <p14:creationId xmlns:p14="http://schemas.microsoft.com/office/powerpoint/2010/main" val="3553373463"/>
+      </p:ext>
+    </p:extLst>
+  </p:cSld>
+  <p:clrMapOvr>
+    <a:masterClrMapping/>
+  </p:clrMapOvr>
+</p:sld>
+</file>
+
+<file path=ppt/slides/slide14.xml><?xml version="1.0" encoding="utf-8"?>
+<p:sld xmlns:a="http://schemas.openxmlformats.org/drawingml/2006/main" xmlns:r="http://schemas.openxmlformats.org/officeDocument/2006/relationships" xmlns:p="http://schemas.openxmlformats.org/presentationml/2006/main">
+  <p:cSld>
+    <p:spTree>
+      <p:nvGrpSpPr>
+        <p:cNvPr id="1" name=""/>
+        <p:cNvGrpSpPr/>
+        <p:nvPr/>
+      </p:nvGrpSpPr>
+      <p:grpSpPr>
+        <a:xfrm>
+          <a:off x="0" y="0"/>
+          <a:ext cx="0" cy="0"/>
+          <a:chOff x="0" y="0"/>
+          <a:chExt cx="0" cy="0"/>
+        </a:xfrm>
+      </p:grpSpPr>
+      <p:sp>
+        <p:nvSpPr>
+          <p:cNvPr id="2" name="Title 1">
+            <a:extLst>
+              <a:ext uri="{FF2B5EF4-FFF2-40B4-BE49-F238E27FC236}">
+                <a16:creationId xmlns:a16="http://schemas.microsoft.com/office/drawing/2014/main" id="{32EFF3EC-EB92-AC53-3740-F09FA9610904}"/>
+              </a:ext>
+            </a:extLst>
+          </p:cNvPr>
+          <p:cNvSpPr>
+            <a:spLocks noGrp="1"/>
+          </p:cNvSpPr>
+          <p:nvPr>
+            <p:ph type="title"/>
+          </p:nvPr>
+        </p:nvSpPr>
+        <p:spPr/>
+        <p:txBody>
+          <a:bodyPr/>
+          <a:lstStyle/>
+          <a:p>
+            <a:endParaRPr lang="en-US"/>
+          </a:p>
+        </p:txBody>
+      </p:sp>
+      <p:sp>
+        <p:nvSpPr>
+          <p:cNvPr id="3" name="Content Placeholder 2">
+            <a:extLst>
+              <a:ext uri="{FF2B5EF4-FFF2-40B4-BE49-F238E27FC236}">
+                <a16:creationId xmlns:a16="http://schemas.microsoft.com/office/drawing/2014/main" id="{4F7766F7-200C-E173-2C27-8B8DC5D14233}"/>
+              </a:ext>
+            </a:extLst>
+          </p:cNvPr>
+          <p:cNvSpPr>
+            <a:spLocks noGrp="1"/>
+          </p:cNvSpPr>
+          <p:nvPr>
+            <p:ph idx="1"/>
+          </p:nvPr>
+        </p:nvSpPr>
+        <p:spPr/>
+        <p:txBody>
+          <a:bodyPr/>
+          <a:lstStyle/>
+          <a:p>
+            <a:endParaRPr lang="en-US"/>
+          </a:p>
+        </p:txBody>
+      </p:sp>
+      <p:pic>
+        <p:nvPicPr>
+          <p:cNvPr id="5122" name="Picture 2" descr="How Recursion Works — explained with flowcharts and a video | by Beau  Carnes | We've moved to freeCodeCamp.org/news | Medium">
+            <a:extLst>
+              <a:ext uri="{FF2B5EF4-FFF2-40B4-BE49-F238E27FC236}">
+                <a16:creationId xmlns:a16="http://schemas.microsoft.com/office/drawing/2014/main" id="{0029AD88-4417-A6DC-7A61-54356A28B2C4}"/>
+              </a:ext>
+            </a:extLst>
+          </p:cNvPr>
+          <p:cNvPicPr>
+            <a:picLocks noChangeAspect="1" noChangeArrowheads="1"/>
+          </p:cNvPicPr>
+          <p:nvPr/>
+        </p:nvPicPr>
+        <p:blipFill>
+          <a:blip r:embed="rId2">
+            <a:extLst>
+              <a:ext uri="{28A0092B-C50C-407E-A947-70E740481C1C}">
+                <a14:useLocalDpi xmlns:a14="http://schemas.microsoft.com/office/drawing/2010/main" val="0"/>
+              </a:ext>
+            </a:extLst>
+          </a:blip>
+          <a:srcRect/>
+          <a:stretch>
+            <a:fillRect/>
+          </a:stretch>
+        </p:blipFill>
+        <p:spPr bwMode="auto">
+          <a:xfrm>
+            <a:off x="525463" y="0"/>
+            <a:ext cx="11139487" cy="6858000"/>
+          </a:xfrm>
+          <a:prstGeom prst="rect">
+            <a:avLst/>
+          </a:prstGeom>
+          <a:noFill/>
+          <a:extLst>
+            <a:ext uri="{909E8E84-426E-40DD-AFC4-6F175D3DCCD1}">
+              <a14:hiddenFill xmlns:a14="http://schemas.microsoft.com/office/drawing/2010/main">
+                <a:solidFill>
+                  <a:srgbClr val="FFFFFF"/>
+                </a:solidFill>
+              </a14:hiddenFill>
+            </a:ext>
+          </a:extLst>
+        </p:spPr>
+      </p:pic>
+    </p:spTree>
+    <p:extLst>
+      <p:ext uri="{BB962C8B-B14F-4D97-AF65-F5344CB8AC3E}">
+        <p14:creationId xmlns:p14="http://schemas.microsoft.com/office/powerpoint/2010/main" val="1575580933"/>
+      </p:ext>
+    </p:extLst>
+  </p:cSld>
+  <p:clrMapOvr>
+    <a:masterClrMapping/>
+  </p:clrMapOvr>
+</p:sld>
+</file>
+
+<file path=ppt/slides/slide15.xml><?xml version="1.0" encoding="utf-8"?>
+<p:sld xmlns:a="http://schemas.openxmlformats.org/drawingml/2006/main" xmlns:r="http://schemas.openxmlformats.org/officeDocument/2006/relationships" xmlns:p="http://schemas.openxmlformats.org/presentationml/2006/main">
+  <p:cSld>
+    <p:spTree>
+      <p:nvGrpSpPr>
+        <p:cNvPr id="1" name=""/>
+        <p:cNvGrpSpPr/>
+        <p:nvPr/>
+      </p:nvGrpSpPr>
+      <p:grpSpPr>
+        <a:xfrm>
+          <a:off x="0" y="0"/>
+          <a:ext cx="0" cy="0"/>
+          <a:chOff x="0" y="0"/>
+          <a:chExt cx="0" cy="0"/>
+        </a:xfrm>
+      </p:grpSpPr>
+      <p:sp>
+        <p:nvSpPr>
+          <p:cNvPr id="2" name="Title 1">
+            <a:extLst>
+              <a:ext uri="{FF2B5EF4-FFF2-40B4-BE49-F238E27FC236}">
+                <a16:creationId xmlns:a16="http://schemas.microsoft.com/office/drawing/2014/main" id="{12584320-6A52-6B03-4277-57657D4C05B6}"/>
+              </a:ext>
+            </a:extLst>
+          </p:cNvPr>
+          <p:cNvSpPr>
+            <a:spLocks noGrp="1"/>
+          </p:cNvSpPr>
+          <p:nvPr>
+            <p:ph type="title"/>
+          </p:nvPr>
+        </p:nvSpPr>
+        <p:spPr/>
+        <p:txBody>
+          <a:bodyPr/>
+          <a:lstStyle/>
+          <a:p>
+            <a:r>
+              <a:rPr lang="en-US" dirty="0"/>
+              <a:t>Real Recursion</a:t>
+            </a:r>
+          </a:p>
+        </p:txBody>
+      </p:sp>
+      <p:sp>
+        <p:nvSpPr>
+          <p:cNvPr id="3" name="Content Placeholder 2">
+            <a:extLst>
+              <a:ext uri="{FF2B5EF4-FFF2-40B4-BE49-F238E27FC236}">
+                <a16:creationId xmlns:a16="http://schemas.microsoft.com/office/drawing/2014/main" id="{FF9C6108-7E80-3C6C-E28B-24DED9FE942C}"/>
+              </a:ext>
+            </a:extLst>
+          </p:cNvPr>
+          <p:cNvSpPr>
+            <a:spLocks noGrp="1"/>
+          </p:cNvSpPr>
+          <p:nvPr>
+            <p:ph idx="1"/>
+          </p:nvPr>
+        </p:nvSpPr>
+        <p:spPr>
+          <a:xfrm>
+            <a:off x="1451579" y="1853754"/>
+            <a:ext cx="9603275" cy="4199727"/>
+          </a:xfrm>
+        </p:spPr>
+        <p:txBody>
+          <a:bodyPr>
+            <a:normAutofit fontScale="92500" lnSpcReduction="10000"/>
+          </a:bodyPr>
+          <a:lstStyle/>
+          <a:p>
+            <a:r>
+              <a:rPr lang="en-US" dirty="0"/>
+              <a:t>In real life, recursion occurs regularly. </a:t>
+            </a:r>
+          </a:p>
+          <a:p>
+            <a:r>
+              <a:rPr lang="en-US" dirty="0"/>
+              <a:t>Trees (and linked-lists and graphs):</a:t>
+            </a:r>
+          </a:p>
+          <a:p>
+            <a:pPr lvl="1"/>
+            <a:r>
+              <a:rPr lang="en-US" dirty="0"/>
+              <a:t>We’ll look at trees in machine learning. </a:t>
+            </a:r>
+          </a:p>
+          <a:p>
+            <a:pPr lvl="1"/>
+            <a:r>
+              <a:rPr lang="en-US" dirty="0"/>
+              <a:t>Data structures built on the idea of going back and forth to the ”next” item. </a:t>
+            </a:r>
+          </a:p>
+          <a:p>
+            <a:pPr lvl="1"/>
+            <a:r>
+              <a:rPr lang="en-US" dirty="0"/>
+              <a:t>Real world things like COVID connection following in places like Korea. </a:t>
+            </a:r>
+          </a:p>
+          <a:p>
+            <a:r>
+              <a:rPr lang="en-US" dirty="0"/>
+              <a:t>File system traversal – similar to tree navigation of up/down folder levels. </a:t>
+            </a:r>
+          </a:p>
+          <a:p>
+            <a:r>
+              <a:rPr lang="en-US" dirty="0"/>
+              <a:t>Objects like JSON – used to pass data around on the internet. </a:t>
+            </a:r>
+          </a:p>
+          <a:p>
+            <a:r>
+              <a:rPr lang="en-US" dirty="0"/>
+              <a:t>Some sorting or searching algorithms. (</a:t>
+            </a:r>
+            <a:r>
+              <a:rPr lang="en-US" dirty="0" err="1"/>
+              <a:t>Qicksort</a:t>
+            </a:r>
+            <a:r>
+              <a:rPr lang="en-US" dirty="0"/>
+              <a:t> – N*log(n) )</a:t>
+            </a:r>
+          </a:p>
+          <a:p>
+            <a:r>
+              <a:rPr lang="en-US" dirty="0"/>
+              <a:t>Weird languages like Haskell it is the only way to loop. </a:t>
+            </a:r>
+          </a:p>
+          <a:p>
+            <a:r>
+              <a:rPr lang="en-US" dirty="0"/>
+              <a:t>“Should recursion be used” is a debate, recursion can be resource intensive. </a:t>
+            </a:r>
+          </a:p>
+        </p:txBody>
+      </p:sp>
+      <p:pic>
+        <p:nvPicPr>
+          <p:cNvPr id="5122" name="Picture 2" descr="A labeled binary tree of size 9 and height 3, with a root node whose value is 1. The above tree is unbalanced and not sorted.">
+            <a:extLst>
+              <a:ext uri="{FF2B5EF4-FFF2-40B4-BE49-F238E27FC236}">
+                <a16:creationId xmlns:a16="http://schemas.microsoft.com/office/drawing/2014/main" id="{12440C29-CAE4-7B41-78EE-71B060844AAF}"/>
+              </a:ext>
+            </a:extLst>
+          </p:cNvPr>
+          <p:cNvPicPr>
+            <a:picLocks noChangeAspect="1" noChangeArrowheads="1"/>
+          </p:cNvPicPr>
+          <p:nvPr/>
+        </p:nvPicPr>
+        <p:blipFill>
+          <a:blip r:embed="rId2">
+            <a:extLst>
+              <a:ext uri="{28A0092B-C50C-407E-A947-70E740481C1C}">
+                <a14:useLocalDpi xmlns:a14="http://schemas.microsoft.com/office/drawing/2010/main" val="0"/>
+              </a:ext>
+            </a:extLst>
+          </a:blip>
+          <a:srcRect/>
+          <a:stretch>
+            <a:fillRect/>
+          </a:stretch>
+        </p:blipFill>
+        <p:spPr bwMode="auto">
+          <a:xfrm>
+            <a:off x="9285748" y="367854"/>
+            <a:ext cx="2794000" cy="2971800"/>
+          </a:xfrm>
+          <a:prstGeom prst="rect">
+            <a:avLst/>
+          </a:prstGeom>
+          <a:noFill/>
+          <a:extLst>
+            <a:ext uri="{909E8E84-426E-40DD-AFC4-6F175D3DCCD1}">
+              <a14:hiddenFill xmlns:a14="http://schemas.microsoft.com/office/drawing/2010/main">
+                <a:solidFill>
+                  <a:srgbClr val="FFFFFF"/>
+                </a:solidFill>
+              </a14:hiddenFill>
+            </a:ext>
+          </a:extLst>
+        </p:spPr>
+      </p:pic>
+    </p:spTree>
+    <p:extLst>
+      <p:ext uri="{BB962C8B-B14F-4D97-AF65-F5344CB8AC3E}">
+        <p14:creationId xmlns:p14="http://schemas.microsoft.com/office/powerpoint/2010/main" val="361045762"/>
+      </p:ext>
+    </p:extLst>
+  </p:cSld>
+  <p:clrMapOvr>
+    <a:masterClrMapping/>
+  </p:clrMapOvr>
+</p:sld>
+</file>
+
+<file path=ppt/slides/slide16.xml><?xml version="1.0" encoding="utf-8"?>
+<p:sld xmlns:a="http://schemas.openxmlformats.org/drawingml/2006/main" xmlns:r="http://schemas.openxmlformats.org/officeDocument/2006/relationships" xmlns:p="http://schemas.openxmlformats.org/presentationml/2006/main">
+  <p:cSld>
+    <p:spTree>
+      <p:nvGrpSpPr>
+        <p:cNvPr id="1" name=""/>
+        <p:cNvGrpSpPr/>
+        <p:nvPr/>
+      </p:nvGrpSpPr>
+      <p:grpSpPr>
+        <a:xfrm>
+          <a:off x="0" y="0"/>
+          <a:ext cx="0" cy="0"/>
+          <a:chOff x="0" y="0"/>
+          <a:chExt cx="0" cy="0"/>
+        </a:xfrm>
+      </p:grpSpPr>
+      <p:sp>
+        <p:nvSpPr>
+          <p:cNvPr id="2" name="Title 1">
+            <a:extLst>
+              <a:ext uri="{FF2B5EF4-FFF2-40B4-BE49-F238E27FC236}">
+                <a16:creationId xmlns:a16="http://schemas.microsoft.com/office/drawing/2014/main" id="{CDEAB8E7-F0FC-1CA7-01BF-C04FC87FBD17}"/>
+              </a:ext>
+            </a:extLst>
+          </p:cNvPr>
+          <p:cNvSpPr>
+            <a:spLocks noGrp="1"/>
+          </p:cNvSpPr>
+          <p:nvPr>
+            <p:ph type="title"/>
+          </p:nvPr>
+        </p:nvSpPr>
+        <p:spPr/>
+        <p:txBody>
+          <a:bodyPr/>
+          <a:lstStyle/>
+          <a:p>
+            <a:r>
+              <a:rPr lang="en-US" dirty="0"/>
+              <a:t>So… Do I use it?</a:t>
+            </a:r>
+          </a:p>
+        </p:txBody>
+      </p:sp>
+      <p:sp>
+        <p:nvSpPr>
+          <p:cNvPr id="3" name="Content Placeholder 2">
+            <a:extLst>
+              <a:ext uri="{FF2B5EF4-FFF2-40B4-BE49-F238E27FC236}">
+                <a16:creationId xmlns:a16="http://schemas.microsoft.com/office/drawing/2014/main" id="{4BE7304F-DA2A-C242-B482-C4B6059927D7}"/>
+              </a:ext>
+            </a:extLst>
+          </p:cNvPr>
+          <p:cNvSpPr>
+            <a:spLocks noGrp="1"/>
+          </p:cNvSpPr>
+          <p:nvPr>
+            <p:ph idx="1"/>
+          </p:nvPr>
+        </p:nvSpPr>
+        <p:spPr>
+          <a:xfrm>
+            <a:off x="1451579" y="1853754"/>
+            <a:ext cx="10037515" cy="4199727"/>
+          </a:xfrm>
+        </p:spPr>
+        <p:txBody>
+          <a:bodyPr/>
+          <a:lstStyle/>
+          <a:p>
+            <a:r>
+              <a:rPr lang="en-US" dirty="0"/>
+              <a:t>In general, if recursion makes more sense to you in a given scenario, use it. </a:t>
+            </a:r>
+          </a:p>
+          <a:p>
+            <a:pPr lvl="1"/>
+            <a:r>
+              <a:rPr lang="en-US" dirty="0"/>
+              <a:t>The choice is more driven by making sensible/clear code than objective performance in most cases. </a:t>
+            </a:r>
+          </a:p>
+          <a:p>
+            <a:pPr lvl="1"/>
+            <a:r>
+              <a:rPr lang="en-US" dirty="0"/>
+              <a:t>If you are dealing with massive numbers of rounds of recursion or very complex calculations, recursion’s resource requirements might pose an issue. </a:t>
+            </a:r>
+          </a:p>
+          <a:p>
+            <a:r>
+              <a:rPr lang="en-US" dirty="0"/>
+              <a:t>Things that are hierarchical or linked based lend themselves to recursion. </a:t>
+            </a:r>
+          </a:p>
+          <a:p>
+            <a:pPr lvl="1"/>
+            <a:r>
+              <a:rPr lang="en-US" dirty="0"/>
+              <a:t>In DS navigating files or trees as well as association and graph based analysis. </a:t>
+            </a:r>
+          </a:p>
+          <a:p>
+            <a:r>
+              <a:rPr lang="en-US" dirty="0"/>
+              <a:t>(Almost) always default to the choice that is easiest to read and program. </a:t>
+            </a:r>
+          </a:p>
+          <a:p>
+            <a:r>
+              <a:rPr lang="en-US" dirty="0"/>
+              <a:t>If a problem breaks down into smaller versions of itself, consider recursion. </a:t>
+            </a:r>
+          </a:p>
+        </p:txBody>
+      </p:sp>
+    </p:spTree>
+    <p:extLst>
+      <p:ext uri="{BB962C8B-B14F-4D97-AF65-F5344CB8AC3E}">
+        <p14:creationId xmlns:p14="http://schemas.microsoft.com/office/powerpoint/2010/main" val="4160318959"/>
+      </p:ext>
+    </p:extLst>
+  </p:cSld>
+  <p:clrMapOvr>
+    <a:masterClrMapping/>
+  </p:clrMapOvr>
+</p:sld>
+</file>
+
+<file path=ppt/slides/slide2.xml><?xml version="1.0" encoding="utf-8"?>
+<p:sld xmlns:a="http://schemas.openxmlformats.org/drawingml/2006/main" xmlns:r="http://schemas.openxmlformats.org/officeDocument/2006/relationships" xmlns:p="http://schemas.openxmlformats.org/presentationml/2006/main">
+  <p:cSld>
+    <p:spTree>
+      <p:nvGrpSpPr>
+        <p:cNvPr id="1" name=""/>
+        <p:cNvGrpSpPr/>
+        <p:nvPr/>
+      </p:nvGrpSpPr>
+      <p:grpSpPr>
+        <a:xfrm>
+          <a:off x="0" y="0"/>
+          <a:ext cx="0" cy="0"/>
+          <a:chOff x="0" y="0"/>
+          <a:chExt cx="0" cy="0"/>
+        </a:xfrm>
+      </p:grpSpPr>
+      <p:sp>
+        <p:nvSpPr>
+          <p:cNvPr id="2" name="Title 1">
+            <a:extLst>
+              <a:ext uri="{FF2B5EF4-FFF2-40B4-BE49-F238E27FC236}">
+                <a16:creationId xmlns:a16="http://schemas.microsoft.com/office/drawing/2014/main" id="{6BE0ECFB-1CC1-3CA6-EE05-F84F868404A9}"/>
+              </a:ext>
+            </a:extLst>
+          </p:cNvPr>
+          <p:cNvSpPr>
+            <a:spLocks noGrp="1"/>
+          </p:cNvSpPr>
+          <p:nvPr>
+            <p:ph type="ctrTitle"/>
+          </p:nvPr>
+        </p:nvSpPr>
+        <p:spPr/>
+        <p:txBody>
+          <a:bodyPr/>
+          <a:lstStyle/>
+          <a:p>
+            <a:r>
+              <a:rPr lang="en-US" dirty="0"/>
+              <a:t>Recursion</a:t>
+            </a:r>
+          </a:p>
+        </p:txBody>
+      </p:sp>
+      <p:sp>
+        <p:nvSpPr>
+          <p:cNvPr id="3" name="Subtitle 2">
+            <a:extLst>
+              <a:ext uri="{FF2B5EF4-FFF2-40B4-BE49-F238E27FC236}">
+                <a16:creationId xmlns:a16="http://schemas.microsoft.com/office/drawing/2014/main" id="{EEE395D9-054F-DBCF-0889-41A8833F98E0}"/>
+              </a:ext>
+            </a:extLst>
+          </p:cNvPr>
+          <p:cNvSpPr>
+            <a:spLocks noGrp="1"/>
+          </p:cNvSpPr>
+          <p:nvPr>
+            <p:ph type="subTitle" idx="1"/>
+          </p:nvPr>
+        </p:nvSpPr>
+        <p:spPr/>
+        <p:txBody>
+          <a:bodyPr/>
+          <a:lstStyle/>
+          <a:p>
+            <a:endParaRPr lang="en-US"/>
+          </a:p>
+        </p:txBody>
+      </p:sp>
+    </p:spTree>
+    <p:extLst>
+      <p:ext uri="{BB962C8B-B14F-4D97-AF65-F5344CB8AC3E}">
+        <p14:creationId xmlns:p14="http://schemas.microsoft.com/office/powerpoint/2010/main" val="1202995889"/>
+      </p:ext>
+    </p:extLst>
+  </p:cSld>
+  <p:clrMapOvr>
+    <a:masterClrMapping/>
+  </p:clrMapOvr>
+</p:sld>
+</file>
+
+<file path=ppt/slides/slide3.xml><?xml version="1.0" encoding="utf-8"?>
+<p:sld xmlns:a="http://schemas.openxmlformats.org/drawingml/2006/main" xmlns:r="http://schemas.openxmlformats.org/officeDocument/2006/relationships" xmlns:p="http://schemas.openxmlformats.org/presentationml/2006/main">
+  <p:cSld>
+    <p:spTree>
+      <p:nvGrpSpPr>
+        <p:cNvPr id="1" name=""/>
+        <p:cNvGrpSpPr/>
+        <p:nvPr/>
+      </p:nvGrpSpPr>
+      <p:grpSpPr>
+        <a:xfrm>
+          <a:off x="0" y="0"/>
+          <a:ext cx="0" cy="0"/>
+          <a:chOff x="0" y="0"/>
+          <a:chExt cx="0" cy="0"/>
+        </a:xfrm>
+      </p:grpSpPr>
+      <p:sp>
+        <p:nvSpPr>
+          <p:cNvPr id="2" name="Title 1">
+            <a:extLst>
+              <a:ext uri="{FF2B5EF4-FFF2-40B4-BE49-F238E27FC236}">
+                <a16:creationId xmlns:a16="http://schemas.microsoft.com/office/drawing/2014/main" id="{B962C6EF-75CA-4621-5150-4FD7298DAC79}"/>
+              </a:ext>
+            </a:extLst>
+          </p:cNvPr>
+          <p:cNvSpPr>
+            <a:spLocks noGrp="1"/>
+          </p:cNvSpPr>
+          <p:nvPr>
+            <p:ph type="title"/>
+          </p:nvPr>
+        </p:nvSpPr>
+        <p:spPr/>
+        <p:txBody>
+          <a:bodyPr/>
+          <a:lstStyle/>
+          <a:p>
+            <a:endParaRPr lang="en-US"/>
+          </a:p>
+        </p:txBody>
+      </p:sp>
+      <p:sp>
+        <p:nvSpPr>
+          <p:cNvPr id="3" name="Content Placeholder 2">
+            <a:extLst>
+              <a:ext uri="{FF2B5EF4-FFF2-40B4-BE49-F238E27FC236}">
+                <a16:creationId xmlns:a16="http://schemas.microsoft.com/office/drawing/2014/main" id="{4DFABC17-BB59-7696-25B6-668312D92DF8}"/>
+              </a:ext>
+            </a:extLst>
+          </p:cNvPr>
+          <p:cNvSpPr>
+            <a:spLocks noGrp="1"/>
+          </p:cNvSpPr>
+          <p:nvPr>
+            <p:ph idx="1"/>
+          </p:nvPr>
+        </p:nvSpPr>
+        <p:spPr/>
+        <p:txBody>
+          <a:bodyPr/>
+          <a:lstStyle/>
+          <a:p>
+            <a:endParaRPr lang="en-US"/>
+          </a:p>
+        </p:txBody>
+      </p:sp>
+      <p:pic>
+        <p:nvPicPr>
+          <p:cNvPr id="3074" name="Picture 2" descr="Is Recursion Worth it? - DEV Community">
+            <a:extLst>
+              <a:ext uri="{FF2B5EF4-FFF2-40B4-BE49-F238E27FC236}">
+                <a16:creationId xmlns:a16="http://schemas.microsoft.com/office/drawing/2014/main" id="{0EA4BB63-C34A-3E82-38BA-89DC8889CBC7}"/>
+              </a:ext>
+            </a:extLst>
+          </p:cNvPr>
+          <p:cNvPicPr>
+            <a:picLocks noChangeAspect="1" noChangeArrowheads="1"/>
+          </p:cNvPicPr>
+          <p:nvPr/>
+        </p:nvPicPr>
+        <p:blipFill>
+          <a:blip r:embed="rId2">
+            <a:extLst>
+              <a:ext uri="{28A0092B-C50C-407E-A947-70E740481C1C}">
+                <a14:useLocalDpi xmlns:a14="http://schemas.microsoft.com/office/drawing/2010/main" val="0"/>
+              </a:ext>
+            </a:extLst>
+          </a:blip>
+          <a:srcRect/>
+          <a:stretch>
+            <a:fillRect/>
+          </a:stretch>
+        </p:blipFill>
+        <p:spPr bwMode="auto">
+          <a:xfrm>
+            <a:off x="0" y="0"/>
+            <a:ext cx="12192000" cy="6858000"/>
+          </a:xfrm>
+          <a:prstGeom prst="rect">
+            <a:avLst/>
+          </a:prstGeom>
+          <a:noFill/>
+          <a:extLst>
+            <a:ext uri="{909E8E84-426E-40DD-AFC4-6F175D3DCCD1}">
+              <a14:hiddenFill xmlns:a14="http://schemas.microsoft.com/office/drawing/2010/main">
+                <a:solidFill>
+                  <a:srgbClr val="FFFFFF"/>
+                </a:solidFill>
+              </a14:hiddenFill>
+            </a:ext>
+          </a:extLst>
+        </p:spPr>
+      </p:pic>
+    </p:spTree>
+    <p:extLst>
+      <p:ext uri="{BB962C8B-B14F-4D97-AF65-F5344CB8AC3E}">
+        <p14:creationId xmlns:p14="http://schemas.microsoft.com/office/powerpoint/2010/main" val="383919711"/>
+      </p:ext>
+    </p:extLst>
+  </p:cSld>
+  <p:clrMapOvr>
+    <a:masterClrMapping/>
+  </p:clrMapOvr>
+</p:sld>
+</file>
+
+<file path=ppt/slides/slide4.xml><?xml version="1.0" encoding="utf-8"?>
+<p:sld xmlns:a="http://schemas.openxmlformats.org/drawingml/2006/main" xmlns:r="http://schemas.openxmlformats.org/officeDocument/2006/relationships" xmlns:p="http://schemas.openxmlformats.org/presentationml/2006/main">
+  <p:cSld>
+    <p:bg>
+      <p:bgPr>
+        <a:gradFill rotWithShape="1">
+          <a:gsLst>
+            <a:gs pos="0">
+              <a:schemeClr val="bg2">
+                <a:tint val="94000"/>
+                <a:satMod val="80000"/>
+                <a:lumMod val="106000"/>
+              </a:schemeClr>
+            </a:gs>
+            <a:gs pos="100000">
+              <a:schemeClr val="bg2">
+                <a:shade val="80000"/>
+              </a:schemeClr>
+            </a:gs>
+          </a:gsLst>
+          <a:path path="circle">
+            <a:fillToRect l="43000" r="43000" b="100000"/>
+          </a:path>
+        </a:gradFill>
+        <a:effectLst/>
+      </p:bgPr>
+    </p:bg>
+    <p:spTree>
+      <p:nvGrpSpPr>
+        <p:cNvPr id="1" name=""/>
+        <p:cNvGrpSpPr/>
+        <p:nvPr/>
+      </p:nvGrpSpPr>
+      <p:grpSpPr>
+        <a:xfrm>
+          <a:off x="0" y="0"/>
+          <a:ext cx="0" cy="0"/>
+          <a:chOff x="0" y="0"/>
+          <a:chExt cx="0" cy="0"/>
+        </a:xfrm>
+      </p:grpSpPr>
+      <p:sp>
+        <p:nvSpPr>
+          <p:cNvPr id="2" name="Title 1">
+            <a:extLst>
+              <a:ext uri="{FF2B5EF4-FFF2-40B4-BE49-F238E27FC236}">
+                <a16:creationId xmlns:a16="http://schemas.microsoft.com/office/drawing/2014/main" id="{F232EABE-AA5C-38AF-C31A-F15D4126B1DB}"/>
+              </a:ext>
+            </a:extLst>
+          </p:cNvPr>
+          <p:cNvSpPr>
+            <a:spLocks noGrp="1"/>
+          </p:cNvSpPr>
+          <p:nvPr>
+            <p:ph type="title"/>
+          </p:nvPr>
+        </p:nvSpPr>
+        <p:spPr>
+          <a:xfrm>
+            <a:off x="1451579" y="804519"/>
+            <a:ext cx="9603275" cy="1049235"/>
+          </a:xfrm>
+        </p:spPr>
+        <p:txBody>
+          <a:bodyPr>
+            <a:normAutofit/>
+          </a:bodyPr>
+          <a:lstStyle/>
+          <a:p>
+            <a:r>
+              <a:rPr lang="en-US" dirty="0"/>
+              <a:t>Recursion</a:t>
+            </a:r>
+          </a:p>
+        </p:txBody>
+      </p:sp>
+      <p:pic>
+        <p:nvPicPr>
+          <p:cNvPr id="4098" name="Picture 2" descr="Recursive Functions - GeeksforGeeks">
+            <a:extLst>
+              <a:ext uri="{FF2B5EF4-FFF2-40B4-BE49-F238E27FC236}">
+                <a16:creationId xmlns:a16="http://schemas.microsoft.com/office/drawing/2014/main" id="{467FA2B5-FD92-9991-6D06-954F062B6064}"/>
+              </a:ext>
+            </a:extLst>
+          </p:cNvPr>
+          <p:cNvPicPr>
+            <a:picLocks noChangeAspect="1" noChangeArrowheads="1"/>
+          </p:cNvPicPr>
+          <p:nvPr/>
+        </p:nvPicPr>
+        <p:blipFill>
+          <a:blip r:embed="rId2">
+            <a:extLst>
+              <a:ext uri="{28A0092B-C50C-407E-A947-70E740481C1C}">
+                <a14:useLocalDpi xmlns:a14="http://schemas.microsoft.com/office/drawing/2010/main" val="0"/>
+              </a:ext>
+            </a:extLst>
+          </a:blip>
+          <a:stretch>
+            <a:fillRect/>
+          </a:stretch>
+        </p:blipFill>
+        <p:spPr bwMode="auto">
+          <a:xfrm>
+            <a:off x="-1" y="1984578"/>
+            <a:ext cx="6056703" cy="3687017"/>
+          </a:xfrm>
+          <a:prstGeom prst="rect">
+            <a:avLst/>
+          </a:prstGeom>
+          <a:noFill/>
+          <a:extLst>
+            <a:ext uri="{909E8E84-426E-40DD-AFC4-6F175D3DCCD1}">
+              <a14:hiddenFill xmlns:a14="http://schemas.microsoft.com/office/drawing/2010/main">
+                <a:solidFill>
+                  <a:srgbClr val="FFFFFF"/>
+                </a:solidFill>
+              </a14:hiddenFill>
+            </a:ext>
+          </a:extLst>
+        </p:spPr>
+      </p:pic>
+      <p:sp>
+        <p:nvSpPr>
+          <p:cNvPr id="3" name="Content Placeholder 2">
+            <a:extLst>
+              <a:ext uri="{FF2B5EF4-FFF2-40B4-BE49-F238E27FC236}">
+                <a16:creationId xmlns:a16="http://schemas.microsoft.com/office/drawing/2014/main" id="{571386CD-C8D8-E03F-A191-21AFE0A8D747}"/>
+              </a:ext>
+            </a:extLst>
+          </p:cNvPr>
+          <p:cNvSpPr>
+            <a:spLocks noGrp="1"/>
+          </p:cNvSpPr>
+          <p:nvPr>
+            <p:ph idx="1"/>
+          </p:nvPr>
+        </p:nvSpPr>
+        <p:spPr>
+          <a:xfrm>
+            <a:off x="6135298" y="1984578"/>
+            <a:ext cx="6056703" cy="4161579"/>
+          </a:xfrm>
+        </p:spPr>
+        <p:txBody>
+          <a:bodyPr>
+            <a:normAutofit/>
+          </a:bodyPr>
+          <a:lstStyle/>
+          <a:p>
+            <a:pPr>
+              <a:lnSpc>
+                <a:spcPct val="110000"/>
+              </a:lnSpc>
+            </a:pPr>
+            <a:r>
+              <a:rPr lang="en-US" dirty="0"/>
+              <a:t>Recursion is another method of repeating something multiple times, like iteration. </a:t>
+            </a:r>
+          </a:p>
+          <a:p>
+            <a:pPr>
+              <a:lnSpc>
+                <a:spcPct val="110000"/>
+              </a:lnSpc>
+            </a:pPr>
+            <a:r>
+              <a:rPr lang="en-US" dirty="0"/>
+              <a:t>Recursion works by breaking large problems into smaller problems. </a:t>
+            </a:r>
+          </a:p>
+          <a:p>
+            <a:pPr>
+              <a:lnSpc>
+                <a:spcPct val="110000"/>
+              </a:lnSpc>
+            </a:pPr>
+            <a:r>
+              <a:rPr lang="en-US" dirty="0"/>
+              <a:t>Recursive process:</a:t>
+            </a:r>
+          </a:p>
+          <a:p>
+            <a:pPr lvl="1">
+              <a:lnSpc>
+                <a:spcPct val="110000"/>
+              </a:lnSpc>
+            </a:pPr>
+            <a:r>
+              <a:rPr lang="en-US" sz="2000" dirty="0"/>
+              <a:t>If we are at a “base case”, return a value. </a:t>
+            </a:r>
+          </a:p>
+          <a:p>
+            <a:pPr lvl="1">
+              <a:lnSpc>
+                <a:spcPct val="110000"/>
+              </a:lnSpc>
+            </a:pPr>
+            <a:r>
+              <a:rPr lang="en-US" sz="2000" dirty="0"/>
+              <a:t>If we are not, return a call of “itself” with a simpler problem. </a:t>
+            </a:r>
+          </a:p>
+          <a:p>
+            <a:pPr>
+              <a:lnSpc>
+                <a:spcPct val="110000"/>
+              </a:lnSpc>
+            </a:pPr>
+            <a:r>
+              <a:rPr lang="en-US" dirty="0"/>
+              <a:t>Recursion is best explored via an example…</a:t>
+            </a:r>
+          </a:p>
+        </p:txBody>
+      </p:sp>
+    </p:spTree>
+    <p:extLst>
+      <p:ext uri="{BB962C8B-B14F-4D97-AF65-F5344CB8AC3E}">
+        <p14:creationId xmlns:p14="http://schemas.microsoft.com/office/powerpoint/2010/main" val="935184548"/>
+      </p:ext>
+    </p:extLst>
+  </p:cSld>
+  <p:clrMapOvr>
+    <a:masterClrMapping/>
+  </p:clrMapOvr>
+</p:sld>
+</file>
+
+<file path=ppt/slides/slide5.xml><?xml version="1.0" encoding="utf-8"?>
+<p:sld xmlns:a="http://schemas.openxmlformats.org/drawingml/2006/main" xmlns:r="http://schemas.openxmlformats.org/officeDocument/2006/relationships" xmlns:p="http://schemas.openxmlformats.org/presentationml/2006/main">
+  <p:cSld>
+    <p:bg>
+      <p:bgPr>
+        <a:gradFill rotWithShape="1">
+          <a:gsLst>
+            <a:gs pos="0">
+              <a:schemeClr val="bg2">
+                <a:tint val="94000"/>
+                <a:satMod val="80000"/>
+                <a:lumMod val="106000"/>
+              </a:schemeClr>
+            </a:gs>
+            <a:gs pos="100000">
+              <a:schemeClr val="bg2">
+                <a:shade val="80000"/>
+              </a:schemeClr>
+            </a:gs>
+          </a:gsLst>
+          <a:path path="circle">
+            <a:fillToRect l="43000" r="43000" b="100000"/>
+          </a:path>
+        </a:gradFill>
+        <a:effectLst/>
+      </p:bgPr>
+    </p:bg>
+    <p:spTree>
+      <p:nvGrpSpPr>
+        <p:cNvPr id="1" name=""/>
+        <p:cNvGrpSpPr/>
+        <p:nvPr/>
+      </p:nvGrpSpPr>
+      <p:grpSpPr>
+        <a:xfrm>
+          <a:off x="0" y="0"/>
+          <a:ext cx="0" cy="0"/>
+          <a:chOff x="0" y="0"/>
+          <a:chExt cx="0" cy="0"/>
+        </a:xfrm>
+      </p:grpSpPr>
+      <p:sp>
+        <p:nvSpPr>
+          <p:cNvPr id="2" name="Title 1">
+            <a:extLst>
+              <a:ext uri="{FF2B5EF4-FFF2-40B4-BE49-F238E27FC236}">
+                <a16:creationId xmlns:a16="http://schemas.microsoft.com/office/drawing/2014/main" id="{0217C7DD-ACBD-74E0-F79B-19416F9D01F2}"/>
+              </a:ext>
+            </a:extLst>
+          </p:cNvPr>
+          <p:cNvSpPr>
+            <a:spLocks noGrp="1"/>
+          </p:cNvSpPr>
+          <p:nvPr>
+            <p:ph type="title"/>
+          </p:nvPr>
+        </p:nvSpPr>
+        <p:spPr>
+          <a:xfrm>
+            <a:off x="1451579" y="804519"/>
+            <a:ext cx="9603275" cy="1049235"/>
+          </a:xfrm>
+        </p:spPr>
+        <p:txBody>
+          <a:bodyPr>
+            <a:normAutofit/>
+          </a:bodyPr>
+          <a:lstStyle/>
+          <a:p>
+            <a:r>
+              <a:rPr lang="en-US" dirty="0"/>
+              <a:t>Factorial!!!!!!!!</a:t>
+            </a:r>
+          </a:p>
+        </p:txBody>
+      </p:sp>
+      <p:pic>
+        <p:nvPicPr>
+          <p:cNvPr id="2050" name="Picture 2" descr="YARN | Do you really think we need the exclamation point? | Seinfeld (1989)  - S08E21 The Muffin Tops | Video clips by quotes | b7a1bf75 | 紗">
+            <a:extLst>
+              <a:ext uri="{FF2B5EF4-FFF2-40B4-BE49-F238E27FC236}">
+                <a16:creationId xmlns:a16="http://schemas.microsoft.com/office/drawing/2014/main" id="{DC11ECD4-A72A-7829-81A5-52F2FD4BA3AA}"/>
+              </a:ext>
+            </a:extLst>
+          </p:cNvPr>
+          <p:cNvPicPr>
+            <a:picLocks noChangeAspect="1" noChangeArrowheads="1"/>
+          </p:cNvPicPr>
+          <p:nvPr/>
+        </p:nvPicPr>
+        <p:blipFill>
+          <a:blip r:embed="rId2">
+            <a:extLst>
+              <a:ext uri="{28A0092B-C50C-407E-A947-70E740481C1C}">
+                <a14:useLocalDpi xmlns:a14="http://schemas.microsoft.com/office/drawing/2010/main" val="0"/>
+              </a:ext>
+            </a:extLst>
+          </a:blip>
+          <a:stretch>
+            <a:fillRect/>
+          </a:stretch>
+        </p:blipFill>
+        <p:spPr bwMode="auto">
+          <a:xfrm>
+            <a:off x="428719" y="2065497"/>
+            <a:ext cx="4600817" cy="3450613"/>
+          </a:xfrm>
+          <a:prstGeom prst="rect">
+            <a:avLst/>
+          </a:prstGeom>
+          <a:noFill/>
+          <a:extLst>
+            <a:ext uri="{909E8E84-426E-40DD-AFC4-6F175D3DCCD1}">
+              <a14:hiddenFill xmlns:a14="http://schemas.microsoft.com/office/drawing/2010/main">
+                <a:solidFill>
+                  <a:srgbClr val="FFFFFF"/>
+                </a:solidFill>
+              </a14:hiddenFill>
+            </a:ext>
+          </a:extLst>
+        </p:spPr>
+      </p:pic>
+      <p:sp>
+        <p:nvSpPr>
+          <p:cNvPr id="3" name="Content Placeholder 2">
+            <a:extLst>
+              <a:ext uri="{FF2B5EF4-FFF2-40B4-BE49-F238E27FC236}">
+                <a16:creationId xmlns:a16="http://schemas.microsoft.com/office/drawing/2014/main" id="{5631FD70-1985-8B6E-3120-6C93D2740264}"/>
+              </a:ext>
+            </a:extLst>
+          </p:cNvPr>
+          <p:cNvSpPr>
+            <a:spLocks noGrp="1"/>
+          </p:cNvSpPr>
+          <p:nvPr>
+            <p:ph idx="1"/>
+          </p:nvPr>
+        </p:nvSpPr>
+        <p:spPr>
+          <a:xfrm>
+            <a:off x="5604588" y="1853754"/>
+            <a:ext cx="6525961" cy="4199727"/>
+          </a:xfrm>
+        </p:spPr>
+        <p:txBody>
+          <a:bodyPr>
+            <a:normAutofit/>
+          </a:bodyPr>
+          <a:lstStyle/>
+          <a:p>
+            <a:pPr>
+              <a:lnSpc>
+                <a:spcPct val="110000"/>
+              </a:lnSpc>
+            </a:pPr>
+            <a:r>
+              <a:rPr lang="en-US" sz="1700" dirty="0"/>
+              <a:t>Factorials are the easiest and most common example of recursion. </a:t>
+            </a:r>
+          </a:p>
+          <a:p>
+            <a:pPr>
+              <a:lnSpc>
+                <a:spcPct val="110000"/>
+              </a:lnSpc>
+            </a:pPr>
+            <a:r>
+              <a:rPr lang="en-US" sz="1700" dirty="0"/>
+              <a:t>Factorials are indicated by an exclamation point in math. </a:t>
+            </a:r>
+          </a:p>
+          <a:p>
+            <a:pPr>
+              <a:lnSpc>
+                <a:spcPct val="110000"/>
+              </a:lnSpc>
+            </a:pPr>
+            <a:r>
+              <a:rPr lang="en-US" sz="1700" dirty="0"/>
+              <a:t>The factorial function gives an answer of ”all the integers &gt;=1, up to the number, multiplied by each other”.</a:t>
+            </a:r>
+          </a:p>
+          <a:p>
+            <a:pPr lvl="1">
+              <a:lnSpc>
+                <a:spcPct val="110000"/>
+              </a:lnSpc>
+            </a:pPr>
+            <a:r>
+              <a:rPr lang="en-US" sz="1700" dirty="0"/>
+              <a:t>E.g. 5! = 5 * 4 * 3 * 2 * 1</a:t>
+            </a:r>
+          </a:p>
+          <a:p>
+            <a:pPr lvl="1">
+              <a:lnSpc>
+                <a:spcPct val="110000"/>
+              </a:lnSpc>
+            </a:pPr>
+            <a:r>
+              <a:rPr lang="en-US" sz="1700" dirty="0"/>
+              <a:t>3! = 3 * 2 * 1</a:t>
+            </a:r>
+          </a:p>
+          <a:p>
+            <a:pPr>
+              <a:lnSpc>
+                <a:spcPct val="110000"/>
+              </a:lnSpc>
+            </a:pPr>
+            <a:r>
+              <a:rPr lang="en-US" sz="1900" dirty="0"/>
+              <a:t>We can also think of it as a nested stack of factorials:</a:t>
+            </a:r>
+          </a:p>
+          <a:p>
+            <a:pPr lvl="1">
+              <a:lnSpc>
+                <a:spcPct val="110000"/>
+              </a:lnSpc>
+            </a:pPr>
+            <a:r>
+              <a:rPr lang="en-US" sz="1700" dirty="0"/>
+              <a:t>5! = 5 * 4!</a:t>
+            </a:r>
+          </a:p>
+          <a:p>
+            <a:pPr lvl="1">
+              <a:lnSpc>
+                <a:spcPct val="110000"/>
+              </a:lnSpc>
+            </a:pPr>
+            <a:r>
+              <a:rPr lang="en-US" sz="1700" dirty="0"/>
+              <a:t>    = 5 * 4 * 3!</a:t>
+            </a:r>
+          </a:p>
+          <a:p>
+            <a:pPr lvl="1">
+              <a:lnSpc>
+                <a:spcPct val="110000"/>
+              </a:lnSpc>
+            </a:pPr>
+            <a:r>
+              <a:rPr lang="en-US" sz="1700" dirty="0"/>
+              <a:t>3! = 3 * 2!</a:t>
+            </a:r>
+          </a:p>
+          <a:p>
+            <a:pPr lvl="1">
+              <a:lnSpc>
+                <a:spcPct val="110000"/>
+              </a:lnSpc>
+            </a:pPr>
+            <a:r>
+              <a:rPr lang="en-US" sz="1700" dirty="0"/>
+              <a:t>This makes it a great recursion candidate. </a:t>
+            </a:r>
+          </a:p>
+        </p:txBody>
+      </p:sp>
+    </p:spTree>
+    <p:extLst>
+      <p:ext uri="{BB962C8B-B14F-4D97-AF65-F5344CB8AC3E}">
+        <p14:creationId xmlns:p14="http://schemas.microsoft.com/office/powerpoint/2010/main" val="376447581"/>
+      </p:ext>
+    </p:extLst>
+  </p:cSld>
+  <p:clrMapOvr>
+    <a:masterClrMapping/>
+  </p:clrMapOvr>
+</p:sld>
+</file>
+
+<file path=ppt/slides/slide6.xml><?xml version="1.0" encoding="utf-8"?>
+<p:sld xmlns:a="http://schemas.openxmlformats.org/drawingml/2006/main" xmlns:r="http://schemas.openxmlformats.org/officeDocument/2006/relationships" xmlns:p="http://schemas.openxmlformats.org/presentationml/2006/main">
+  <p:cSld>
+    <p:bg>
+      <p:bgPr>
+        <a:gradFill rotWithShape="1">
+          <a:gsLst>
+            <a:gs pos="0">
+              <a:schemeClr val="bg2">
+                <a:tint val="94000"/>
+                <a:satMod val="80000"/>
+                <a:lumMod val="106000"/>
+              </a:schemeClr>
+            </a:gs>
+            <a:gs pos="100000">
+              <a:schemeClr val="bg2">
+                <a:shade val="80000"/>
+              </a:schemeClr>
+            </a:gs>
+          </a:gsLst>
+          <a:path path="circle">
+            <a:fillToRect l="43000" r="43000" b="100000"/>
+          </a:path>
+        </a:gradFill>
+        <a:effectLst/>
+      </p:bgPr>
+    </p:bg>
+    <p:spTree>
+      <p:nvGrpSpPr>
+        <p:cNvPr id="1" name=""/>
+        <p:cNvGrpSpPr/>
+        <p:nvPr/>
+      </p:nvGrpSpPr>
+      <p:grpSpPr>
+        <a:xfrm>
+          <a:off x="0" y="0"/>
+          <a:ext cx="0" cy="0"/>
+          <a:chOff x="0" y="0"/>
+          <a:chExt cx="0" cy="0"/>
+        </a:xfrm>
+      </p:grpSpPr>
+      <p:sp useBgFill="1">
+        <p:nvSpPr>
+          <p:cNvPr id="4105" name="Rectangle 4104">
+            <a:extLst>
+              <a:ext uri="{FF2B5EF4-FFF2-40B4-BE49-F238E27FC236}">
+                <a16:creationId xmlns:a16="http://schemas.microsoft.com/office/drawing/2014/main" id="{1C2A4B30-77D7-4FFB-8B53-A88BD68CABD2}"/>
+              </a:ext>
+              <a:ext uri="{C183D7F6-B498-43B3-948B-1728B52AA6E4}">
+                <adec:decorative xmlns:adec="http://schemas.microsoft.com/office/drawing/2017/decorative" val="1"/>
+              </a:ext>
+            </a:extLst>
+          </p:cNvPr>
+          <p:cNvSpPr>
+            <a:spLocks noGrp="1" noRot="1" noChangeAspect="1" noMove="1" noResize="1" noEditPoints="1" noAdjustHandles="1" noChangeArrowheads="1" noChangeShapeType="1" noTextEdit="1"/>
+          </p:cNvSpPr>
+          <p:nvPr>
+            <p:extLst>
+              <p:ext uri="{386F3935-93C4-4BCD-93E2-E3B085C9AB24}">
+                <p16:designElem xmlns:p16="http://schemas.microsoft.com/office/powerpoint/2015/main" val="1"/>
+              </p:ext>
+            </p:extLst>
+          </p:nvPr>
+        </p:nvSpPr>
+        <p:spPr>
+          <a:xfrm>
+            <a:off x="2" y="0"/>
+            <a:ext cx="12191695" cy="6858000"/>
+          </a:xfrm>
+          <a:prstGeom prst="rect">
+            <a:avLst/>
+          </a:prstGeom>
+          <a:ln>
+            <a:noFill/>
+          </a:ln>
+        </p:spPr>
+        <p:style>
+          <a:lnRef idx="2">
+            <a:schemeClr val="accent1">
+              <a:shade val="50000"/>
+            </a:schemeClr>
+          </a:lnRef>
+          <a:fillRef idx="1">
+            <a:schemeClr val="accent1"/>
+          </a:fillRef>
+          <a:effectRef idx="0">
+            <a:schemeClr val="accent1"/>
+          </a:effectRef>
+          <a:fontRef idx="minor">
+            <a:schemeClr val="lt1"/>
+          </a:fontRef>
+        </p:style>
+        <p:txBody>
+          <a:bodyPr rtlCol="0" anchor="ctr"/>
+          <a:lstStyle/>
+          <a:p>
+            <a:pPr algn="ctr"/>
+            <a:endParaRPr lang="en-US"/>
+          </a:p>
+        </p:txBody>
+      </p:sp>
+      <p:sp>
+        <p:nvSpPr>
+          <p:cNvPr id="2" name="Title 1">
+            <a:extLst>
+              <a:ext uri="{FF2B5EF4-FFF2-40B4-BE49-F238E27FC236}">
+                <a16:creationId xmlns:a16="http://schemas.microsoft.com/office/drawing/2014/main" id="{2F172BE4-BF2A-BCE7-9CE2-6F18C15C63F4}"/>
+              </a:ext>
+            </a:extLst>
+          </p:cNvPr>
+          <p:cNvSpPr>
+            <a:spLocks noGrp="1"/>
+          </p:cNvSpPr>
+          <p:nvPr>
+            <p:ph type="title"/>
+          </p:nvPr>
+        </p:nvSpPr>
+        <p:spPr>
+          <a:xfrm>
+            <a:off x="1451580" y="804519"/>
+            <a:ext cx="4325112" cy="1049235"/>
+          </a:xfrm>
+        </p:spPr>
+        <p:txBody>
+          <a:bodyPr>
+            <a:normAutofit/>
+          </a:bodyPr>
+          <a:lstStyle/>
+          <a:p>
+            <a:r>
+              <a:rPr lang="en-US" sz="2800" dirty="0"/>
+              <a:t>Factorial</a:t>
+            </a:r>
+          </a:p>
+        </p:txBody>
+      </p:sp>
+      <p:cxnSp>
+        <p:nvCxnSpPr>
+          <p:cNvPr id="4107" name="Straight Connector 4106">
+            <a:extLst>
+              <a:ext uri="{FF2B5EF4-FFF2-40B4-BE49-F238E27FC236}">
+                <a16:creationId xmlns:a16="http://schemas.microsoft.com/office/drawing/2014/main" id="{373AAE2E-5D6B-4952-A4BB-546C49F8DE4B}"/>
+              </a:ext>
+              <a:ext uri="{C183D7F6-B498-43B3-948B-1728B52AA6E4}">
+                <adec:decorative xmlns:adec="http://schemas.microsoft.com/office/drawing/2017/decorative" val="1"/>
+              </a:ext>
+            </a:extLst>
+          </p:cNvPr>
+          <p:cNvCxnSpPr>
+            <a:cxnSpLocks noGrp="1" noRot="1" noChangeAspect="1" noMove="1" noResize="1" noEditPoints="1" noAdjustHandles="1" noChangeArrowheads="1" noChangeShapeType="1"/>
+          </p:cNvCxnSpPr>
+          <p:nvPr>
+            <p:extLst>
+              <p:ext uri="{386F3935-93C4-4BCD-93E2-E3B085C9AB24}">
+                <p16:designElem xmlns:p16="http://schemas.microsoft.com/office/powerpoint/2015/main" val="1"/>
+              </p:ext>
+            </p:extLst>
+          </p:nvPr>
+        </p:nvCxnSpPr>
+        <p:spPr>
+          <a:xfrm>
+            <a:off x="1451579" y="1853754"/>
+            <a:ext cx="4325112" cy="0"/>
+          </a:xfrm>
+          <a:prstGeom prst="line">
+            <a:avLst/>
+          </a:prstGeom>
+          <a:ln w="31750"/>
+        </p:spPr>
+        <p:style>
+          <a:lnRef idx="3">
+            <a:schemeClr val="accent1"/>
+          </a:lnRef>
+          <a:fillRef idx="0">
+            <a:schemeClr val="accent1"/>
+          </a:fillRef>
+          <a:effectRef idx="2">
+            <a:schemeClr val="accent1"/>
+          </a:effectRef>
+          <a:fontRef idx="minor">
+            <a:schemeClr val="tx1"/>
+          </a:fontRef>
+        </p:style>
+      </p:cxnSp>
+      <p:sp>
+        <p:nvSpPr>
+          <p:cNvPr id="4109" name="Rectangle 4108">
+            <a:extLst>
+              <a:ext uri="{FF2B5EF4-FFF2-40B4-BE49-F238E27FC236}">
+                <a16:creationId xmlns:a16="http://schemas.microsoft.com/office/drawing/2014/main" id="{01E4D783-AD45-49E7-B6C7-BBACB8290688}"/>
+              </a:ext>
+              <a:ext uri="{C183D7F6-B498-43B3-948B-1728B52AA6E4}">
+                <adec:decorative xmlns:adec="http://schemas.microsoft.com/office/drawing/2017/decorative" val="1"/>
+              </a:ext>
+            </a:extLst>
+          </p:cNvPr>
+          <p:cNvSpPr>
+            <a:spLocks noGrp="1" noRot="1" noChangeAspect="1" noMove="1" noResize="1" noEditPoints="1" noAdjustHandles="1" noChangeArrowheads="1" noChangeShapeType="1" noTextEdit="1"/>
+          </p:cNvSpPr>
+          <p:nvPr>
+            <p:extLst>
+              <p:ext uri="{386F3935-93C4-4BCD-93E2-E3B085C9AB24}">
+                <p16:designElem xmlns:p16="http://schemas.microsoft.com/office/powerpoint/2015/main" val="1"/>
+              </p:ext>
+            </p:extLst>
+          </p:nvPr>
+        </p:nvSpPr>
+        <p:spPr>
+          <a:xfrm>
+            <a:off x="0" y="2019476"/>
+            <a:ext cx="12192000" cy="4838524"/>
+          </a:xfrm>
+          <a:prstGeom prst="rect">
+            <a:avLst/>
+          </a:prstGeom>
+          <a:gradFill flip="none" rotWithShape="1">
+            <a:gsLst>
+              <a:gs pos="0">
+                <a:schemeClr val="bg2">
+                  <a:alpha val="0"/>
+                </a:schemeClr>
+              </a:gs>
+              <a:gs pos="100000">
+                <a:schemeClr val="bg2"/>
+              </a:gs>
+            </a:gsLst>
+            <a:lin ang="5400000" scaled="0"/>
+            <a:tileRect/>
+          </a:gradFill>
+          <a:ln>
+            <a:noFill/>
+          </a:ln>
+        </p:spPr>
+        <p:style>
+          <a:lnRef idx="2">
+            <a:schemeClr val="accent1">
+              <a:shade val="50000"/>
+            </a:schemeClr>
+          </a:lnRef>
+          <a:fillRef idx="1">
+            <a:schemeClr val="accent1"/>
+          </a:fillRef>
+          <a:effectRef idx="0">
+            <a:schemeClr val="accent1"/>
+          </a:effectRef>
+          <a:fontRef idx="minor">
+            <a:schemeClr val="lt1"/>
+          </a:fontRef>
+        </p:style>
+        <p:txBody>
+          <a:bodyPr rtlCol="0" anchor="ctr"/>
+          <a:lstStyle/>
+          <a:p>
+            <a:pPr lvl="0" algn="ctr"/>
+            <a:endParaRPr lang="en-US"/>
+          </a:p>
+        </p:txBody>
+      </p:sp>
+      <p:sp>
+        <p:nvSpPr>
+          <p:cNvPr id="3" name="Content Placeholder 2">
+            <a:extLst>
+              <a:ext uri="{FF2B5EF4-FFF2-40B4-BE49-F238E27FC236}">
+                <a16:creationId xmlns:a16="http://schemas.microsoft.com/office/drawing/2014/main" id="{8F4F2FE7-B259-2A4F-4916-96881339F93A}"/>
+              </a:ext>
+            </a:extLst>
+          </p:cNvPr>
+          <p:cNvSpPr>
+            <a:spLocks noGrp="1"/>
+          </p:cNvSpPr>
+          <p:nvPr>
+            <p:ph idx="1"/>
+          </p:nvPr>
+        </p:nvSpPr>
+        <p:spPr>
+          <a:xfrm>
+            <a:off x="258501" y="1928333"/>
+            <a:ext cx="5518191" cy="4161571"/>
+          </a:xfrm>
+        </p:spPr>
+        <p:txBody>
+          <a:bodyPr>
+            <a:normAutofit/>
+          </a:bodyPr>
+          <a:lstStyle/>
+          <a:p>
+            <a:r>
+              <a:rPr lang="en-US" dirty="0"/>
+              <a:t>Each “term” of the factorial can be broken into two parts:</a:t>
+            </a:r>
+          </a:p>
+          <a:p>
+            <a:pPr lvl="1"/>
+            <a:r>
+              <a:rPr lang="en-US" dirty="0"/>
+              <a:t>“Current” number.</a:t>
+            </a:r>
+          </a:p>
+          <a:p>
+            <a:pPr lvl="1"/>
+            <a:r>
+              <a:rPr lang="en-US" dirty="0"/>
+              <a:t>“The rest” of the numbers.</a:t>
+            </a:r>
+          </a:p>
+          <a:p>
+            <a:r>
+              <a:rPr lang="en-US" dirty="0"/>
+              <a:t>E.g. for 5! those are 5 and 4! </a:t>
+            </a:r>
+          </a:p>
+          <a:p>
+            <a:r>
+              <a:rPr lang="en-US" dirty="0"/>
+              <a:t>1! Is the base case – returns 1. </a:t>
+            </a:r>
+          </a:p>
+          <a:p>
+            <a:r>
+              <a:rPr lang="en-US" dirty="0"/>
+              <a:t>That base case value “fills in” the pending return values up the chain of unrolled recursions. </a:t>
+            </a:r>
+          </a:p>
+          <a:p>
+            <a:pPr lvl="1"/>
+            <a:r>
+              <a:rPr lang="en-US" dirty="0"/>
+              <a:t>Now all the factorial cases, will have a hard value and we can calculate the answer. </a:t>
+            </a:r>
+          </a:p>
+        </p:txBody>
+      </p:sp>
+      <p:pic>
+        <p:nvPicPr>
+          <p:cNvPr id="4100" name="Picture 4" descr="Recursion I">
+            <a:extLst>
+              <a:ext uri="{FF2B5EF4-FFF2-40B4-BE49-F238E27FC236}">
+                <a16:creationId xmlns:a16="http://schemas.microsoft.com/office/drawing/2014/main" id="{0D1E75BB-5B96-6494-0319-E0BB192F3A4F}"/>
+              </a:ext>
+            </a:extLst>
+          </p:cNvPr>
+          <p:cNvPicPr>
+            <a:picLocks noChangeAspect="1" noChangeArrowheads="1"/>
+          </p:cNvPicPr>
+          <p:nvPr/>
+        </p:nvPicPr>
+        <p:blipFill>
+          <a:blip r:embed="rId2">
+            <a:extLst>
+              <a:ext uri="{28A0092B-C50C-407E-A947-70E740481C1C}">
+                <a14:useLocalDpi xmlns:a14="http://schemas.microsoft.com/office/drawing/2010/main" val="0"/>
+              </a:ext>
+            </a:extLst>
+          </a:blip>
+          <a:stretch>
+            <a:fillRect/>
+          </a:stretch>
+        </p:blipFill>
+        <p:spPr bwMode="auto">
+          <a:xfrm>
+            <a:off x="5851118" y="45929"/>
+            <a:ext cx="6082381" cy="6470618"/>
+          </a:xfrm>
+          <a:prstGeom prst="rect">
+            <a:avLst/>
+          </a:prstGeom>
+          <a:noFill/>
+          <a:extLst>
+            <a:ext uri="{909E8E84-426E-40DD-AFC4-6F175D3DCCD1}">
+              <a14:hiddenFill xmlns:a14="http://schemas.microsoft.com/office/drawing/2010/main">
+                <a:solidFill>
+                  <a:srgbClr val="FFFFFF"/>
+                </a:solidFill>
+              </a14:hiddenFill>
+            </a:ext>
+          </a:extLst>
+        </p:spPr>
+      </p:pic>
+    </p:spTree>
+    <p:extLst>
+      <p:ext uri="{BB962C8B-B14F-4D97-AF65-F5344CB8AC3E}">
+        <p14:creationId xmlns:p14="http://schemas.microsoft.com/office/powerpoint/2010/main" val="122084963"/>
+      </p:ext>
+    </p:extLst>
+  </p:cSld>
+  <p:clrMapOvr>
+    <a:masterClrMapping/>
+  </p:clrMapOvr>
+</p:sld>
+</file>
+
+<file path=ppt/slides/slide7.xml><?xml version="1.0" encoding="utf-8"?>
+<p:sld xmlns:a="http://schemas.openxmlformats.org/drawingml/2006/main" xmlns:r="http://schemas.openxmlformats.org/officeDocument/2006/relationships" xmlns:p="http://schemas.openxmlformats.org/presentationml/2006/main">
+  <p:cSld>
+    <p:bg>
+      <p:bgPr>
+        <a:gradFill rotWithShape="1">
+          <a:gsLst>
+            <a:gs pos="0">
+              <a:schemeClr val="bg2">
+                <a:tint val="94000"/>
+                <a:satMod val="80000"/>
+                <a:lumMod val="106000"/>
+              </a:schemeClr>
+            </a:gs>
+            <a:gs pos="100000">
+              <a:schemeClr val="bg2">
+                <a:shade val="80000"/>
+              </a:schemeClr>
+            </a:gs>
+          </a:gsLst>
+          <a:path path="circle">
+            <a:fillToRect l="43000" r="43000" b="100000"/>
+          </a:path>
+        </a:gradFill>
+        <a:effectLst/>
+      </p:bgPr>
+    </p:bg>
+    <p:spTree>
+      <p:nvGrpSpPr>
+        <p:cNvPr id="1" name=""/>
+        <p:cNvGrpSpPr/>
+        <p:nvPr/>
+      </p:nvGrpSpPr>
+      <p:grpSpPr>
+        <a:xfrm>
+          <a:off x="0" y="0"/>
+          <a:ext cx="0" cy="0"/>
+          <a:chOff x="0" y="0"/>
+          <a:chExt cx="0" cy="0"/>
+        </a:xfrm>
+      </p:grpSpPr>
+      <p:sp>
+        <p:nvSpPr>
+          <p:cNvPr id="2" name="Title 1">
+            <a:extLst>
+              <a:ext uri="{FF2B5EF4-FFF2-40B4-BE49-F238E27FC236}">
+                <a16:creationId xmlns:a16="http://schemas.microsoft.com/office/drawing/2014/main" id="{DBA5E138-D4A1-757D-DED4-CD541792E75A}"/>
+              </a:ext>
+            </a:extLst>
+          </p:cNvPr>
+          <p:cNvSpPr>
+            <a:spLocks noGrp="1"/>
+          </p:cNvSpPr>
+          <p:nvPr>
+            <p:ph type="title"/>
+          </p:nvPr>
+        </p:nvSpPr>
+        <p:spPr>
+          <a:xfrm>
+            <a:off x="1451579" y="804519"/>
+            <a:ext cx="9603275" cy="1049235"/>
+          </a:xfrm>
+        </p:spPr>
+        <p:txBody>
+          <a:bodyPr>
+            <a:normAutofit/>
+          </a:bodyPr>
+          <a:lstStyle/>
+          <a:p>
+            <a:r>
+              <a:rPr lang="en-US" dirty="0"/>
+              <a:t>Factorial Code</a:t>
+            </a:r>
+          </a:p>
+        </p:txBody>
+      </p:sp>
+      <p:pic>
+        <p:nvPicPr>
+          <p:cNvPr id="2050" name="Picture 2" descr="What is Recursion?">
+            <a:extLst>
+              <a:ext uri="{FF2B5EF4-FFF2-40B4-BE49-F238E27FC236}">
+                <a16:creationId xmlns:a16="http://schemas.microsoft.com/office/drawing/2014/main" id="{F03754DB-2E7E-1C95-F933-CC31461A524C}"/>
+              </a:ext>
+            </a:extLst>
+          </p:cNvPr>
+          <p:cNvPicPr>
+            <a:picLocks noChangeAspect="1" noChangeArrowheads="1"/>
+          </p:cNvPicPr>
+          <p:nvPr/>
+        </p:nvPicPr>
+        <p:blipFill>
+          <a:blip r:embed="rId2">
+            <a:extLst>
+              <a:ext uri="{28A0092B-C50C-407E-A947-70E740481C1C}">
+                <a14:useLocalDpi xmlns:a14="http://schemas.microsoft.com/office/drawing/2010/main" val="0"/>
+              </a:ext>
+            </a:extLst>
+          </a:blip>
+          <a:stretch>
+            <a:fillRect/>
+          </a:stretch>
+        </p:blipFill>
+        <p:spPr bwMode="auto">
+          <a:xfrm>
+            <a:off x="0" y="2015734"/>
+            <a:ext cx="6193811" cy="2988513"/>
+          </a:xfrm>
+          <a:prstGeom prst="rect">
+            <a:avLst/>
+          </a:prstGeom>
+          <a:noFill/>
+          <a:extLst>
+            <a:ext uri="{909E8E84-426E-40DD-AFC4-6F175D3DCCD1}">
+              <a14:hiddenFill xmlns:a14="http://schemas.microsoft.com/office/drawing/2010/main">
+                <a:solidFill>
+                  <a:srgbClr val="FFFFFF"/>
+                </a:solidFill>
+              </a14:hiddenFill>
+            </a:ext>
+          </a:extLst>
+        </p:spPr>
+      </p:pic>
+      <p:sp>
+        <p:nvSpPr>
+          <p:cNvPr id="3" name="Content Placeholder 2">
+            <a:extLst>
+              <a:ext uri="{FF2B5EF4-FFF2-40B4-BE49-F238E27FC236}">
+                <a16:creationId xmlns:a16="http://schemas.microsoft.com/office/drawing/2014/main" id="{C81DDADB-5F5D-4EB6-BBC4-857DF59E5D76}"/>
+              </a:ext>
+            </a:extLst>
+          </p:cNvPr>
+          <p:cNvSpPr>
+            <a:spLocks noGrp="1"/>
+          </p:cNvSpPr>
+          <p:nvPr>
+            <p:ph idx="1"/>
+          </p:nvPr>
+        </p:nvSpPr>
+        <p:spPr>
+          <a:xfrm>
+            <a:off x="6193811" y="2015734"/>
+            <a:ext cx="5998189" cy="4037747"/>
+          </a:xfrm>
+        </p:spPr>
+        <p:txBody>
+          <a:bodyPr>
+            <a:normAutofit/>
+          </a:bodyPr>
+          <a:lstStyle/>
+          <a:p>
+            <a:r>
+              <a:rPr lang="en-US" dirty="0"/>
+              <a:t>Code for recursion can look simple. </a:t>
+            </a:r>
+          </a:p>
+          <a:p>
+            <a:pPr lvl="1"/>
+            <a:r>
+              <a:rPr lang="en-US" dirty="0"/>
+              <a:t>The iteration is built in. </a:t>
+            </a:r>
+          </a:p>
+          <a:p>
+            <a:r>
+              <a:rPr lang="en-US" dirty="0"/>
+              <a:t>The base case returns a hard value. </a:t>
+            </a:r>
+          </a:p>
+          <a:p>
+            <a:r>
+              <a:rPr lang="en-US" dirty="0"/>
+              <a:t>The recursive case is a call of itself. </a:t>
+            </a:r>
+          </a:p>
+          <a:p>
+            <a:pPr lvl="1"/>
+            <a:r>
+              <a:rPr lang="en-US" dirty="0"/>
+              <a:t>Has the “rest” as an argument. </a:t>
+            </a:r>
+          </a:p>
+          <a:p>
+            <a:pPr lvl="1"/>
+            <a:r>
+              <a:rPr lang="en-US" dirty="0"/>
+              <a:t>Current value is “some value” * value of function call.</a:t>
+            </a:r>
+          </a:p>
+          <a:p>
+            <a:r>
+              <a:rPr lang="en-US" dirty="0"/>
+              <a:t>Can be a decent candidate for debugger. </a:t>
+            </a:r>
+          </a:p>
+          <a:p>
+            <a:pPr lvl="1"/>
+            <a:r>
+              <a:rPr lang="en-US" dirty="0"/>
+              <a:t>We can watch the stack. </a:t>
+            </a:r>
+          </a:p>
+        </p:txBody>
+      </p:sp>
+    </p:spTree>
+    <p:extLst>
+      <p:ext uri="{BB962C8B-B14F-4D97-AF65-F5344CB8AC3E}">
+        <p14:creationId xmlns:p14="http://schemas.microsoft.com/office/powerpoint/2010/main" val="684917290"/>
+      </p:ext>
+    </p:extLst>
+  </p:cSld>
+  <p:clrMapOvr>
+    <a:masterClrMapping/>
+  </p:clrMapOvr>
+</p:sld>
+</file>
+
+<file path=ppt/slides/slide8.xml><?xml version="1.0" encoding="utf-8"?>
+<p:sld xmlns:a="http://schemas.openxmlformats.org/drawingml/2006/main" xmlns:r="http://schemas.openxmlformats.org/officeDocument/2006/relationships" xmlns:p="http://schemas.openxmlformats.org/presentationml/2006/main">
+  <p:cSld>
+    <p:bg>
+      <p:bgPr>
+        <a:gradFill rotWithShape="1">
+          <a:gsLst>
+            <a:gs pos="0">
+              <a:schemeClr val="bg2">
+                <a:tint val="94000"/>
+                <a:satMod val="80000"/>
+                <a:lumMod val="106000"/>
+              </a:schemeClr>
+            </a:gs>
+            <a:gs pos="100000">
+              <a:schemeClr val="bg2">
+                <a:shade val="80000"/>
+              </a:schemeClr>
+            </a:gs>
+          </a:gsLst>
+          <a:path path="circle">
+            <a:fillToRect l="43000" r="43000" b="100000"/>
+          </a:path>
+        </a:gradFill>
+        <a:effectLst/>
+      </p:bgPr>
+    </p:bg>
+    <p:spTree>
+      <p:nvGrpSpPr>
+        <p:cNvPr id="1" name=""/>
+        <p:cNvGrpSpPr/>
+        <p:nvPr/>
+      </p:nvGrpSpPr>
+      <p:grpSpPr>
+        <a:xfrm>
+          <a:off x="0" y="0"/>
+          <a:ext cx="0" cy="0"/>
+          <a:chOff x="0" y="0"/>
+          <a:chExt cx="0" cy="0"/>
+        </a:xfrm>
+      </p:grpSpPr>
+      <p:sp>
+        <p:nvSpPr>
+          <p:cNvPr id="2" name="Title 1">
+            <a:extLst>
+              <a:ext uri="{FF2B5EF4-FFF2-40B4-BE49-F238E27FC236}">
+                <a16:creationId xmlns:a16="http://schemas.microsoft.com/office/drawing/2014/main" id="{A1623082-9F70-94E2-BBEC-6796BD7992AD}"/>
+              </a:ext>
+            </a:extLst>
+          </p:cNvPr>
+          <p:cNvSpPr>
+            <a:spLocks noGrp="1"/>
+          </p:cNvSpPr>
+          <p:nvPr>
+            <p:ph type="title"/>
+          </p:nvPr>
+        </p:nvSpPr>
+        <p:spPr>
+          <a:xfrm>
+            <a:off x="1451579" y="804519"/>
+            <a:ext cx="9603275" cy="1049235"/>
+          </a:xfrm>
+        </p:spPr>
+        <p:txBody>
+          <a:bodyPr>
+            <a:normAutofit/>
+          </a:bodyPr>
+          <a:lstStyle/>
+          <a:p>
+            <a:r>
+              <a:rPr lang="en-US" dirty="0"/>
+              <a:t>File System Navigation</a:t>
+            </a:r>
+          </a:p>
+        </p:txBody>
+      </p:sp>
+      <p:sp>
+        <p:nvSpPr>
+          <p:cNvPr id="3" name="Content Placeholder 2">
+            <a:extLst>
+              <a:ext uri="{FF2B5EF4-FFF2-40B4-BE49-F238E27FC236}">
+                <a16:creationId xmlns:a16="http://schemas.microsoft.com/office/drawing/2014/main" id="{0CFE53E9-7461-1914-BA59-F84E2E29AE2C}"/>
+              </a:ext>
+            </a:extLst>
+          </p:cNvPr>
+          <p:cNvSpPr>
+            <a:spLocks noGrp="1"/>
+          </p:cNvSpPr>
+          <p:nvPr>
+            <p:ph idx="1"/>
+          </p:nvPr>
+        </p:nvSpPr>
+        <p:spPr>
+          <a:xfrm>
+            <a:off x="416690" y="2015734"/>
+            <a:ext cx="6007260" cy="3450613"/>
+          </a:xfrm>
+        </p:spPr>
+        <p:txBody>
+          <a:bodyPr>
+            <a:normAutofit/>
+          </a:bodyPr>
+          <a:lstStyle/>
+          <a:p>
+            <a:r>
+              <a:rPr lang="en-US" dirty="0"/>
+              <a:t>A function that navigates files is good for recursion. </a:t>
+            </a:r>
+          </a:p>
+          <a:p>
+            <a:r>
+              <a:rPr lang="en-US" dirty="0"/>
+              <a:t>Steps:</a:t>
+            </a:r>
+          </a:p>
+          <a:p>
+            <a:pPr lvl="1"/>
+            <a:r>
+              <a:rPr lang="en-US" dirty="0"/>
+              <a:t>Look at each file in this folder.</a:t>
+            </a:r>
+          </a:p>
+          <a:p>
+            <a:pPr lvl="1"/>
+            <a:r>
+              <a:rPr lang="en-US" dirty="0"/>
+              <a:t>If you see a folder in that folder, call yourself with that folder as the argument. </a:t>
+            </a:r>
+          </a:p>
+        </p:txBody>
+      </p:sp>
+      <p:pic>
+        <p:nvPicPr>
+          <p:cNvPr id="1026" name="Picture 2" descr="How to List All Files and Subdirectory Contents in a Folder on Mac">
+            <a:extLst>
+              <a:ext uri="{FF2B5EF4-FFF2-40B4-BE49-F238E27FC236}">
+                <a16:creationId xmlns:a16="http://schemas.microsoft.com/office/drawing/2014/main" id="{5347DCE0-FE54-9405-F211-ACAF1B02063D}"/>
+              </a:ext>
+            </a:extLst>
+          </p:cNvPr>
+          <p:cNvPicPr>
+            <a:picLocks noChangeAspect="1" noChangeArrowheads="1"/>
+          </p:cNvPicPr>
+          <p:nvPr/>
+        </p:nvPicPr>
+        <p:blipFill>
+          <a:blip r:embed="rId2">
+            <a:extLst>
+              <a:ext uri="{28A0092B-C50C-407E-A947-70E740481C1C}">
+                <a14:useLocalDpi xmlns:a14="http://schemas.microsoft.com/office/drawing/2010/main" val="0"/>
+              </a:ext>
+            </a:extLst>
+          </a:blip>
+          <a:stretch>
+            <a:fillRect/>
+          </a:stretch>
+        </p:blipFill>
+        <p:spPr bwMode="auto">
+          <a:xfrm>
+            <a:off x="6423949" y="2937060"/>
+            <a:ext cx="5768052" cy="3792493"/>
+          </a:xfrm>
+          <a:prstGeom prst="rect">
+            <a:avLst/>
+          </a:prstGeom>
+          <a:noFill/>
+          <a:extLst>
+            <a:ext uri="{909E8E84-426E-40DD-AFC4-6F175D3DCCD1}">
+              <a14:hiddenFill xmlns:a14="http://schemas.microsoft.com/office/drawing/2010/main">
+                <a:solidFill>
+                  <a:srgbClr val="FFFFFF"/>
+                </a:solidFill>
+              </a14:hiddenFill>
+            </a:ext>
+          </a:extLst>
+        </p:spPr>
+      </p:pic>
+      <p:pic>
+        <p:nvPicPr>
+          <p:cNvPr id="1028" name="Picture 4" descr="YO DAWG I HEAR YOU like recursion so I recursed your recursion so you can  call recursion on your recursion - Xzibit meme - quickmeme">
+            <a:extLst>
+              <a:ext uri="{FF2B5EF4-FFF2-40B4-BE49-F238E27FC236}">
+                <a16:creationId xmlns:a16="http://schemas.microsoft.com/office/drawing/2014/main" id="{F5228A7B-0778-95B4-85F3-3DFF533EE372}"/>
+              </a:ext>
+            </a:extLst>
+          </p:cNvPr>
+          <p:cNvPicPr>
+            <a:picLocks noChangeAspect="1" noChangeArrowheads="1"/>
+          </p:cNvPicPr>
+          <p:nvPr/>
+        </p:nvPicPr>
+        <p:blipFill>
+          <a:blip r:embed="rId3">
+            <a:extLst>
+              <a:ext uri="{28A0092B-C50C-407E-A947-70E740481C1C}">
+                <a14:useLocalDpi xmlns:a14="http://schemas.microsoft.com/office/drawing/2010/main" val="0"/>
+              </a:ext>
+            </a:extLst>
+          </a:blip>
+          <a:srcRect/>
+          <a:stretch>
+            <a:fillRect/>
+          </a:stretch>
+        </p:blipFill>
+        <p:spPr bwMode="auto">
+          <a:xfrm>
+            <a:off x="7942360" y="0"/>
+            <a:ext cx="3832950" cy="2545318"/>
+          </a:xfrm>
+          <a:prstGeom prst="rect">
+            <a:avLst/>
+          </a:prstGeom>
+          <a:noFill/>
+          <a:extLst>
+            <a:ext uri="{909E8E84-426E-40DD-AFC4-6F175D3DCCD1}">
+              <a14:hiddenFill xmlns:a14="http://schemas.microsoft.com/office/drawing/2010/main">
+                <a:solidFill>
+                  <a:srgbClr val="FFFFFF"/>
+                </a:solidFill>
+              </a14:hiddenFill>
+            </a:ext>
+          </a:extLst>
+        </p:spPr>
+      </p:pic>
+    </p:spTree>
+    <p:extLst>
+      <p:ext uri="{BB962C8B-B14F-4D97-AF65-F5344CB8AC3E}">
+        <p14:creationId xmlns:p14="http://schemas.microsoft.com/office/powerpoint/2010/main" val="1444515810"/>
       </p:ext>
     </p:extLst>
   </p:cSld>
@@ -8288,7 +7683,7 @@
           <p:cNvPr id="2" name="Title 1">
             <a:extLst>
               <a:ext uri="{FF2B5EF4-FFF2-40B4-BE49-F238E27FC236}">
-                <a16:creationId xmlns:a16="http://schemas.microsoft.com/office/drawing/2014/main" id="{5AEBC5CE-97E1-4427-7E18-3965028DD5AD}"/>
+                <a16:creationId xmlns:a16="http://schemas.microsoft.com/office/drawing/2014/main" id="{5D9B5094-EFF4-E405-CD0A-16B0C9B17D2F}"/>
               </a:ext>
             </a:extLst>
           </p:cNvPr>
@@ -8306,7 +7701,7 @@
           <a:p>
             <a:r>
               <a:rPr lang="en-US" dirty="0"/>
-              <a:t>Stack my Recursion</a:t>
+              <a:t>Exponents</a:t>
             </a:r>
           </a:p>
         </p:txBody>
@@ -8316,7 +7711,7 @@
           <p:cNvPr id="3" name="Content Placeholder 2">
             <a:extLst>
               <a:ext uri="{FF2B5EF4-FFF2-40B4-BE49-F238E27FC236}">
-                <a16:creationId xmlns:a16="http://schemas.microsoft.com/office/drawing/2014/main" id="{8D7BA632-399D-9977-95EF-B621DFB811DE}"/>
+                <a16:creationId xmlns:a16="http://schemas.microsoft.com/office/drawing/2014/main" id="{D70FDB1A-7D3F-F358-D3EE-323C6D4D2EA9}"/>
               </a:ext>
             </a:extLst>
           </p:cNvPr>
@@ -8327,89 +7722,66 @@
             <p:ph idx="1"/>
           </p:nvPr>
         </p:nvSpPr>
-        <p:spPr>
-          <a:xfrm>
-            <a:off x="1451579" y="1853754"/>
-            <a:ext cx="9603275" cy="4199727"/>
-          </a:xfrm>
+        <p:spPr/>
+        <p:txBody>
+          <a:bodyPr/>
+          <a:lstStyle/>
+          <a:p>
+            <a:endParaRPr lang="en-US"/>
+          </a:p>
+        </p:txBody>
+      </p:sp>
+      <p:pic>
+        <p:nvPicPr>
+          <p:cNvPr id="3074" name="Picture 2" descr="Power of a Number using Recursion in C | PrepInsta">
+            <a:extLst>
+              <a:ext uri="{FF2B5EF4-FFF2-40B4-BE49-F238E27FC236}">
+                <a16:creationId xmlns:a16="http://schemas.microsoft.com/office/drawing/2014/main" id="{0F1FF87F-F608-F4D4-6371-A963DADA6575}"/>
+              </a:ext>
+            </a:extLst>
+          </p:cNvPr>
+          <p:cNvPicPr>
+            <a:picLocks noChangeAspect="1" noChangeArrowheads="1"/>
+          </p:cNvPicPr>
+          <p:nvPr/>
+        </p:nvPicPr>
+        <p:blipFill>
+          <a:blip r:embed="rId2">
+            <a:extLst>
+              <a:ext uri="{28A0092B-C50C-407E-A947-70E740481C1C}">
+                <a14:useLocalDpi xmlns:a14="http://schemas.microsoft.com/office/drawing/2010/main" val="0"/>
+              </a:ext>
+            </a:extLst>
+          </a:blip>
+          <a:srcRect/>
+          <a:stretch>
+            <a:fillRect/>
+          </a:stretch>
+        </p:blipFill>
+        <p:spPr bwMode="auto">
+          <a:xfrm>
+            <a:off x="4720621" y="0"/>
+            <a:ext cx="6019800" cy="6858000"/>
+          </a:xfrm>
+          <a:prstGeom prst="rect">
+            <a:avLst/>
+          </a:prstGeom>
+          <a:noFill/>
+          <a:extLst>
+            <a:ext uri="{909E8E84-426E-40DD-AFC4-6F175D3DCCD1}">
+              <a14:hiddenFill xmlns:a14="http://schemas.microsoft.com/office/drawing/2010/main">
+                <a:solidFill>
+                  <a:srgbClr val="FFFFFF"/>
+                </a:solidFill>
+              </a14:hiddenFill>
+            </a:ext>
+          </a:extLst>
         </p:spPr>
-        <p:txBody>
-          <a:bodyPr>
-            <a:normAutofit lnSpcReduction="10000"/>
-          </a:bodyPr>
-          <a:lstStyle/>
-          <a:p>
-            <a:r>
-              <a:rPr lang="en-US" dirty="0"/>
-              <a:t>The stack is something we rarely (especially for DS in Python) think about. </a:t>
-            </a:r>
-          </a:p>
-          <a:p>
-            <a:pPr lvl="1"/>
-            <a:r>
-              <a:rPr lang="en-US" dirty="0"/>
-              <a:t>If doing lower-level code, this is something that is more of a consideration. </a:t>
-            </a:r>
-          </a:p>
-          <a:p>
-            <a:r>
-              <a:rPr lang="en-US" dirty="0"/>
-              <a:t>Recursion can generate many additions to the stack. </a:t>
-            </a:r>
-          </a:p>
-          <a:p>
-            <a:pPr lvl="1"/>
-            <a:r>
-              <a:rPr lang="en-US" dirty="0"/>
-              <a:t>Our simple example generated 3 function calls on the stack. </a:t>
-            </a:r>
-          </a:p>
-          <a:p>
-            <a:pPr lvl="1"/>
-            <a:r>
-              <a:rPr lang="en-US" dirty="0"/>
-              <a:t>Each recursion round generates it’s own function call, at a minimum. </a:t>
-            </a:r>
-          </a:p>
-          <a:p>
-            <a:pPr lvl="1"/>
-            <a:r>
-              <a:rPr lang="en-US" dirty="0"/>
-              <a:t>E.g. factorial(1000) would stack 1000 function calls on said stack. </a:t>
-            </a:r>
-          </a:p>
-          <a:p>
-            <a:r>
-              <a:rPr lang="en-US" dirty="0"/>
-              <a:t>There is a possibility for “stack overflow”, or too much stuff in the stack. </a:t>
-            </a:r>
-          </a:p>
-          <a:p>
-            <a:pPr lvl="1"/>
-            <a:r>
-              <a:rPr lang="en-US" dirty="0"/>
-              <a:t>Each call of a function generates objects in memory. </a:t>
-            </a:r>
-          </a:p>
-          <a:p>
-            <a:pPr lvl="1"/>
-            <a:r>
-              <a:rPr lang="en-US" dirty="0"/>
-              <a:t>Also one of the more useful sites for explanations and examples. </a:t>
-            </a:r>
-          </a:p>
-          <a:p>
-            <a:r>
-              <a:rPr lang="en-US" dirty="0"/>
-              <a:t>Python has a default limit of adding 1000 recursive calls to the stack. </a:t>
-            </a:r>
-          </a:p>
-        </p:txBody>
-      </p:sp>
+      </p:pic>
     </p:spTree>
     <p:extLst>
       <p:ext uri="{BB962C8B-B14F-4D97-AF65-F5344CB8AC3E}">
-        <p14:creationId xmlns:p14="http://schemas.microsoft.com/office/powerpoint/2010/main" val="4279302459"/>
+        <p14:creationId xmlns:p14="http://schemas.microsoft.com/office/powerpoint/2010/main" val="3097853120"/>
       </p:ext>
     </p:extLst>
   </p:cSld>

--- a/reference_material/slides/008_recursion.pptx
+++ b/reference_material/slides/008_recursion.pptx
@@ -4002,41 +4002,34 @@
             <a:pPr lvl="1"/>
             <a:r>
               <a:rPr lang="en-US" dirty="0"/>
-              <a:t>Recursion (Ch 5) (Workbook 008)</a:t>
+              <a:t>Recursion (Ch 5 think python) (Workbook 008)</a:t>
             </a:r>
           </a:p>
           <a:p>
             <a:pPr lvl="1"/>
             <a:r>
               <a:rPr lang="en-US" dirty="0"/>
-              <a:t>Details of strings (Ch 8) (009)</a:t>
+              <a:t>Some large exercises mixed in. </a:t>
+            </a:r>
+          </a:p>
+          <a:p>
+            <a:r>
+              <a:rPr lang="en-US" dirty="0"/>
+              <a:t>Overall Context:</a:t>
             </a:r>
           </a:p>
           <a:p>
             <a:pPr lvl="1"/>
             <a:r>
               <a:rPr lang="en-US" dirty="0"/>
-              <a:t>Some large exercises mixed in. </a:t>
-            </a:r>
-          </a:p>
-          <a:p>
-            <a:r>
-              <a:rPr lang="en-US" dirty="0"/>
-              <a:t>Overall Context:</a:t>
+              <a:t>We’ve gone over most of the basic tools we need to ”do stuff” </a:t>
             </a:r>
           </a:p>
           <a:p>
             <a:pPr lvl="1"/>
             <a:r>
               <a:rPr lang="en-US" dirty="0"/>
-              <a:t>We’ve gone over roughly the first 12 chapters of text content, in lower detail. </a:t>
-            </a:r>
-          </a:p>
-          <a:p>
-            <a:pPr lvl="1"/>
-            <a:r>
-              <a:rPr lang="en-US" dirty="0"/>
-              <a:t>We’ll circle back around to some of those concepts, with a more full set of tools. </a:t>
+              <a:t>We’ll circle back around to some of those concepts, with a more full set of tools, and try to build things that are more complex bit by bit. </a:t>
             </a:r>
           </a:p>
           <a:p>
